--- a/需求文档图.pptx
+++ b/需求文档图.pptx
@@ -282,7 +282,7 @@
           <a:p>
             <a:fld id="{794A54E8-C2C9-4FD9-B8B6-B2C64FB16E40}" type="datetimeFigureOut">
               <a:rPr lang="zh-CN" altLang="en-US" smtClean="0"/>
-              <a:t>2017-11-12</a:t>
+              <a:t>2017-11-19</a:t>
             </a:fld>
             <a:endParaRPr lang="zh-CN" altLang="en-US"/>
           </a:p>
@@ -480,7 +480,7 @@
           <a:p>
             <a:fld id="{794A54E8-C2C9-4FD9-B8B6-B2C64FB16E40}" type="datetimeFigureOut">
               <a:rPr lang="zh-CN" altLang="en-US" smtClean="0"/>
-              <a:t>2017-11-12</a:t>
+              <a:t>2017-11-19</a:t>
             </a:fld>
             <a:endParaRPr lang="zh-CN" altLang="en-US"/>
           </a:p>
@@ -688,7 +688,7 @@
           <a:p>
             <a:fld id="{794A54E8-C2C9-4FD9-B8B6-B2C64FB16E40}" type="datetimeFigureOut">
               <a:rPr lang="zh-CN" altLang="en-US" smtClean="0"/>
-              <a:t>2017-11-12</a:t>
+              <a:t>2017-11-19</a:t>
             </a:fld>
             <a:endParaRPr lang="zh-CN" altLang="en-US"/>
           </a:p>
@@ -886,7 +886,7 @@
           <a:p>
             <a:fld id="{794A54E8-C2C9-4FD9-B8B6-B2C64FB16E40}" type="datetimeFigureOut">
               <a:rPr lang="zh-CN" altLang="en-US" smtClean="0"/>
-              <a:t>2017-11-12</a:t>
+              <a:t>2017-11-19</a:t>
             </a:fld>
             <a:endParaRPr lang="zh-CN" altLang="en-US"/>
           </a:p>
@@ -1161,7 +1161,7 @@
           <a:p>
             <a:fld id="{794A54E8-C2C9-4FD9-B8B6-B2C64FB16E40}" type="datetimeFigureOut">
               <a:rPr lang="zh-CN" altLang="en-US" smtClean="0"/>
-              <a:t>2017-11-12</a:t>
+              <a:t>2017-11-19</a:t>
             </a:fld>
             <a:endParaRPr lang="zh-CN" altLang="en-US"/>
           </a:p>
@@ -1426,7 +1426,7 @@
           <a:p>
             <a:fld id="{794A54E8-C2C9-4FD9-B8B6-B2C64FB16E40}" type="datetimeFigureOut">
               <a:rPr lang="zh-CN" altLang="en-US" smtClean="0"/>
-              <a:t>2017-11-12</a:t>
+              <a:t>2017-11-19</a:t>
             </a:fld>
             <a:endParaRPr lang="zh-CN" altLang="en-US"/>
           </a:p>
@@ -1838,7 +1838,7 @@
           <a:p>
             <a:fld id="{794A54E8-C2C9-4FD9-B8B6-B2C64FB16E40}" type="datetimeFigureOut">
               <a:rPr lang="zh-CN" altLang="en-US" smtClean="0"/>
-              <a:t>2017-11-12</a:t>
+              <a:t>2017-11-19</a:t>
             </a:fld>
             <a:endParaRPr lang="zh-CN" altLang="en-US"/>
           </a:p>
@@ -1979,7 +1979,7 @@
           <a:p>
             <a:fld id="{794A54E8-C2C9-4FD9-B8B6-B2C64FB16E40}" type="datetimeFigureOut">
               <a:rPr lang="zh-CN" altLang="en-US" smtClean="0"/>
-              <a:t>2017-11-12</a:t>
+              <a:t>2017-11-19</a:t>
             </a:fld>
             <a:endParaRPr lang="zh-CN" altLang="en-US"/>
           </a:p>
@@ -2092,7 +2092,7 @@
           <a:p>
             <a:fld id="{794A54E8-C2C9-4FD9-B8B6-B2C64FB16E40}" type="datetimeFigureOut">
               <a:rPr lang="zh-CN" altLang="en-US" smtClean="0"/>
-              <a:t>2017-11-12</a:t>
+              <a:t>2017-11-19</a:t>
             </a:fld>
             <a:endParaRPr lang="zh-CN" altLang="en-US"/>
           </a:p>
@@ -2403,7 +2403,7 @@
           <a:p>
             <a:fld id="{794A54E8-C2C9-4FD9-B8B6-B2C64FB16E40}" type="datetimeFigureOut">
               <a:rPr lang="zh-CN" altLang="en-US" smtClean="0"/>
-              <a:t>2017-11-12</a:t>
+              <a:t>2017-11-19</a:t>
             </a:fld>
             <a:endParaRPr lang="zh-CN" altLang="en-US"/>
           </a:p>
@@ -2691,7 +2691,7 @@
           <a:p>
             <a:fld id="{794A54E8-C2C9-4FD9-B8B6-B2C64FB16E40}" type="datetimeFigureOut">
               <a:rPr lang="zh-CN" altLang="en-US" smtClean="0"/>
-              <a:t>2017-11-12</a:t>
+              <a:t>2017-11-19</a:t>
             </a:fld>
             <a:endParaRPr lang="zh-CN" altLang="en-US"/>
           </a:p>
@@ -2932,7 +2932,7 @@
           <a:p>
             <a:fld id="{794A54E8-C2C9-4FD9-B8B6-B2C64FB16E40}" type="datetimeFigureOut">
               <a:rPr lang="zh-CN" altLang="en-US" smtClean="0"/>
-              <a:t>2017-11-12</a:t>
+              <a:t>2017-11-19</a:t>
             </a:fld>
             <a:endParaRPr lang="zh-CN" altLang="en-US"/>
           </a:p>
@@ -3821,46 +3821,6 @@
       </p:sp>
       <p:cxnSp>
         <p:nvCxnSpPr>
-          <p:cNvPr id="19" name="直接连接符 18">
-            <a:extLst>
-              <a:ext uri="{FF2B5EF4-FFF2-40B4-BE49-F238E27FC236}">
-                <a16:creationId xmlns:a16="http://schemas.microsoft.com/office/drawing/2014/main" id="{59EAF6A7-6015-4481-9F46-C18514A2718C}"/>
-              </a:ext>
-            </a:extLst>
-          </p:cNvPr>
-          <p:cNvCxnSpPr>
-            <a:cxnSpLocks/>
-            <a:stCxn id="8" idx="1"/>
-            <a:endCxn id="13" idx="1"/>
-          </p:cNvCxnSpPr>
-          <p:nvPr/>
-        </p:nvCxnSpPr>
-        <p:spPr>
-          <a:xfrm flipV="1">
-            <a:off x="1267460" y="1755719"/>
-            <a:ext cx="1501112" cy="3224905"/>
-          </a:xfrm>
-          <a:prstGeom prst="line">
-            <a:avLst/>
-          </a:prstGeom>
-        </p:spPr>
-        <p:style>
-          <a:lnRef idx="1">
-            <a:schemeClr val="accent1"/>
-          </a:lnRef>
-          <a:fillRef idx="0">
-            <a:schemeClr val="accent1"/>
-          </a:fillRef>
-          <a:effectRef idx="0">
-            <a:schemeClr val="accent1"/>
-          </a:effectRef>
-          <a:fontRef idx="minor">
-            <a:schemeClr val="tx1"/>
-          </a:fontRef>
-        </p:style>
-      </p:cxnSp>
-      <p:cxnSp>
-        <p:nvCxnSpPr>
           <p:cNvPr id="21" name="直接连接符 20">
             <a:extLst>
               <a:ext uri="{FF2B5EF4-FFF2-40B4-BE49-F238E27FC236}">
@@ -4151,7 +4111,7 @@
         </p:nvSpPr>
         <p:spPr>
           <a:xfrm>
-            <a:off x="2189262" y="1801395"/>
+            <a:off x="650397" y="4665164"/>
             <a:ext cx="311304" cy="369332"/>
           </a:xfrm>
           <a:prstGeom prst="rect">
@@ -4319,10 +4279,10 @@
       </p:sp>
       <p:sp>
         <p:nvSpPr>
-          <p:cNvPr id="86" name="文本框 85">
-            <a:extLst>
-              <a:ext uri="{FF2B5EF4-FFF2-40B4-BE49-F238E27FC236}">
-                <a16:creationId xmlns:a16="http://schemas.microsoft.com/office/drawing/2014/main" id="{45398FFE-5BA2-46F8-BD94-BD5A3F492F1A}"/>
+          <p:cNvPr id="87" name="文本框 86">
+            <a:extLst>
+              <a:ext uri="{FF2B5EF4-FFF2-40B4-BE49-F238E27FC236}">
+                <a16:creationId xmlns:a16="http://schemas.microsoft.com/office/drawing/2014/main" id="{DA82A917-D006-4C9C-9A28-860216C8A815}"/>
               </a:ext>
             </a:extLst>
           </p:cNvPr>
@@ -4331,8 +4291,8 @@
         </p:nvSpPr>
         <p:spPr>
           <a:xfrm>
-            <a:off x="2038420" y="4205011"/>
-            <a:ext cx="306494" cy="369332"/>
+            <a:off x="3882076" y="4223941"/>
+            <a:ext cx="311304" cy="369332"/>
           </a:xfrm>
           <a:prstGeom prst="rect">
             <a:avLst/>
@@ -4347,7 +4307,7 @@
           <a:p>
             <a:r>
               <a:rPr lang="en-US" altLang="zh-CN" dirty="0"/>
-              <a:t>1</a:t>
+              <a:t>n</a:t>
             </a:r>
             <a:endParaRPr lang="zh-CN" altLang="en-US" dirty="0"/>
           </a:p>
@@ -4355,10 +4315,10 @@
       </p:sp>
       <p:sp>
         <p:nvSpPr>
-          <p:cNvPr id="87" name="文本框 86">
-            <a:extLst>
-              <a:ext uri="{FF2B5EF4-FFF2-40B4-BE49-F238E27FC236}">
-                <a16:creationId xmlns:a16="http://schemas.microsoft.com/office/drawing/2014/main" id="{DA82A917-D006-4C9C-9A28-860216C8A815}"/>
+          <p:cNvPr id="88" name="文本框 87">
+            <a:extLst>
+              <a:ext uri="{FF2B5EF4-FFF2-40B4-BE49-F238E27FC236}">
+                <a16:creationId xmlns:a16="http://schemas.microsoft.com/office/drawing/2014/main" id="{EFF4F846-7F5B-45DF-B318-4A327E5E68F9}"/>
               </a:ext>
             </a:extLst>
           </p:cNvPr>
@@ -4367,7 +4327,7 @@
         </p:nvSpPr>
         <p:spPr>
           <a:xfrm>
-            <a:off x="3882076" y="4223941"/>
+            <a:off x="5713104" y="4231363"/>
             <a:ext cx="311304" cy="369332"/>
           </a:xfrm>
           <a:prstGeom prst="rect">
@@ -4391,10 +4351,10 @@
       </p:sp>
       <p:sp>
         <p:nvSpPr>
-          <p:cNvPr id="88" name="文本框 87">
-            <a:extLst>
-              <a:ext uri="{FF2B5EF4-FFF2-40B4-BE49-F238E27FC236}">
-                <a16:creationId xmlns:a16="http://schemas.microsoft.com/office/drawing/2014/main" id="{EFF4F846-7F5B-45DF-B318-4A327E5E68F9}"/>
+          <p:cNvPr id="89" name="文本框 88">
+            <a:extLst>
+              <a:ext uri="{FF2B5EF4-FFF2-40B4-BE49-F238E27FC236}">
+                <a16:creationId xmlns:a16="http://schemas.microsoft.com/office/drawing/2014/main" id="{7FE846D0-B8B6-4173-BB7E-88A5C62BC1D2}"/>
               </a:ext>
             </a:extLst>
           </p:cNvPr>
@@ -4403,8 +4363,8 @@
         </p:nvSpPr>
         <p:spPr>
           <a:xfrm>
-            <a:off x="5713104" y="4231363"/>
-            <a:ext cx="311304" cy="369332"/>
+            <a:off x="7595991" y="4186239"/>
+            <a:ext cx="306494" cy="369332"/>
           </a:xfrm>
           <a:prstGeom prst="rect">
             <a:avLst/>
@@ -4419,7 +4379,7 @@
           <a:p>
             <a:r>
               <a:rPr lang="en-US" altLang="zh-CN" dirty="0"/>
-              <a:t>n</a:t>
+              <a:t>1</a:t>
             </a:r>
             <a:endParaRPr lang="zh-CN" altLang="en-US" dirty="0"/>
           </a:p>
@@ -4427,10 +4387,10 @@
       </p:sp>
       <p:sp>
         <p:nvSpPr>
-          <p:cNvPr id="89" name="文本框 88">
-            <a:extLst>
-              <a:ext uri="{FF2B5EF4-FFF2-40B4-BE49-F238E27FC236}">
-                <a16:creationId xmlns:a16="http://schemas.microsoft.com/office/drawing/2014/main" id="{7FE846D0-B8B6-4173-BB7E-88A5C62BC1D2}"/>
+          <p:cNvPr id="90" name="文本框 89">
+            <a:extLst>
+              <a:ext uri="{FF2B5EF4-FFF2-40B4-BE49-F238E27FC236}">
+                <a16:creationId xmlns:a16="http://schemas.microsoft.com/office/drawing/2014/main" id="{B7C44D9A-8197-4E11-9D6A-9873E5B951DA}"/>
               </a:ext>
             </a:extLst>
           </p:cNvPr>
@@ -4439,8 +4399,8 @@
         </p:nvSpPr>
         <p:spPr>
           <a:xfrm>
-            <a:off x="7595991" y="4186239"/>
-            <a:ext cx="306494" cy="369332"/>
+            <a:off x="9529910" y="4263630"/>
+            <a:ext cx="311304" cy="369332"/>
           </a:xfrm>
           <a:prstGeom prst="rect">
             <a:avLst/>
@@ -4456,42 +4416,6 @@
             <a:r>
               <a:rPr lang="en-US" altLang="zh-CN" dirty="0"/>
               <a:t>1</a:t>
-            </a:r>
-            <a:endParaRPr lang="zh-CN" altLang="en-US" dirty="0"/>
-          </a:p>
-        </p:txBody>
-      </p:sp>
-      <p:sp>
-        <p:nvSpPr>
-          <p:cNvPr id="90" name="文本框 89">
-            <a:extLst>
-              <a:ext uri="{FF2B5EF4-FFF2-40B4-BE49-F238E27FC236}">
-                <a16:creationId xmlns:a16="http://schemas.microsoft.com/office/drawing/2014/main" id="{B7C44D9A-8197-4E11-9D6A-9873E5B951DA}"/>
-              </a:ext>
-            </a:extLst>
-          </p:cNvPr>
-          <p:cNvSpPr txBox="1"/>
-          <p:nvPr/>
-        </p:nvSpPr>
-        <p:spPr>
-          <a:xfrm>
-            <a:off x="9529910" y="4263630"/>
-            <a:ext cx="311304" cy="369332"/>
-          </a:xfrm>
-          <a:prstGeom prst="rect">
-            <a:avLst/>
-          </a:prstGeom>
-          <a:noFill/>
-        </p:spPr>
-        <p:txBody>
-          <a:bodyPr wrap="none" rtlCol="0">
-            <a:spAutoFit/>
-          </a:bodyPr>
-          <a:lstStyle/>
-          <a:p>
-            <a:r>
-              <a:rPr lang="en-US" altLang="zh-CN" dirty="0"/>
-              <a:t>n</a:t>
             </a:r>
             <a:endParaRPr lang="zh-CN" altLang="en-US" dirty="0"/>
           </a:p>
@@ -4738,6 +4662,83 @@
           </a:xfrm>
           <a:prstGeom prst="line">
             <a:avLst/>
+          </a:prstGeom>
+        </p:spPr>
+        <p:style>
+          <a:lnRef idx="1">
+            <a:schemeClr val="accent1"/>
+          </a:lnRef>
+          <a:fillRef idx="0">
+            <a:schemeClr val="accent1"/>
+          </a:fillRef>
+          <a:effectRef idx="0">
+            <a:schemeClr val="accent1"/>
+          </a:effectRef>
+          <a:fontRef idx="minor">
+            <a:schemeClr val="tx1"/>
+          </a:fontRef>
+        </p:style>
+      </p:cxnSp>
+      <p:sp>
+        <p:nvSpPr>
+          <p:cNvPr id="36" name="文本框 35">
+            <a:extLst>
+              <a:ext uri="{FF2B5EF4-FFF2-40B4-BE49-F238E27FC236}">
+                <a16:creationId xmlns:a16="http://schemas.microsoft.com/office/drawing/2014/main" id="{4C8FFD99-80DC-43C3-998D-BEDDC5CFD047}"/>
+              </a:ext>
+            </a:extLst>
+          </p:cNvPr>
+          <p:cNvSpPr txBox="1"/>
+          <p:nvPr/>
+        </p:nvSpPr>
+        <p:spPr>
+          <a:xfrm>
+            <a:off x="2018016" y="4231363"/>
+            <a:ext cx="311304" cy="369332"/>
+          </a:xfrm>
+          <a:prstGeom prst="rect">
+            <a:avLst/>
+          </a:prstGeom>
+          <a:noFill/>
+        </p:spPr>
+        <p:txBody>
+          <a:bodyPr wrap="none" rtlCol="0">
+            <a:spAutoFit/>
+          </a:bodyPr>
+          <a:lstStyle/>
+          <a:p>
+            <a:r>
+              <a:rPr lang="en-US" altLang="zh-CN" dirty="0"/>
+              <a:t>n</a:t>
+            </a:r>
+            <a:endParaRPr lang="zh-CN" altLang="en-US" dirty="0"/>
+          </a:p>
+        </p:txBody>
+      </p:sp>
+      <p:cxnSp>
+        <p:nvCxnSpPr>
+          <p:cNvPr id="15" name="连接符: 肘形 14">
+            <a:extLst>
+              <a:ext uri="{FF2B5EF4-FFF2-40B4-BE49-F238E27FC236}">
+                <a16:creationId xmlns:a16="http://schemas.microsoft.com/office/drawing/2014/main" id="{5BF83170-0D84-4463-BE82-F4D70FBC75DB}"/>
+              </a:ext>
+            </a:extLst>
+          </p:cNvPr>
+          <p:cNvCxnSpPr>
+            <a:stCxn id="13" idx="1"/>
+            <a:endCxn id="8" idx="1"/>
+          </p:cNvCxnSpPr>
+          <p:nvPr/>
+        </p:nvCxnSpPr>
+        <p:spPr>
+          <a:xfrm rot="10800000" flipV="1">
+            <a:off x="1267460" y="1755718"/>
+            <a:ext cx="1501112" cy="3224905"/>
+          </a:xfrm>
+          <a:prstGeom prst="bentConnector3">
+            <a:avLst>
+              <a:gd name="adj1" fmla="val 115229"/>
+            </a:avLst>
           </a:prstGeom>
         </p:spPr>
         <p:style>

--- a/需求文档图.pptx
+++ b/需求文档图.pptx
@@ -282,7 +282,7 @@
           <a:p>
             <a:fld id="{794A54E8-C2C9-4FD9-B8B6-B2C64FB16E40}" type="datetimeFigureOut">
               <a:rPr lang="zh-CN" altLang="en-US" smtClean="0"/>
-              <a:t>2017-11-19</a:t>
+              <a:t>2017-11-21</a:t>
             </a:fld>
             <a:endParaRPr lang="zh-CN" altLang="en-US"/>
           </a:p>
@@ -480,7 +480,7 @@
           <a:p>
             <a:fld id="{794A54E8-C2C9-4FD9-B8B6-B2C64FB16E40}" type="datetimeFigureOut">
               <a:rPr lang="zh-CN" altLang="en-US" smtClean="0"/>
-              <a:t>2017-11-19</a:t>
+              <a:t>2017-11-21</a:t>
             </a:fld>
             <a:endParaRPr lang="zh-CN" altLang="en-US"/>
           </a:p>
@@ -688,7 +688,7 @@
           <a:p>
             <a:fld id="{794A54E8-C2C9-4FD9-B8B6-B2C64FB16E40}" type="datetimeFigureOut">
               <a:rPr lang="zh-CN" altLang="en-US" smtClean="0"/>
-              <a:t>2017-11-19</a:t>
+              <a:t>2017-11-21</a:t>
             </a:fld>
             <a:endParaRPr lang="zh-CN" altLang="en-US"/>
           </a:p>
@@ -886,7 +886,7 @@
           <a:p>
             <a:fld id="{794A54E8-C2C9-4FD9-B8B6-B2C64FB16E40}" type="datetimeFigureOut">
               <a:rPr lang="zh-CN" altLang="en-US" smtClean="0"/>
-              <a:t>2017-11-19</a:t>
+              <a:t>2017-11-21</a:t>
             </a:fld>
             <a:endParaRPr lang="zh-CN" altLang="en-US"/>
           </a:p>
@@ -1161,7 +1161,7 @@
           <a:p>
             <a:fld id="{794A54E8-C2C9-4FD9-B8B6-B2C64FB16E40}" type="datetimeFigureOut">
               <a:rPr lang="zh-CN" altLang="en-US" smtClean="0"/>
-              <a:t>2017-11-19</a:t>
+              <a:t>2017-11-21</a:t>
             </a:fld>
             <a:endParaRPr lang="zh-CN" altLang="en-US"/>
           </a:p>
@@ -1426,7 +1426,7 @@
           <a:p>
             <a:fld id="{794A54E8-C2C9-4FD9-B8B6-B2C64FB16E40}" type="datetimeFigureOut">
               <a:rPr lang="zh-CN" altLang="en-US" smtClean="0"/>
-              <a:t>2017-11-19</a:t>
+              <a:t>2017-11-21</a:t>
             </a:fld>
             <a:endParaRPr lang="zh-CN" altLang="en-US"/>
           </a:p>
@@ -1838,7 +1838,7 @@
           <a:p>
             <a:fld id="{794A54E8-C2C9-4FD9-B8B6-B2C64FB16E40}" type="datetimeFigureOut">
               <a:rPr lang="zh-CN" altLang="en-US" smtClean="0"/>
-              <a:t>2017-11-19</a:t>
+              <a:t>2017-11-21</a:t>
             </a:fld>
             <a:endParaRPr lang="zh-CN" altLang="en-US"/>
           </a:p>
@@ -1979,7 +1979,7 @@
           <a:p>
             <a:fld id="{794A54E8-C2C9-4FD9-B8B6-B2C64FB16E40}" type="datetimeFigureOut">
               <a:rPr lang="zh-CN" altLang="en-US" smtClean="0"/>
-              <a:t>2017-11-19</a:t>
+              <a:t>2017-11-21</a:t>
             </a:fld>
             <a:endParaRPr lang="zh-CN" altLang="en-US"/>
           </a:p>
@@ -2092,7 +2092,7 @@
           <a:p>
             <a:fld id="{794A54E8-C2C9-4FD9-B8B6-B2C64FB16E40}" type="datetimeFigureOut">
               <a:rPr lang="zh-CN" altLang="en-US" smtClean="0"/>
-              <a:t>2017-11-19</a:t>
+              <a:t>2017-11-21</a:t>
             </a:fld>
             <a:endParaRPr lang="zh-CN" altLang="en-US"/>
           </a:p>
@@ -2403,7 +2403,7 @@
           <a:p>
             <a:fld id="{794A54E8-C2C9-4FD9-B8B6-B2C64FB16E40}" type="datetimeFigureOut">
               <a:rPr lang="zh-CN" altLang="en-US" smtClean="0"/>
-              <a:t>2017-11-19</a:t>
+              <a:t>2017-11-21</a:t>
             </a:fld>
             <a:endParaRPr lang="zh-CN" altLang="en-US"/>
           </a:p>
@@ -2691,7 +2691,7 @@
           <a:p>
             <a:fld id="{794A54E8-C2C9-4FD9-B8B6-B2C64FB16E40}" type="datetimeFigureOut">
               <a:rPr lang="zh-CN" altLang="en-US" smtClean="0"/>
-              <a:t>2017-11-19</a:t>
+              <a:t>2017-11-21</a:t>
             </a:fld>
             <a:endParaRPr lang="zh-CN" altLang="en-US"/>
           </a:p>
@@ -2932,7 +2932,7 @@
           <a:p>
             <a:fld id="{794A54E8-C2C9-4FD9-B8B6-B2C64FB16E40}" type="datetimeFigureOut">
               <a:rPr lang="zh-CN" altLang="en-US" smtClean="0"/>
-              <a:t>2017-11-19</a:t>
+              <a:t>2017-11-21</a:t>
             </a:fld>
             <a:endParaRPr lang="zh-CN" altLang="en-US"/>
           </a:p>
@@ -4848,7 +4848,7 @@
         </p:nvSpPr>
         <p:spPr>
           <a:xfrm>
-            <a:off x="1060271" y="3569348"/>
+            <a:off x="1060270" y="4688526"/>
             <a:ext cx="878889" cy="372862"/>
           </a:xfrm>
           <a:prstGeom prst="rect">
@@ -4877,53 +4877,6 @@
             <a:r>
               <a:rPr lang="zh-CN" altLang="en-US" dirty="0"/>
               <a:t>按钮</a:t>
-            </a:r>
-          </a:p>
-        </p:txBody>
-      </p:sp>
-      <p:sp>
-        <p:nvSpPr>
-          <p:cNvPr id="7" name="矩形 6">
-            <a:extLst>
-              <a:ext uri="{FF2B5EF4-FFF2-40B4-BE49-F238E27FC236}">
-                <a16:creationId xmlns:a16="http://schemas.microsoft.com/office/drawing/2014/main" id="{0C187636-44A9-4C3B-858B-95312C4E0D15}"/>
-              </a:ext>
-            </a:extLst>
-          </p:cNvPr>
-          <p:cNvSpPr/>
-          <p:nvPr/>
-        </p:nvSpPr>
-        <p:spPr>
-          <a:xfrm>
-            <a:off x="1054283" y="4409336"/>
-            <a:ext cx="878889" cy="372862"/>
-          </a:xfrm>
-          <a:prstGeom prst="rect">
-            <a:avLst/>
-          </a:prstGeom>
-        </p:spPr>
-        <p:style>
-          <a:lnRef idx="1">
-            <a:schemeClr val="accent1"/>
-          </a:lnRef>
-          <a:fillRef idx="2">
-            <a:schemeClr val="accent1"/>
-          </a:fillRef>
-          <a:effectRef idx="1">
-            <a:schemeClr val="accent1"/>
-          </a:effectRef>
-          <a:fontRef idx="minor">
-            <a:schemeClr val="dk1"/>
-          </a:fontRef>
-        </p:style>
-        <p:txBody>
-          <a:bodyPr rtlCol="0" anchor="ctr"/>
-          <a:lstStyle/>
-          <a:p>
-            <a:pPr algn="ctr"/>
-            <a:r>
-              <a:rPr lang="zh-CN" altLang="en-US" dirty="0"/>
-              <a:t>乘客</a:t>
             </a:r>
           </a:p>
         </p:txBody>
@@ -5177,51 +5130,9 @@
           <p:nvPr/>
         </p:nvCxnSpPr>
         <p:spPr>
-          <a:xfrm>
-            <a:off x="1939160" y="3755779"/>
-            <a:ext cx="1665173" cy="149549"/>
-          </a:xfrm>
-          <a:prstGeom prst="straightConnector1">
-            <a:avLst/>
-          </a:prstGeom>
-          <a:ln>
-            <a:tailEnd type="triangle"/>
-          </a:ln>
-        </p:spPr>
-        <p:style>
-          <a:lnRef idx="1">
-            <a:schemeClr val="accent1"/>
-          </a:lnRef>
-          <a:fillRef idx="0">
-            <a:schemeClr val="accent1"/>
-          </a:fillRef>
-          <a:effectRef idx="0">
-            <a:schemeClr val="accent1"/>
-          </a:effectRef>
-          <a:fontRef idx="minor">
-            <a:schemeClr val="tx1"/>
-          </a:fontRef>
-        </p:style>
-      </p:cxnSp>
-      <p:cxnSp>
-        <p:nvCxnSpPr>
-          <p:cNvPr id="68" name="直接箭头连接符 67">
-            <a:extLst>
-              <a:ext uri="{FF2B5EF4-FFF2-40B4-BE49-F238E27FC236}">
-                <a16:creationId xmlns:a16="http://schemas.microsoft.com/office/drawing/2014/main" id="{9CC765BF-C9CD-4CA9-BD7D-F6B2BE272FCD}"/>
-              </a:ext>
-            </a:extLst>
-          </p:cNvPr>
-          <p:cNvCxnSpPr>
-            <a:stCxn id="7" idx="3"/>
-            <a:endCxn id="62" idx="3"/>
-          </p:cNvCxnSpPr>
-          <p:nvPr/>
-        </p:nvCxnSpPr>
-        <p:spPr>
           <a:xfrm flipV="1">
-            <a:off x="1933172" y="4152688"/>
-            <a:ext cx="1868777" cy="443079"/>
+            <a:off x="1939159" y="3905328"/>
+            <a:ext cx="1665174" cy="969629"/>
           </a:xfrm>
           <a:prstGeom prst="straightConnector1">
             <a:avLst/>
@@ -5420,7 +5331,7 @@
         </p:nvSpPr>
         <p:spPr>
           <a:xfrm>
-            <a:off x="2426035" y="3516262"/>
+            <a:off x="2340959" y="4206045"/>
             <a:ext cx="902811" cy="307777"/>
           </a:xfrm>
           <a:prstGeom prst="rect">
@@ -5437,41 +5348,6 @@
             <a:r>
               <a:rPr lang="zh-CN" altLang="en-US" sz="1400" dirty="0"/>
               <a:t>请求信号</a:t>
-            </a:r>
-          </a:p>
-        </p:txBody>
-      </p:sp>
-      <p:sp>
-        <p:nvSpPr>
-          <p:cNvPr id="78" name="文本框 77">
-            <a:extLst>
-              <a:ext uri="{FF2B5EF4-FFF2-40B4-BE49-F238E27FC236}">
-                <a16:creationId xmlns:a16="http://schemas.microsoft.com/office/drawing/2014/main" id="{41907CF1-ED6D-4249-96F4-F12E31431702}"/>
-              </a:ext>
-            </a:extLst>
-          </p:cNvPr>
-          <p:cNvSpPr txBox="1"/>
-          <p:nvPr/>
-        </p:nvSpPr>
-        <p:spPr>
-          <a:xfrm>
-            <a:off x="2595690" y="4404374"/>
-            <a:ext cx="902811" cy="307777"/>
-          </a:xfrm>
-          <a:prstGeom prst="rect">
-            <a:avLst/>
-          </a:prstGeom>
-          <a:noFill/>
-        </p:spPr>
-        <p:txBody>
-          <a:bodyPr wrap="none" rtlCol="0">
-            <a:spAutoFit/>
-          </a:bodyPr>
-          <a:lstStyle/>
-          <a:p>
-            <a:r>
-              <a:rPr lang="zh-CN" altLang="en-US" sz="1400" dirty="0"/>
-              <a:t>乘梯请求</a:t>
             </a:r>
           </a:p>
         </p:txBody>
@@ -5673,7 +5549,7 @@
         </p:nvSpPr>
         <p:spPr>
           <a:xfrm>
-            <a:off x="1509202" y="159798"/>
+            <a:off x="1952073" y="133930"/>
             <a:ext cx="878889" cy="513425"/>
           </a:xfrm>
           <a:prstGeom prst="rect">
@@ -5720,7 +5596,7 @@
         </p:nvSpPr>
         <p:spPr>
           <a:xfrm>
-            <a:off x="2623350" y="159798"/>
+            <a:off x="3564383" y="167961"/>
             <a:ext cx="878889" cy="513425"/>
           </a:xfrm>
           <a:prstGeom prst="rect">
@@ -5749,53 +5625,6 @@
             <a:r>
               <a:rPr lang="zh-CN" altLang="en-US" dirty="0"/>
               <a:t>电梯外部按钮</a:t>
-            </a:r>
-          </a:p>
-        </p:txBody>
-      </p:sp>
-      <p:sp>
-        <p:nvSpPr>
-          <p:cNvPr id="7" name="矩形 6">
-            <a:extLst>
-              <a:ext uri="{FF2B5EF4-FFF2-40B4-BE49-F238E27FC236}">
-                <a16:creationId xmlns:a16="http://schemas.microsoft.com/office/drawing/2014/main" id="{A322820C-60E6-4533-960D-56812536E78A}"/>
-              </a:ext>
-            </a:extLst>
-          </p:cNvPr>
-          <p:cNvSpPr/>
-          <p:nvPr/>
-        </p:nvSpPr>
-        <p:spPr>
-          <a:xfrm>
-            <a:off x="3737498" y="181992"/>
-            <a:ext cx="878889" cy="372862"/>
-          </a:xfrm>
-          <a:prstGeom prst="rect">
-            <a:avLst/>
-          </a:prstGeom>
-        </p:spPr>
-        <p:style>
-          <a:lnRef idx="1">
-            <a:schemeClr val="accent1"/>
-          </a:lnRef>
-          <a:fillRef idx="2">
-            <a:schemeClr val="accent1"/>
-          </a:fillRef>
-          <a:effectRef idx="1">
-            <a:schemeClr val="accent1"/>
-          </a:effectRef>
-          <a:fontRef idx="minor">
-            <a:schemeClr val="dk1"/>
-          </a:fontRef>
-        </p:style>
-        <p:txBody>
-          <a:bodyPr rtlCol="0" anchor="ctr"/>
-          <a:lstStyle/>
-          <a:p>
-            <a:pPr algn="ctr"/>
-            <a:r>
-              <a:rPr lang="zh-CN" altLang="en-US" dirty="0"/>
-              <a:t>乘客</a:t>
             </a:r>
           </a:p>
         </p:txBody>
@@ -6086,15 +5915,16 @@
             </a:extLst>
           </p:cNvPr>
           <p:cNvCxnSpPr>
+            <a:cxnSpLocks/>
             <a:stCxn id="5" idx="2"/>
-            <a:endCxn id="8" idx="1"/>
+            <a:endCxn id="8" idx="0"/>
           </p:cNvCxnSpPr>
           <p:nvPr/>
         </p:nvCxnSpPr>
         <p:spPr>
-          <a:xfrm rot="16200000" flipH="1">
-            <a:off x="1418812" y="1203058"/>
-            <a:ext cx="1085091" cy="25420"/>
+          <a:xfrm rot="5400000">
+            <a:off x="1921196" y="1117677"/>
+            <a:ext cx="940645" cy="12700"/>
           </a:xfrm>
           <a:prstGeom prst="bentConnector3">
             <a:avLst/>
@@ -6128,57 +5958,16 @@
             </a:extLst>
           </p:cNvPr>
           <p:cNvCxnSpPr>
+            <a:cxnSpLocks/>
             <a:stCxn id="6" idx="2"/>
-            <a:endCxn id="8" idx="7"/>
-          </p:cNvCxnSpPr>
-          <p:nvPr/>
-        </p:nvCxnSpPr>
-        <p:spPr>
-          <a:xfrm rot="5400000">
-            <a:off x="2393337" y="1088855"/>
-            <a:ext cx="1085091" cy="253826"/>
-          </a:xfrm>
-          <a:prstGeom prst="bentConnector3">
-            <a:avLst/>
-          </a:prstGeom>
-          <a:ln>
-            <a:tailEnd type="triangle"/>
-          </a:ln>
-        </p:spPr>
-        <p:style>
-          <a:lnRef idx="1">
-            <a:schemeClr val="accent1"/>
-          </a:lnRef>
-          <a:fillRef idx="0">
-            <a:schemeClr val="accent1"/>
-          </a:fillRef>
-          <a:effectRef idx="0">
-            <a:schemeClr val="accent1"/>
-          </a:effectRef>
-          <a:fontRef idx="minor">
-            <a:schemeClr val="tx1"/>
-          </a:fontRef>
-        </p:style>
-      </p:cxnSp>
-      <p:cxnSp>
-        <p:nvCxnSpPr>
-          <p:cNvPr id="20" name="连接符: 肘形 19">
-            <a:extLst>
-              <a:ext uri="{FF2B5EF4-FFF2-40B4-BE49-F238E27FC236}">
-                <a16:creationId xmlns:a16="http://schemas.microsoft.com/office/drawing/2014/main" id="{7757AE47-C285-4144-A0BF-A46D318B577E}"/>
-              </a:ext>
-            </a:extLst>
-          </p:cNvPr>
-          <p:cNvCxnSpPr>
-            <a:stCxn id="7" idx="2"/>
             <a:endCxn id="8" idx="6"/>
           </p:cNvCxnSpPr>
           <p:nvPr/>
         </p:nvCxnSpPr>
         <p:spPr>
           <a:xfrm rot="5400000">
-            <a:off x="2772096" y="764641"/>
-            <a:ext cx="1614634" cy="1195060"/>
+            <a:off x="2748805" y="914465"/>
+            <a:ext cx="1488102" cy="1021945"/>
           </a:xfrm>
           <a:prstGeom prst="bentConnector2">
             <a:avLst/>
@@ -6576,7 +6365,7 @@
         </p:nvSpPr>
         <p:spPr>
           <a:xfrm>
-            <a:off x="1509429" y="1124992"/>
+            <a:off x="1794385" y="1012495"/>
             <a:ext cx="800219" cy="276999"/>
           </a:xfrm>
           <a:prstGeom prst="rect">
@@ -6611,7 +6400,7 @@
         </p:nvSpPr>
         <p:spPr>
           <a:xfrm>
-            <a:off x="2635163" y="977711"/>
+            <a:off x="3662774" y="1112147"/>
             <a:ext cx="800219" cy="276999"/>
           </a:xfrm>
           <a:prstGeom prst="rect">
@@ -6628,41 +6417,6 @@
             <a:r>
               <a:rPr lang="zh-CN" altLang="en-US" sz="1200" dirty="0"/>
               <a:t>外部命令</a:t>
-            </a:r>
-          </a:p>
-        </p:txBody>
-      </p:sp>
-      <p:sp>
-        <p:nvSpPr>
-          <p:cNvPr id="38" name="文本框 37">
-            <a:extLst>
-              <a:ext uri="{FF2B5EF4-FFF2-40B4-BE49-F238E27FC236}">
-                <a16:creationId xmlns:a16="http://schemas.microsoft.com/office/drawing/2014/main" id="{27BD6B55-58E6-48FD-86E5-9CBF946B33BB}"/>
-              </a:ext>
-            </a:extLst>
-          </p:cNvPr>
-          <p:cNvSpPr txBox="1"/>
-          <p:nvPr/>
-        </p:nvSpPr>
-        <p:spPr>
-          <a:xfrm>
-            <a:off x="3776832" y="1305659"/>
-            <a:ext cx="813043" cy="276999"/>
-          </a:xfrm>
-          <a:prstGeom prst="rect">
-            <a:avLst/>
-          </a:prstGeom>
-          <a:noFill/>
-        </p:spPr>
-        <p:txBody>
-          <a:bodyPr wrap="none" rtlCol="0">
-            <a:spAutoFit/>
-          </a:bodyPr>
-          <a:lstStyle/>
-          <a:p>
-            <a:r>
-              <a:rPr lang="zh-CN" altLang="en-US" sz="1200" dirty="0"/>
-              <a:t>体重信息</a:t>
             </a:r>
           </a:p>
         </p:txBody>
@@ -7908,6 +7662,38 @@
               <a:rPr lang="zh-CN" altLang="en-US" sz="1200" dirty="0"/>
               <a:t>状态信息</a:t>
             </a:r>
+          </a:p>
+        </p:txBody>
+      </p:sp>
+      <p:sp>
+        <p:nvSpPr>
+          <p:cNvPr id="19" name="文本框 18">
+            <a:extLst>
+              <a:ext uri="{FF2B5EF4-FFF2-40B4-BE49-F238E27FC236}">
+                <a16:creationId xmlns:a16="http://schemas.microsoft.com/office/drawing/2014/main" id="{D7E08EAC-A9D6-4BDE-A795-C164DF79BCAC}"/>
+              </a:ext>
+            </a:extLst>
+          </p:cNvPr>
+          <p:cNvSpPr txBox="1"/>
+          <p:nvPr/>
+        </p:nvSpPr>
+        <p:spPr>
+          <a:xfrm>
+            <a:off x="12339961" y="89516"/>
+            <a:ext cx="433226" cy="513425"/>
+          </a:xfrm>
+          <a:prstGeom prst="rect">
+            <a:avLst/>
+          </a:prstGeom>
+          <a:noFill/>
+        </p:spPr>
+        <p:txBody>
+          <a:bodyPr wrap="square" rtlCol="0">
+            <a:spAutoFit/>
+          </a:bodyPr>
+          <a:lstStyle/>
+          <a:p>
+            <a:endParaRPr lang="zh-CN" altLang="en-US" dirty="0"/>
           </a:p>
         </p:txBody>
       </p:sp>
@@ -8084,53 +7870,6 @@
       </p:sp>
       <p:sp>
         <p:nvSpPr>
-          <p:cNvPr id="7" name="矩形 6">
-            <a:extLst>
-              <a:ext uri="{FF2B5EF4-FFF2-40B4-BE49-F238E27FC236}">
-                <a16:creationId xmlns:a16="http://schemas.microsoft.com/office/drawing/2014/main" id="{92BB6C02-165F-48C1-BED7-29CF1E66DA33}"/>
-              </a:ext>
-            </a:extLst>
-          </p:cNvPr>
-          <p:cNvSpPr/>
-          <p:nvPr/>
-        </p:nvSpPr>
-        <p:spPr>
-          <a:xfrm>
-            <a:off x="593556" y="5029199"/>
-            <a:ext cx="1427747" cy="497305"/>
-          </a:xfrm>
-          <a:prstGeom prst="rect">
-            <a:avLst/>
-          </a:prstGeom>
-        </p:spPr>
-        <p:style>
-          <a:lnRef idx="2">
-            <a:schemeClr val="accent2"/>
-          </a:lnRef>
-          <a:fillRef idx="1">
-            <a:schemeClr val="lt1"/>
-          </a:fillRef>
-          <a:effectRef idx="0">
-            <a:schemeClr val="accent2"/>
-          </a:effectRef>
-          <a:fontRef idx="minor">
-            <a:schemeClr val="dk1"/>
-          </a:fontRef>
-        </p:style>
-        <p:txBody>
-          <a:bodyPr rtlCol="0" anchor="ctr"/>
-          <a:lstStyle/>
-          <a:p>
-            <a:pPr algn="ctr"/>
-            <a:r>
-              <a:rPr lang="zh-CN" altLang="en-US" dirty="0"/>
-              <a:t>乘客</a:t>
-            </a:r>
-          </a:p>
-        </p:txBody>
-      </p:sp>
-      <p:sp>
-        <p:nvSpPr>
           <p:cNvPr id="8" name="椭圆 7">
             <a:extLst>
               <a:ext uri="{FF2B5EF4-FFF2-40B4-BE49-F238E27FC236}">
@@ -8705,49 +8444,6 @@
       </p:cxnSp>
       <p:cxnSp>
         <p:nvCxnSpPr>
-          <p:cNvPr id="28" name="直接箭头连接符 27">
-            <a:extLst>
-              <a:ext uri="{FF2B5EF4-FFF2-40B4-BE49-F238E27FC236}">
-                <a16:creationId xmlns:a16="http://schemas.microsoft.com/office/drawing/2014/main" id="{E6A5690C-DC0E-49B8-95ED-C5B7DD5B2C0B}"/>
-              </a:ext>
-            </a:extLst>
-          </p:cNvPr>
-          <p:cNvCxnSpPr>
-            <a:cxnSpLocks/>
-            <a:stCxn id="7" idx="0"/>
-            <a:endCxn id="10" idx="3"/>
-          </p:cNvCxnSpPr>
-          <p:nvPr/>
-        </p:nvCxnSpPr>
-        <p:spPr>
-          <a:xfrm flipV="1">
-            <a:off x="1307430" y="4048196"/>
-            <a:ext cx="2230966" cy="981003"/>
-          </a:xfrm>
-          <a:prstGeom prst="straightConnector1">
-            <a:avLst/>
-          </a:prstGeom>
-          <a:ln>
-            <a:tailEnd type="triangle"/>
-          </a:ln>
-        </p:spPr>
-        <p:style>
-          <a:lnRef idx="1">
-            <a:schemeClr val="accent1"/>
-          </a:lnRef>
-          <a:fillRef idx="0">
-            <a:schemeClr val="accent1"/>
-          </a:fillRef>
-          <a:effectRef idx="0">
-            <a:schemeClr val="accent1"/>
-          </a:effectRef>
-          <a:fontRef idx="minor">
-            <a:schemeClr val="tx1"/>
-          </a:fontRef>
-        </p:style>
-      </p:cxnSp>
-      <p:cxnSp>
-        <p:nvCxnSpPr>
           <p:cNvPr id="30" name="直接箭头连接符 29">
             <a:extLst>
               <a:ext uri="{FF2B5EF4-FFF2-40B4-BE49-F238E27FC236}">
@@ -9217,41 +8913,6 @@
             <a:r>
               <a:rPr lang="zh-CN" altLang="en-US" sz="1600" dirty="0"/>
               <a:t>外部命令</a:t>
-            </a:r>
-          </a:p>
-        </p:txBody>
-      </p:sp>
-      <p:sp>
-        <p:nvSpPr>
-          <p:cNvPr id="49" name="文本框 48">
-            <a:extLst>
-              <a:ext uri="{FF2B5EF4-FFF2-40B4-BE49-F238E27FC236}">
-                <a16:creationId xmlns:a16="http://schemas.microsoft.com/office/drawing/2014/main" id="{B8E8086D-9FF0-417A-A782-54B44F88D677}"/>
-              </a:ext>
-            </a:extLst>
-          </p:cNvPr>
-          <p:cNvSpPr txBox="1"/>
-          <p:nvPr/>
-        </p:nvSpPr>
-        <p:spPr>
-          <a:xfrm>
-            <a:off x="1827414" y="4346652"/>
-            <a:ext cx="1005403" cy="338554"/>
-          </a:xfrm>
-          <a:prstGeom prst="rect">
-            <a:avLst/>
-          </a:prstGeom>
-          <a:noFill/>
-        </p:spPr>
-        <p:txBody>
-          <a:bodyPr wrap="none" rtlCol="0">
-            <a:spAutoFit/>
-          </a:bodyPr>
-          <a:lstStyle/>
-          <a:p>
-            <a:r>
-              <a:rPr lang="zh-CN" altLang="en-US" sz="1600" dirty="0"/>
-              <a:t>乘梯请求</a:t>
             </a:r>
           </a:p>
         </p:txBody>

--- a/需求文档图.pptx
+++ b/需求文档图.pptx
@@ -13,6 +13,11 @@
     <p:sldId id="260" r:id="rId7"/>
     <p:sldId id="261" r:id="rId8"/>
     <p:sldId id="262" r:id="rId9"/>
+    <p:sldId id="264" r:id="rId10"/>
+    <p:sldId id="268" r:id="rId11"/>
+    <p:sldId id="265" r:id="rId12"/>
+    <p:sldId id="266" r:id="rId13"/>
+    <p:sldId id="267" r:id="rId14"/>
   </p:sldIdLst>
   <p:sldSz cx="12192000" cy="6858000"/>
   <p:notesSz cx="6858000" cy="9144000"/>
@@ -282,7 +287,7 @@
           <a:p>
             <a:fld id="{794A54E8-C2C9-4FD9-B8B6-B2C64FB16E40}" type="datetimeFigureOut">
               <a:rPr lang="zh-CN" altLang="en-US" smtClean="0"/>
-              <a:t>2017-11-21</a:t>
+              <a:t>2017-12-23</a:t>
             </a:fld>
             <a:endParaRPr lang="zh-CN" altLang="en-US"/>
           </a:p>
@@ -480,7 +485,7 @@
           <a:p>
             <a:fld id="{794A54E8-C2C9-4FD9-B8B6-B2C64FB16E40}" type="datetimeFigureOut">
               <a:rPr lang="zh-CN" altLang="en-US" smtClean="0"/>
-              <a:t>2017-11-21</a:t>
+              <a:t>2017-12-23</a:t>
             </a:fld>
             <a:endParaRPr lang="zh-CN" altLang="en-US"/>
           </a:p>
@@ -688,7 +693,7 @@
           <a:p>
             <a:fld id="{794A54E8-C2C9-4FD9-B8B6-B2C64FB16E40}" type="datetimeFigureOut">
               <a:rPr lang="zh-CN" altLang="en-US" smtClean="0"/>
-              <a:t>2017-11-21</a:t>
+              <a:t>2017-12-23</a:t>
             </a:fld>
             <a:endParaRPr lang="zh-CN" altLang="en-US"/>
           </a:p>
@@ -886,7 +891,7 @@
           <a:p>
             <a:fld id="{794A54E8-C2C9-4FD9-B8B6-B2C64FB16E40}" type="datetimeFigureOut">
               <a:rPr lang="zh-CN" altLang="en-US" smtClean="0"/>
-              <a:t>2017-11-21</a:t>
+              <a:t>2017-12-23</a:t>
             </a:fld>
             <a:endParaRPr lang="zh-CN" altLang="en-US"/>
           </a:p>
@@ -1161,7 +1166,7 @@
           <a:p>
             <a:fld id="{794A54E8-C2C9-4FD9-B8B6-B2C64FB16E40}" type="datetimeFigureOut">
               <a:rPr lang="zh-CN" altLang="en-US" smtClean="0"/>
-              <a:t>2017-11-21</a:t>
+              <a:t>2017-12-23</a:t>
             </a:fld>
             <a:endParaRPr lang="zh-CN" altLang="en-US"/>
           </a:p>
@@ -1426,7 +1431,7 @@
           <a:p>
             <a:fld id="{794A54E8-C2C9-4FD9-B8B6-B2C64FB16E40}" type="datetimeFigureOut">
               <a:rPr lang="zh-CN" altLang="en-US" smtClean="0"/>
-              <a:t>2017-11-21</a:t>
+              <a:t>2017-12-23</a:t>
             </a:fld>
             <a:endParaRPr lang="zh-CN" altLang="en-US"/>
           </a:p>
@@ -1838,7 +1843,7 @@
           <a:p>
             <a:fld id="{794A54E8-C2C9-4FD9-B8B6-B2C64FB16E40}" type="datetimeFigureOut">
               <a:rPr lang="zh-CN" altLang="en-US" smtClean="0"/>
-              <a:t>2017-11-21</a:t>
+              <a:t>2017-12-23</a:t>
             </a:fld>
             <a:endParaRPr lang="zh-CN" altLang="en-US"/>
           </a:p>
@@ -1979,7 +1984,7 @@
           <a:p>
             <a:fld id="{794A54E8-C2C9-4FD9-B8B6-B2C64FB16E40}" type="datetimeFigureOut">
               <a:rPr lang="zh-CN" altLang="en-US" smtClean="0"/>
-              <a:t>2017-11-21</a:t>
+              <a:t>2017-12-23</a:t>
             </a:fld>
             <a:endParaRPr lang="zh-CN" altLang="en-US"/>
           </a:p>
@@ -2092,7 +2097,7 @@
           <a:p>
             <a:fld id="{794A54E8-C2C9-4FD9-B8B6-B2C64FB16E40}" type="datetimeFigureOut">
               <a:rPr lang="zh-CN" altLang="en-US" smtClean="0"/>
-              <a:t>2017-11-21</a:t>
+              <a:t>2017-12-23</a:t>
             </a:fld>
             <a:endParaRPr lang="zh-CN" altLang="en-US"/>
           </a:p>
@@ -2403,7 +2408,7 @@
           <a:p>
             <a:fld id="{794A54E8-C2C9-4FD9-B8B6-B2C64FB16E40}" type="datetimeFigureOut">
               <a:rPr lang="zh-CN" altLang="en-US" smtClean="0"/>
-              <a:t>2017-11-21</a:t>
+              <a:t>2017-12-23</a:t>
             </a:fld>
             <a:endParaRPr lang="zh-CN" altLang="en-US"/>
           </a:p>
@@ -2691,7 +2696,7 @@
           <a:p>
             <a:fld id="{794A54E8-C2C9-4FD9-B8B6-B2C64FB16E40}" type="datetimeFigureOut">
               <a:rPr lang="zh-CN" altLang="en-US" smtClean="0"/>
-              <a:t>2017-11-21</a:t>
+              <a:t>2017-12-23</a:t>
             </a:fld>
             <a:endParaRPr lang="zh-CN" altLang="en-US"/>
           </a:p>
@@ -2932,7 +2937,7 @@
           <a:p>
             <a:fld id="{794A54E8-C2C9-4FD9-B8B6-B2C64FB16E40}" type="datetimeFigureOut">
               <a:rPr lang="zh-CN" altLang="en-US" smtClean="0"/>
-              <a:t>2017-11-21</a:t>
+              <a:t>2017-12-23</a:t>
             </a:fld>
             <a:endParaRPr lang="zh-CN" altLang="en-US"/>
           </a:p>
@@ -4769,6 +4774,2207 @@
 </p:sld>
 </file>
 
+<file path=ppt/slides/slide10.xml><?xml version="1.0" encoding="utf-8"?>
+<p:sld xmlns:a="http://schemas.openxmlformats.org/drawingml/2006/main" xmlns:r="http://schemas.openxmlformats.org/officeDocument/2006/relationships" xmlns:p="http://schemas.openxmlformats.org/presentationml/2006/main">
+  <p:cSld>
+    <p:spTree>
+      <p:nvGrpSpPr>
+        <p:cNvPr id="1" name=""/>
+        <p:cNvGrpSpPr/>
+        <p:nvPr/>
+      </p:nvGrpSpPr>
+      <p:grpSpPr>
+        <a:xfrm>
+          <a:off x="0" y="0"/>
+          <a:ext cx="0" cy="0"/>
+          <a:chOff x="0" y="0"/>
+          <a:chExt cx="0" cy="0"/>
+        </a:xfrm>
+      </p:grpSpPr>
+      <p:grpSp>
+        <p:nvGrpSpPr>
+          <p:cNvPr id="4" name="组合 3">
+            <a:extLst>
+              <a:ext uri="{FF2B5EF4-FFF2-40B4-BE49-F238E27FC236}">
+                <a16:creationId xmlns:a16="http://schemas.microsoft.com/office/drawing/2014/main" id="{A32631D7-5704-4DA7-99FD-9F8FEF7F364D}"/>
+              </a:ext>
+            </a:extLst>
+          </p:cNvPr>
+          <p:cNvGrpSpPr/>
+          <p:nvPr/>
+        </p:nvGrpSpPr>
+        <p:grpSpPr>
+          <a:xfrm>
+            <a:off x="1873771" y="1785704"/>
+            <a:ext cx="1034321" cy="2004934"/>
+            <a:chOff x="1319135" y="1424066"/>
+            <a:chExt cx="1349114" cy="2608288"/>
+          </a:xfrm>
+        </p:grpSpPr>
+        <p:sp>
+          <p:nvSpPr>
+            <p:cNvPr id="5" name="椭圆 4">
+              <a:extLst>
+                <a:ext uri="{FF2B5EF4-FFF2-40B4-BE49-F238E27FC236}">
+                  <a16:creationId xmlns:a16="http://schemas.microsoft.com/office/drawing/2014/main" id="{A055DB83-627F-4F28-83C5-5FACF297BEF7}"/>
+                </a:ext>
+              </a:extLst>
+            </p:cNvPr>
+            <p:cNvSpPr/>
+            <p:nvPr/>
+          </p:nvSpPr>
+          <p:spPr>
+            <a:xfrm>
+              <a:off x="1514007" y="1424066"/>
+              <a:ext cx="959370" cy="884419"/>
+            </a:xfrm>
+            <a:prstGeom prst="ellipse">
+              <a:avLst/>
+            </a:prstGeom>
+          </p:spPr>
+          <p:style>
+            <a:lnRef idx="2">
+              <a:schemeClr val="accent1"/>
+            </a:lnRef>
+            <a:fillRef idx="1">
+              <a:schemeClr val="lt1"/>
+            </a:fillRef>
+            <a:effectRef idx="0">
+              <a:schemeClr val="accent1"/>
+            </a:effectRef>
+            <a:fontRef idx="minor">
+              <a:schemeClr val="dk1"/>
+            </a:fontRef>
+          </p:style>
+          <p:txBody>
+            <a:bodyPr rtlCol="0" anchor="ctr"/>
+            <a:lstStyle/>
+            <a:p>
+              <a:pPr algn="ctr"/>
+              <a:endParaRPr lang="zh-CN" altLang="en-US"/>
+            </a:p>
+          </p:txBody>
+        </p:sp>
+        <p:cxnSp>
+          <p:nvCxnSpPr>
+            <p:cNvPr id="6" name="直接连接符 5">
+              <a:extLst>
+                <a:ext uri="{FF2B5EF4-FFF2-40B4-BE49-F238E27FC236}">
+                  <a16:creationId xmlns:a16="http://schemas.microsoft.com/office/drawing/2014/main" id="{3C37C127-80D1-4623-8461-7F98C7B437B6}"/>
+                </a:ext>
+              </a:extLst>
+            </p:cNvPr>
+            <p:cNvCxnSpPr/>
+            <p:nvPr/>
+          </p:nvCxnSpPr>
+          <p:spPr>
+            <a:xfrm>
+              <a:off x="1319135" y="2878111"/>
+              <a:ext cx="1349114" cy="0"/>
+            </a:xfrm>
+            <a:prstGeom prst="line">
+              <a:avLst/>
+            </a:prstGeom>
+          </p:spPr>
+          <p:style>
+            <a:lnRef idx="1">
+              <a:schemeClr val="accent1"/>
+            </a:lnRef>
+            <a:fillRef idx="0">
+              <a:schemeClr val="accent1"/>
+            </a:fillRef>
+            <a:effectRef idx="0">
+              <a:schemeClr val="accent1"/>
+            </a:effectRef>
+            <a:fontRef idx="minor">
+              <a:schemeClr val="tx1"/>
+            </a:fontRef>
+          </p:style>
+        </p:cxnSp>
+        <p:cxnSp>
+          <p:nvCxnSpPr>
+            <p:cNvPr id="7" name="直接连接符 6">
+              <a:extLst>
+                <a:ext uri="{FF2B5EF4-FFF2-40B4-BE49-F238E27FC236}">
+                  <a16:creationId xmlns:a16="http://schemas.microsoft.com/office/drawing/2014/main" id="{A7BF2501-F3A9-4C99-9752-1D15FA2131CB}"/>
+                </a:ext>
+              </a:extLst>
+            </p:cNvPr>
+            <p:cNvCxnSpPr>
+              <a:cxnSpLocks/>
+              <a:stCxn id="5" idx="4"/>
+            </p:cNvCxnSpPr>
+            <p:nvPr/>
+          </p:nvCxnSpPr>
+          <p:spPr>
+            <a:xfrm>
+              <a:off x="1993692" y="2308485"/>
+              <a:ext cx="0" cy="1120515"/>
+            </a:xfrm>
+            <a:prstGeom prst="line">
+              <a:avLst/>
+            </a:prstGeom>
+          </p:spPr>
+          <p:style>
+            <a:lnRef idx="1">
+              <a:schemeClr val="accent1"/>
+            </a:lnRef>
+            <a:fillRef idx="0">
+              <a:schemeClr val="accent1"/>
+            </a:fillRef>
+            <a:effectRef idx="0">
+              <a:schemeClr val="accent1"/>
+            </a:effectRef>
+            <a:fontRef idx="minor">
+              <a:schemeClr val="tx1"/>
+            </a:fontRef>
+          </p:style>
+        </p:cxnSp>
+        <p:cxnSp>
+          <p:nvCxnSpPr>
+            <p:cNvPr id="8" name="直接连接符 7">
+              <a:extLst>
+                <a:ext uri="{FF2B5EF4-FFF2-40B4-BE49-F238E27FC236}">
+                  <a16:creationId xmlns:a16="http://schemas.microsoft.com/office/drawing/2014/main" id="{F7212488-B53F-481E-AC11-68714D8F0D22}"/>
+                </a:ext>
+              </a:extLst>
+            </p:cNvPr>
+            <p:cNvCxnSpPr/>
+            <p:nvPr/>
+          </p:nvCxnSpPr>
+          <p:spPr>
+            <a:xfrm flipH="1">
+              <a:off x="1514007" y="3429000"/>
+              <a:ext cx="464695" cy="603354"/>
+            </a:xfrm>
+            <a:prstGeom prst="line">
+              <a:avLst/>
+            </a:prstGeom>
+          </p:spPr>
+          <p:style>
+            <a:lnRef idx="1">
+              <a:schemeClr val="accent1"/>
+            </a:lnRef>
+            <a:fillRef idx="0">
+              <a:schemeClr val="accent1"/>
+            </a:fillRef>
+            <a:effectRef idx="0">
+              <a:schemeClr val="accent1"/>
+            </a:effectRef>
+            <a:fontRef idx="minor">
+              <a:schemeClr val="tx1"/>
+            </a:fontRef>
+          </p:style>
+        </p:cxnSp>
+        <p:cxnSp>
+          <p:nvCxnSpPr>
+            <p:cNvPr id="9" name="直接连接符 8">
+              <a:extLst>
+                <a:ext uri="{FF2B5EF4-FFF2-40B4-BE49-F238E27FC236}">
+                  <a16:creationId xmlns:a16="http://schemas.microsoft.com/office/drawing/2014/main" id="{25949976-7B44-4D29-BD6E-9AB44B6D4D20}"/>
+                </a:ext>
+              </a:extLst>
+            </p:cNvPr>
+            <p:cNvCxnSpPr>
+              <a:cxnSpLocks/>
+            </p:cNvCxnSpPr>
+            <p:nvPr/>
+          </p:nvCxnSpPr>
+          <p:spPr>
+            <a:xfrm>
+              <a:off x="1993692" y="3429000"/>
+              <a:ext cx="479685" cy="603354"/>
+            </a:xfrm>
+            <a:prstGeom prst="line">
+              <a:avLst/>
+            </a:prstGeom>
+          </p:spPr>
+          <p:style>
+            <a:lnRef idx="1">
+              <a:schemeClr val="accent1"/>
+            </a:lnRef>
+            <a:fillRef idx="0">
+              <a:schemeClr val="accent1"/>
+            </a:fillRef>
+            <a:effectRef idx="0">
+              <a:schemeClr val="accent1"/>
+            </a:effectRef>
+            <a:fontRef idx="minor">
+              <a:schemeClr val="tx1"/>
+            </a:fontRef>
+          </p:style>
+        </p:cxnSp>
+      </p:grpSp>
+      <p:sp>
+        <p:nvSpPr>
+          <p:cNvPr id="10" name="矩形 9">
+            <a:extLst>
+              <a:ext uri="{FF2B5EF4-FFF2-40B4-BE49-F238E27FC236}">
+                <a16:creationId xmlns:a16="http://schemas.microsoft.com/office/drawing/2014/main" id="{EEBB04AA-BFA8-4EBE-8E22-033BAC2E7FD0}"/>
+              </a:ext>
+            </a:extLst>
+          </p:cNvPr>
+          <p:cNvSpPr/>
+          <p:nvPr/>
+        </p:nvSpPr>
+        <p:spPr>
+          <a:xfrm>
+            <a:off x="5081666" y="1736013"/>
+            <a:ext cx="3672588" cy="1811048"/>
+          </a:xfrm>
+          <a:prstGeom prst="rect">
+            <a:avLst/>
+          </a:prstGeom>
+        </p:spPr>
+        <p:style>
+          <a:lnRef idx="2">
+            <a:schemeClr val="accent1"/>
+          </a:lnRef>
+          <a:fillRef idx="1">
+            <a:schemeClr val="lt1"/>
+          </a:fillRef>
+          <a:effectRef idx="0">
+            <a:schemeClr val="accent1"/>
+          </a:effectRef>
+          <a:fontRef idx="minor">
+            <a:schemeClr val="dk1"/>
+          </a:fontRef>
+        </p:style>
+        <p:txBody>
+          <a:bodyPr rtlCol="0" anchor="t"/>
+          <a:lstStyle/>
+          <a:p>
+            <a:r>
+              <a:rPr lang="zh-CN" altLang="en-US" dirty="0"/>
+              <a:t>电梯系统</a:t>
+            </a:r>
+          </a:p>
+        </p:txBody>
+      </p:sp>
+      <p:sp>
+        <p:nvSpPr>
+          <p:cNvPr id="11" name="矩形 10">
+            <a:extLst>
+              <a:ext uri="{FF2B5EF4-FFF2-40B4-BE49-F238E27FC236}">
+                <a16:creationId xmlns:a16="http://schemas.microsoft.com/office/drawing/2014/main" id="{9EC99F50-AA97-460F-985D-53B82446C9EF}"/>
+              </a:ext>
+            </a:extLst>
+          </p:cNvPr>
+          <p:cNvSpPr/>
+          <p:nvPr/>
+        </p:nvSpPr>
+        <p:spPr>
+          <a:xfrm>
+            <a:off x="5306518" y="2478654"/>
+            <a:ext cx="3013023" cy="579339"/>
+          </a:xfrm>
+          <a:prstGeom prst="rect">
+            <a:avLst/>
+          </a:prstGeom>
+        </p:spPr>
+        <p:style>
+          <a:lnRef idx="2">
+            <a:schemeClr val="accent1"/>
+          </a:lnRef>
+          <a:fillRef idx="1">
+            <a:schemeClr val="lt1"/>
+          </a:fillRef>
+          <a:effectRef idx="0">
+            <a:schemeClr val="accent1"/>
+          </a:effectRef>
+          <a:fontRef idx="minor">
+            <a:schemeClr val="dk1"/>
+          </a:fontRef>
+        </p:style>
+        <p:txBody>
+          <a:bodyPr rtlCol="0" anchor="ctr"/>
+          <a:lstStyle/>
+          <a:p>
+            <a:pPr algn="ctr"/>
+            <a:r>
+              <a:rPr lang="zh-CN" altLang="en-US" dirty="0"/>
+              <a:t>按下楼层上行</a:t>
+            </a:r>
+            <a:r>
+              <a:rPr lang="en-US" altLang="zh-CN" dirty="0"/>
+              <a:t>/</a:t>
+            </a:r>
+            <a:r>
+              <a:rPr lang="zh-CN" altLang="en-US" dirty="0"/>
+              <a:t>下行按钮</a:t>
+            </a:r>
+          </a:p>
+        </p:txBody>
+      </p:sp>
+      <p:cxnSp>
+        <p:nvCxnSpPr>
+          <p:cNvPr id="12" name="直接箭头连接符 11">
+            <a:extLst>
+              <a:ext uri="{FF2B5EF4-FFF2-40B4-BE49-F238E27FC236}">
+                <a16:creationId xmlns:a16="http://schemas.microsoft.com/office/drawing/2014/main" id="{AAEA8E32-29A4-44AA-BDCD-DEC779B6A6DA}"/>
+              </a:ext>
+            </a:extLst>
+          </p:cNvPr>
+          <p:cNvCxnSpPr>
+            <a:cxnSpLocks/>
+          </p:cNvCxnSpPr>
+          <p:nvPr/>
+        </p:nvCxnSpPr>
+        <p:spPr>
+          <a:xfrm>
+            <a:off x="3312826" y="2788171"/>
+            <a:ext cx="1993692" cy="0"/>
+          </a:xfrm>
+          <a:prstGeom prst="straightConnector1">
+            <a:avLst/>
+          </a:prstGeom>
+          <a:ln>
+            <a:tailEnd type="triangle"/>
+          </a:ln>
+        </p:spPr>
+        <p:style>
+          <a:lnRef idx="1">
+            <a:schemeClr val="accent1"/>
+          </a:lnRef>
+          <a:fillRef idx="0">
+            <a:schemeClr val="accent1"/>
+          </a:fillRef>
+          <a:effectRef idx="0">
+            <a:schemeClr val="accent1"/>
+          </a:effectRef>
+          <a:fontRef idx="minor">
+            <a:schemeClr val="tx1"/>
+          </a:fontRef>
+        </p:style>
+      </p:cxnSp>
+      <p:sp>
+        <p:nvSpPr>
+          <p:cNvPr id="13" name="文本框 12">
+            <a:extLst>
+              <a:ext uri="{FF2B5EF4-FFF2-40B4-BE49-F238E27FC236}">
+                <a16:creationId xmlns:a16="http://schemas.microsoft.com/office/drawing/2014/main" id="{BACC50C8-810E-4823-8B81-F1CE99E50647}"/>
+              </a:ext>
+            </a:extLst>
+          </p:cNvPr>
+          <p:cNvSpPr txBox="1"/>
+          <p:nvPr/>
+        </p:nvSpPr>
+        <p:spPr>
+          <a:xfrm>
+            <a:off x="1873771" y="4029427"/>
+            <a:ext cx="1107996" cy="369332"/>
+          </a:xfrm>
+          <a:prstGeom prst="rect">
+            <a:avLst/>
+          </a:prstGeom>
+          <a:noFill/>
+        </p:spPr>
+        <p:txBody>
+          <a:bodyPr wrap="none" rtlCol="0">
+            <a:spAutoFit/>
+          </a:bodyPr>
+          <a:lstStyle/>
+          <a:p>
+            <a:r>
+              <a:rPr lang="zh-CN" altLang="en-US" dirty="0"/>
+              <a:t>普通用户</a:t>
+            </a:r>
+          </a:p>
+        </p:txBody>
+      </p:sp>
+    </p:spTree>
+    <p:extLst>
+      <p:ext uri="{BB962C8B-B14F-4D97-AF65-F5344CB8AC3E}">
+        <p14:creationId xmlns:p14="http://schemas.microsoft.com/office/powerpoint/2010/main" val="3853897750"/>
+      </p:ext>
+    </p:extLst>
+  </p:cSld>
+  <p:clrMapOvr>
+    <a:masterClrMapping/>
+  </p:clrMapOvr>
+</p:sld>
+</file>
+
+<file path=ppt/slides/slide11.xml><?xml version="1.0" encoding="utf-8"?>
+<p:sld xmlns:a="http://schemas.openxmlformats.org/drawingml/2006/main" xmlns:r="http://schemas.openxmlformats.org/officeDocument/2006/relationships" xmlns:p="http://schemas.openxmlformats.org/presentationml/2006/main">
+  <p:cSld>
+    <p:spTree>
+      <p:nvGrpSpPr>
+        <p:cNvPr id="1" name=""/>
+        <p:cNvGrpSpPr/>
+        <p:nvPr/>
+      </p:nvGrpSpPr>
+      <p:grpSpPr>
+        <a:xfrm>
+          <a:off x="0" y="0"/>
+          <a:ext cx="0" cy="0"/>
+          <a:chOff x="0" y="0"/>
+          <a:chExt cx="0" cy="0"/>
+        </a:xfrm>
+      </p:grpSpPr>
+      <p:grpSp>
+        <p:nvGrpSpPr>
+          <p:cNvPr id="4" name="组合 3">
+            <a:extLst>
+              <a:ext uri="{FF2B5EF4-FFF2-40B4-BE49-F238E27FC236}">
+                <a16:creationId xmlns:a16="http://schemas.microsoft.com/office/drawing/2014/main" id="{CFFBCA72-54B7-4AEB-8DC0-DA94E88F8D48}"/>
+              </a:ext>
+            </a:extLst>
+          </p:cNvPr>
+          <p:cNvGrpSpPr/>
+          <p:nvPr/>
+        </p:nvGrpSpPr>
+        <p:grpSpPr>
+          <a:xfrm>
+            <a:off x="1873771" y="1785704"/>
+            <a:ext cx="1034321" cy="2004934"/>
+            <a:chOff x="1319135" y="1424066"/>
+            <a:chExt cx="1349114" cy="2608288"/>
+          </a:xfrm>
+        </p:grpSpPr>
+        <p:sp>
+          <p:nvSpPr>
+            <p:cNvPr id="5" name="椭圆 4">
+              <a:extLst>
+                <a:ext uri="{FF2B5EF4-FFF2-40B4-BE49-F238E27FC236}">
+                  <a16:creationId xmlns:a16="http://schemas.microsoft.com/office/drawing/2014/main" id="{FCC3A5B6-4AAD-4292-AE7E-95DD6035A3C9}"/>
+                </a:ext>
+              </a:extLst>
+            </p:cNvPr>
+            <p:cNvSpPr/>
+            <p:nvPr/>
+          </p:nvSpPr>
+          <p:spPr>
+            <a:xfrm>
+              <a:off x="1514007" y="1424066"/>
+              <a:ext cx="959370" cy="884419"/>
+            </a:xfrm>
+            <a:prstGeom prst="ellipse">
+              <a:avLst/>
+            </a:prstGeom>
+          </p:spPr>
+          <p:style>
+            <a:lnRef idx="2">
+              <a:schemeClr val="accent1"/>
+            </a:lnRef>
+            <a:fillRef idx="1">
+              <a:schemeClr val="lt1"/>
+            </a:fillRef>
+            <a:effectRef idx="0">
+              <a:schemeClr val="accent1"/>
+            </a:effectRef>
+            <a:fontRef idx="minor">
+              <a:schemeClr val="dk1"/>
+            </a:fontRef>
+          </p:style>
+          <p:txBody>
+            <a:bodyPr rtlCol="0" anchor="ctr"/>
+            <a:lstStyle/>
+            <a:p>
+              <a:pPr algn="ctr"/>
+              <a:endParaRPr lang="zh-CN" altLang="en-US"/>
+            </a:p>
+          </p:txBody>
+        </p:sp>
+        <p:cxnSp>
+          <p:nvCxnSpPr>
+            <p:cNvPr id="6" name="直接连接符 5">
+              <a:extLst>
+                <a:ext uri="{FF2B5EF4-FFF2-40B4-BE49-F238E27FC236}">
+                  <a16:creationId xmlns:a16="http://schemas.microsoft.com/office/drawing/2014/main" id="{C71C22A2-FAFA-4300-844B-90EAAA0A575D}"/>
+                </a:ext>
+              </a:extLst>
+            </p:cNvPr>
+            <p:cNvCxnSpPr/>
+            <p:nvPr/>
+          </p:nvCxnSpPr>
+          <p:spPr>
+            <a:xfrm>
+              <a:off x="1319135" y="2878111"/>
+              <a:ext cx="1349114" cy="0"/>
+            </a:xfrm>
+            <a:prstGeom prst="line">
+              <a:avLst/>
+            </a:prstGeom>
+          </p:spPr>
+          <p:style>
+            <a:lnRef idx="1">
+              <a:schemeClr val="accent1"/>
+            </a:lnRef>
+            <a:fillRef idx="0">
+              <a:schemeClr val="accent1"/>
+            </a:fillRef>
+            <a:effectRef idx="0">
+              <a:schemeClr val="accent1"/>
+            </a:effectRef>
+            <a:fontRef idx="minor">
+              <a:schemeClr val="tx1"/>
+            </a:fontRef>
+          </p:style>
+        </p:cxnSp>
+        <p:cxnSp>
+          <p:nvCxnSpPr>
+            <p:cNvPr id="7" name="直接连接符 6">
+              <a:extLst>
+                <a:ext uri="{FF2B5EF4-FFF2-40B4-BE49-F238E27FC236}">
+                  <a16:creationId xmlns:a16="http://schemas.microsoft.com/office/drawing/2014/main" id="{FA4DF90C-427A-4700-8DC8-7B783CC4E904}"/>
+                </a:ext>
+              </a:extLst>
+            </p:cNvPr>
+            <p:cNvCxnSpPr>
+              <a:cxnSpLocks/>
+              <a:stCxn id="5" idx="4"/>
+            </p:cNvCxnSpPr>
+            <p:nvPr/>
+          </p:nvCxnSpPr>
+          <p:spPr>
+            <a:xfrm>
+              <a:off x="1993692" y="2308485"/>
+              <a:ext cx="0" cy="1120515"/>
+            </a:xfrm>
+            <a:prstGeom prst="line">
+              <a:avLst/>
+            </a:prstGeom>
+          </p:spPr>
+          <p:style>
+            <a:lnRef idx="1">
+              <a:schemeClr val="accent1"/>
+            </a:lnRef>
+            <a:fillRef idx="0">
+              <a:schemeClr val="accent1"/>
+            </a:fillRef>
+            <a:effectRef idx="0">
+              <a:schemeClr val="accent1"/>
+            </a:effectRef>
+            <a:fontRef idx="minor">
+              <a:schemeClr val="tx1"/>
+            </a:fontRef>
+          </p:style>
+        </p:cxnSp>
+        <p:cxnSp>
+          <p:nvCxnSpPr>
+            <p:cNvPr id="8" name="直接连接符 7">
+              <a:extLst>
+                <a:ext uri="{FF2B5EF4-FFF2-40B4-BE49-F238E27FC236}">
+                  <a16:creationId xmlns:a16="http://schemas.microsoft.com/office/drawing/2014/main" id="{72159073-D1D1-4F02-A767-A49B81212880}"/>
+                </a:ext>
+              </a:extLst>
+            </p:cNvPr>
+            <p:cNvCxnSpPr/>
+            <p:nvPr/>
+          </p:nvCxnSpPr>
+          <p:spPr>
+            <a:xfrm flipH="1">
+              <a:off x="1514007" y="3429000"/>
+              <a:ext cx="464695" cy="603354"/>
+            </a:xfrm>
+            <a:prstGeom prst="line">
+              <a:avLst/>
+            </a:prstGeom>
+          </p:spPr>
+          <p:style>
+            <a:lnRef idx="1">
+              <a:schemeClr val="accent1"/>
+            </a:lnRef>
+            <a:fillRef idx="0">
+              <a:schemeClr val="accent1"/>
+            </a:fillRef>
+            <a:effectRef idx="0">
+              <a:schemeClr val="accent1"/>
+            </a:effectRef>
+            <a:fontRef idx="minor">
+              <a:schemeClr val="tx1"/>
+            </a:fontRef>
+          </p:style>
+        </p:cxnSp>
+        <p:cxnSp>
+          <p:nvCxnSpPr>
+            <p:cNvPr id="9" name="直接连接符 8">
+              <a:extLst>
+                <a:ext uri="{FF2B5EF4-FFF2-40B4-BE49-F238E27FC236}">
+                  <a16:creationId xmlns:a16="http://schemas.microsoft.com/office/drawing/2014/main" id="{18B80449-8F05-4510-955E-90A9A5B7BBDF}"/>
+                </a:ext>
+              </a:extLst>
+            </p:cNvPr>
+            <p:cNvCxnSpPr>
+              <a:cxnSpLocks/>
+            </p:cNvCxnSpPr>
+            <p:nvPr/>
+          </p:nvCxnSpPr>
+          <p:spPr>
+            <a:xfrm>
+              <a:off x="1993692" y="3429000"/>
+              <a:ext cx="479685" cy="603354"/>
+            </a:xfrm>
+            <a:prstGeom prst="line">
+              <a:avLst/>
+            </a:prstGeom>
+          </p:spPr>
+          <p:style>
+            <a:lnRef idx="1">
+              <a:schemeClr val="accent1"/>
+            </a:lnRef>
+            <a:fillRef idx="0">
+              <a:schemeClr val="accent1"/>
+            </a:fillRef>
+            <a:effectRef idx="0">
+              <a:schemeClr val="accent1"/>
+            </a:effectRef>
+            <a:fontRef idx="minor">
+              <a:schemeClr val="tx1"/>
+            </a:fontRef>
+          </p:style>
+        </p:cxnSp>
+      </p:grpSp>
+      <p:sp>
+        <p:nvSpPr>
+          <p:cNvPr id="11" name="矩形: 圆角 10">
+            <a:extLst>
+              <a:ext uri="{FF2B5EF4-FFF2-40B4-BE49-F238E27FC236}">
+                <a16:creationId xmlns:a16="http://schemas.microsoft.com/office/drawing/2014/main" id="{6E015325-7764-48C9-97F0-2B1DD6631EED}"/>
+              </a:ext>
+            </a:extLst>
+          </p:cNvPr>
+          <p:cNvSpPr/>
+          <p:nvPr/>
+        </p:nvSpPr>
+        <p:spPr>
+          <a:xfrm>
+            <a:off x="5306518" y="2478654"/>
+            <a:ext cx="1693889" cy="579339"/>
+          </a:xfrm>
+          <a:prstGeom prst="roundRect">
+            <a:avLst/>
+          </a:prstGeom>
+        </p:spPr>
+        <p:style>
+          <a:lnRef idx="2">
+            <a:schemeClr val="accent1"/>
+          </a:lnRef>
+          <a:fillRef idx="1">
+            <a:schemeClr val="lt1"/>
+          </a:fillRef>
+          <a:effectRef idx="0">
+            <a:schemeClr val="accent1"/>
+          </a:effectRef>
+          <a:fontRef idx="minor">
+            <a:schemeClr val="dk1"/>
+          </a:fontRef>
+        </p:style>
+        <p:txBody>
+          <a:bodyPr rtlCol="0" anchor="ctr"/>
+          <a:lstStyle/>
+          <a:p>
+            <a:pPr algn="ctr"/>
+            <a:r>
+              <a:rPr lang="zh-CN" altLang="en-US" dirty="0"/>
+              <a:t>登录系统</a:t>
+            </a:r>
+          </a:p>
+        </p:txBody>
+      </p:sp>
+      <p:cxnSp>
+        <p:nvCxnSpPr>
+          <p:cNvPr id="12" name="直接箭头连接符 11">
+            <a:extLst>
+              <a:ext uri="{FF2B5EF4-FFF2-40B4-BE49-F238E27FC236}">
+                <a16:creationId xmlns:a16="http://schemas.microsoft.com/office/drawing/2014/main" id="{F17B91F2-02F3-48DA-B3BA-1C77A7F578AE}"/>
+              </a:ext>
+            </a:extLst>
+          </p:cNvPr>
+          <p:cNvCxnSpPr>
+            <a:cxnSpLocks/>
+          </p:cNvCxnSpPr>
+          <p:nvPr/>
+        </p:nvCxnSpPr>
+        <p:spPr>
+          <a:xfrm>
+            <a:off x="3312826" y="2788171"/>
+            <a:ext cx="1993692" cy="0"/>
+          </a:xfrm>
+          <a:prstGeom prst="straightConnector1">
+            <a:avLst/>
+          </a:prstGeom>
+          <a:ln>
+            <a:tailEnd type="triangle"/>
+          </a:ln>
+        </p:spPr>
+        <p:style>
+          <a:lnRef idx="1">
+            <a:schemeClr val="accent1"/>
+          </a:lnRef>
+          <a:fillRef idx="0">
+            <a:schemeClr val="accent1"/>
+          </a:fillRef>
+          <a:effectRef idx="0">
+            <a:schemeClr val="accent1"/>
+          </a:effectRef>
+          <a:fontRef idx="minor">
+            <a:schemeClr val="tx1"/>
+          </a:fontRef>
+        </p:style>
+      </p:cxnSp>
+      <p:sp>
+        <p:nvSpPr>
+          <p:cNvPr id="13" name="文本框 12">
+            <a:extLst>
+              <a:ext uri="{FF2B5EF4-FFF2-40B4-BE49-F238E27FC236}">
+                <a16:creationId xmlns:a16="http://schemas.microsoft.com/office/drawing/2014/main" id="{33D25F04-A8E3-44A6-B3A1-7836FF327632}"/>
+              </a:ext>
+            </a:extLst>
+          </p:cNvPr>
+          <p:cNvSpPr txBox="1"/>
+          <p:nvPr/>
+        </p:nvSpPr>
+        <p:spPr>
+          <a:xfrm>
+            <a:off x="1873771" y="4029427"/>
+            <a:ext cx="877163" cy="369332"/>
+          </a:xfrm>
+          <a:prstGeom prst="rect">
+            <a:avLst/>
+          </a:prstGeom>
+          <a:noFill/>
+        </p:spPr>
+        <p:txBody>
+          <a:bodyPr wrap="none" rtlCol="0">
+            <a:spAutoFit/>
+          </a:bodyPr>
+          <a:lstStyle/>
+          <a:p>
+            <a:r>
+              <a:rPr lang="zh-CN" altLang="en-US" dirty="0"/>
+              <a:t>管理员</a:t>
+            </a:r>
+          </a:p>
+        </p:txBody>
+      </p:sp>
+    </p:spTree>
+    <p:extLst>
+      <p:ext uri="{BB962C8B-B14F-4D97-AF65-F5344CB8AC3E}">
+        <p14:creationId xmlns:p14="http://schemas.microsoft.com/office/powerpoint/2010/main" val="304294838"/>
+      </p:ext>
+    </p:extLst>
+  </p:cSld>
+  <p:clrMapOvr>
+    <a:masterClrMapping/>
+  </p:clrMapOvr>
+</p:sld>
+</file>
+
+<file path=ppt/slides/slide12.xml><?xml version="1.0" encoding="utf-8"?>
+<p:sld xmlns:a="http://schemas.openxmlformats.org/drawingml/2006/main" xmlns:r="http://schemas.openxmlformats.org/officeDocument/2006/relationships" xmlns:p="http://schemas.openxmlformats.org/presentationml/2006/main">
+  <p:cSld>
+    <p:spTree>
+      <p:nvGrpSpPr>
+        <p:cNvPr id="1" name=""/>
+        <p:cNvGrpSpPr/>
+        <p:nvPr/>
+      </p:nvGrpSpPr>
+      <p:grpSpPr>
+        <a:xfrm>
+          <a:off x="0" y="0"/>
+          <a:ext cx="0" cy="0"/>
+          <a:chOff x="0" y="0"/>
+          <a:chExt cx="0" cy="0"/>
+        </a:xfrm>
+      </p:grpSpPr>
+      <p:grpSp>
+        <p:nvGrpSpPr>
+          <p:cNvPr id="5" name="组合 4">
+            <a:extLst>
+              <a:ext uri="{FF2B5EF4-FFF2-40B4-BE49-F238E27FC236}">
+                <a16:creationId xmlns:a16="http://schemas.microsoft.com/office/drawing/2014/main" id="{7EBFEA57-D6BA-480E-BE46-BCC74ECEFD43}"/>
+              </a:ext>
+            </a:extLst>
+          </p:cNvPr>
+          <p:cNvGrpSpPr/>
+          <p:nvPr/>
+        </p:nvGrpSpPr>
+        <p:grpSpPr>
+          <a:xfrm>
+            <a:off x="1873771" y="1785704"/>
+            <a:ext cx="1034321" cy="2004934"/>
+            <a:chOff x="1319135" y="1424066"/>
+            <a:chExt cx="1349114" cy="2608288"/>
+          </a:xfrm>
+        </p:grpSpPr>
+        <p:sp>
+          <p:nvSpPr>
+            <p:cNvPr id="6" name="椭圆 5">
+              <a:extLst>
+                <a:ext uri="{FF2B5EF4-FFF2-40B4-BE49-F238E27FC236}">
+                  <a16:creationId xmlns:a16="http://schemas.microsoft.com/office/drawing/2014/main" id="{647C8E9B-C227-4560-B08B-B0B4DFBA2448}"/>
+                </a:ext>
+              </a:extLst>
+            </p:cNvPr>
+            <p:cNvSpPr/>
+            <p:nvPr/>
+          </p:nvSpPr>
+          <p:spPr>
+            <a:xfrm>
+              <a:off x="1514007" y="1424066"/>
+              <a:ext cx="959370" cy="884419"/>
+            </a:xfrm>
+            <a:prstGeom prst="ellipse">
+              <a:avLst/>
+            </a:prstGeom>
+          </p:spPr>
+          <p:style>
+            <a:lnRef idx="2">
+              <a:schemeClr val="accent1"/>
+            </a:lnRef>
+            <a:fillRef idx="1">
+              <a:schemeClr val="lt1"/>
+            </a:fillRef>
+            <a:effectRef idx="0">
+              <a:schemeClr val="accent1"/>
+            </a:effectRef>
+            <a:fontRef idx="minor">
+              <a:schemeClr val="dk1"/>
+            </a:fontRef>
+          </p:style>
+          <p:txBody>
+            <a:bodyPr rtlCol="0" anchor="ctr"/>
+            <a:lstStyle/>
+            <a:p>
+              <a:pPr algn="ctr"/>
+              <a:endParaRPr lang="zh-CN" altLang="en-US"/>
+            </a:p>
+          </p:txBody>
+        </p:sp>
+        <p:cxnSp>
+          <p:nvCxnSpPr>
+            <p:cNvPr id="7" name="直接连接符 6">
+              <a:extLst>
+                <a:ext uri="{FF2B5EF4-FFF2-40B4-BE49-F238E27FC236}">
+                  <a16:creationId xmlns:a16="http://schemas.microsoft.com/office/drawing/2014/main" id="{A775A1BB-91F2-4407-B8DD-7A05233010BA}"/>
+                </a:ext>
+              </a:extLst>
+            </p:cNvPr>
+            <p:cNvCxnSpPr/>
+            <p:nvPr/>
+          </p:nvCxnSpPr>
+          <p:spPr>
+            <a:xfrm>
+              <a:off x="1319135" y="2878111"/>
+              <a:ext cx="1349114" cy="0"/>
+            </a:xfrm>
+            <a:prstGeom prst="line">
+              <a:avLst/>
+            </a:prstGeom>
+          </p:spPr>
+          <p:style>
+            <a:lnRef idx="1">
+              <a:schemeClr val="accent1"/>
+            </a:lnRef>
+            <a:fillRef idx="0">
+              <a:schemeClr val="accent1"/>
+            </a:fillRef>
+            <a:effectRef idx="0">
+              <a:schemeClr val="accent1"/>
+            </a:effectRef>
+            <a:fontRef idx="minor">
+              <a:schemeClr val="tx1"/>
+            </a:fontRef>
+          </p:style>
+        </p:cxnSp>
+        <p:cxnSp>
+          <p:nvCxnSpPr>
+            <p:cNvPr id="8" name="直接连接符 7">
+              <a:extLst>
+                <a:ext uri="{FF2B5EF4-FFF2-40B4-BE49-F238E27FC236}">
+                  <a16:creationId xmlns:a16="http://schemas.microsoft.com/office/drawing/2014/main" id="{1A0E479D-3B7A-4679-BD11-696AA6696DCA}"/>
+                </a:ext>
+              </a:extLst>
+            </p:cNvPr>
+            <p:cNvCxnSpPr>
+              <a:cxnSpLocks/>
+              <a:stCxn id="6" idx="4"/>
+            </p:cNvCxnSpPr>
+            <p:nvPr/>
+          </p:nvCxnSpPr>
+          <p:spPr>
+            <a:xfrm>
+              <a:off x="1993692" y="2308485"/>
+              <a:ext cx="0" cy="1120515"/>
+            </a:xfrm>
+            <a:prstGeom prst="line">
+              <a:avLst/>
+            </a:prstGeom>
+          </p:spPr>
+          <p:style>
+            <a:lnRef idx="1">
+              <a:schemeClr val="accent1"/>
+            </a:lnRef>
+            <a:fillRef idx="0">
+              <a:schemeClr val="accent1"/>
+            </a:fillRef>
+            <a:effectRef idx="0">
+              <a:schemeClr val="accent1"/>
+            </a:effectRef>
+            <a:fontRef idx="minor">
+              <a:schemeClr val="tx1"/>
+            </a:fontRef>
+          </p:style>
+        </p:cxnSp>
+        <p:cxnSp>
+          <p:nvCxnSpPr>
+            <p:cNvPr id="9" name="直接连接符 8">
+              <a:extLst>
+                <a:ext uri="{FF2B5EF4-FFF2-40B4-BE49-F238E27FC236}">
+                  <a16:creationId xmlns:a16="http://schemas.microsoft.com/office/drawing/2014/main" id="{603DCB29-B971-45EE-A0AD-4746C19552C8}"/>
+                </a:ext>
+              </a:extLst>
+            </p:cNvPr>
+            <p:cNvCxnSpPr/>
+            <p:nvPr/>
+          </p:nvCxnSpPr>
+          <p:spPr>
+            <a:xfrm flipH="1">
+              <a:off x="1514007" y="3429000"/>
+              <a:ext cx="464695" cy="603354"/>
+            </a:xfrm>
+            <a:prstGeom prst="line">
+              <a:avLst/>
+            </a:prstGeom>
+          </p:spPr>
+          <p:style>
+            <a:lnRef idx="1">
+              <a:schemeClr val="accent1"/>
+            </a:lnRef>
+            <a:fillRef idx="0">
+              <a:schemeClr val="accent1"/>
+            </a:fillRef>
+            <a:effectRef idx="0">
+              <a:schemeClr val="accent1"/>
+            </a:effectRef>
+            <a:fontRef idx="minor">
+              <a:schemeClr val="tx1"/>
+            </a:fontRef>
+          </p:style>
+        </p:cxnSp>
+        <p:cxnSp>
+          <p:nvCxnSpPr>
+            <p:cNvPr id="10" name="直接连接符 9">
+              <a:extLst>
+                <a:ext uri="{FF2B5EF4-FFF2-40B4-BE49-F238E27FC236}">
+                  <a16:creationId xmlns:a16="http://schemas.microsoft.com/office/drawing/2014/main" id="{0E1BAC34-6AD7-4F55-AFE1-28EDFEB2259A}"/>
+                </a:ext>
+              </a:extLst>
+            </p:cNvPr>
+            <p:cNvCxnSpPr>
+              <a:cxnSpLocks/>
+            </p:cNvCxnSpPr>
+            <p:nvPr/>
+          </p:nvCxnSpPr>
+          <p:spPr>
+            <a:xfrm>
+              <a:off x="1993692" y="3429000"/>
+              <a:ext cx="479685" cy="603354"/>
+            </a:xfrm>
+            <a:prstGeom prst="line">
+              <a:avLst/>
+            </a:prstGeom>
+          </p:spPr>
+          <p:style>
+            <a:lnRef idx="1">
+              <a:schemeClr val="accent1"/>
+            </a:lnRef>
+            <a:fillRef idx="0">
+              <a:schemeClr val="accent1"/>
+            </a:fillRef>
+            <a:effectRef idx="0">
+              <a:schemeClr val="accent1"/>
+            </a:effectRef>
+            <a:fontRef idx="minor">
+              <a:schemeClr val="tx1"/>
+            </a:fontRef>
+          </p:style>
+        </p:cxnSp>
+      </p:grpSp>
+      <p:sp>
+        <p:nvSpPr>
+          <p:cNvPr id="11" name="矩形 10">
+            <a:extLst>
+              <a:ext uri="{FF2B5EF4-FFF2-40B4-BE49-F238E27FC236}">
+                <a16:creationId xmlns:a16="http://schemas.microsoft.com/office/drawing/2014/main" id="{46EFF245-690D-4CBA-B53A-3C0A18879293}"/>
+              </a:ext>
+            </a:extLst>
+          </p:cNvPr>
+          <p:cNvSpPr/>
+          <p:nvPr/>
+        </p:nvSpPr>
+        <p:spPr>
+          <a:xfrm>
+            <a:off x="5081666" y="1736012"/>
+            <a:ext cx="2323475" cy="3750379"/>
+          </a:xfrm>
+          <a:prstGeom prst="rect">
+            <a:avLst/>
+          </a:prstGeom>
+        </p:spPr>
+        <p:style>
+          <a:lnRef idx="2">
+            <a:schemeClr val="accent1"/>
+          </a:lnRef>
+          <a:fillRef idx="1">
+            <a:schemeClr val="lt1"/>
+          </a:fillRef>
+          <a:effectRef idx="0">
+            <a:schemeClr val="accent1"/>
+          </a:effectRef>
+          <a:fontRef idx="minor">
+            <a:schemeClr val="dk1"/>
+          </a:fontRef>
+        </p:style>
+        <p:txBody>
+          <a:bodyPr rtlCol="0" anchor="t"/>
+          <a:lstStyle/>
+          <a:p>
+            <a:r>
+              <a:rPr lang="zh-CN" altLang="en-US" dirty="0"/>
+              <a:t>电梯系统</a:t>
+            </a:r>
+          </a:p>
+        </p:txBody>
+      </p:sp>
+      <p:sp>
+        <p:nvSpPr>
+          <p:cNvPr id="12" name="矩形 11">
+            <a:extLst>
+              <a:ext uri="{FF2B5EF4-FFF2-40B4-BE49-F238E27FC236}">
+                <a16:creationId xmlns:a16="http://schemas.microsoft.com/office/drawing/2014/main" id="{6DF5576A-2C99-448F-83E2-5460B3C43CCD}"/>
+              </a:ext>
+            </a:extLst>
+          </p:cNvPr>
+          <p:cNvSpPr/>
+          <p:nvPr/>
+        </p:nvSpPr>
+        <p:spPr>
+          <a:xfrm>
+            <a:off x="5306518" y="2478654"/>
+            <a:ext cx="1693889" cy="579339"/>
+          </a:xfrm>
+          <a:prstGeom prst="rect">
+            <a:avLst/>
+          </a:prstGeom>
+        </p:spPr>
+        <p:style>
+          <a:lnRef idx="2">
+            <a:schemeClr val="accent1"/>
+          </a:lnRef>
+          <a:fillRef idx="1">
+            <a:schemeClr val="lt1"/>
+          </a:fillRef>
+          <a:effectRef idx="0">
+            <a:schemeClr val="accent1"/>
+          </a:effectRef>
+          <a:fontRef idx="minor">
+            <a:schemeClr val="dk1"/>
+          </a:fontRef>
+        </p:style>
+        <p:txBody>
+          <a:bodyPr rtlCol="0" anchor="ctr"/>
+          <a:lstStyle/>
+          <a:p>
+            <a:pPr algn="ctr"/>
+            <a:r>
+              <a:rPr lang="zh-CN" altLang="en-US" dirty="0"/>
+              <a:t>历史信息查询</a:t>
+            </a:r>
+          </a:p>
+        </p:txBody>
+      </p:sp>
+      <p:cxnSp>
+        <p:nvCxnSpPr>
+          <p:cNvPr id="13" name="直接箭头连接符 12">
+            <a:extLst>
+              <a:ext uri="{FF2B5EF4-FFF2-40B4-BE49-F238E27FC236}">
+                <a16:creationId xmlns:a16="http://schemas.microsoft.com/office/drawing/2014/main" id="{19414ADD-96E3-4522-9E66-07196D43CFCC}"/>
+              </a:ext>
+            </a:extLst>
+          </p:cNvPr>
+          <p:cNvCxnSpPr>
+            <a:cxnSpLocks/>
+          </p:cNvCxnSpPr>
+          <p:nvPr/>
+        </p:nvCxnSpPr>
+        <p:spPr>
+          <a:xfrm>
+            <a:off x="3312826" y="2788171"/>
+            <a:ext cx="1993692" cy="0"/>
+          </a:xfrm>
+          <a:prstGeom prst="straightConnector1">
+            <a:avLst/>
+          </a:prstGeom>
+          <a:ln>
+            <a:headEnd type="none" w="med" len="med"/>
+            <a:tailEnd type="none" w="med" len="med"/>
+          </a:ln>
+        </p:spPr>
+        <p:style>
+          <a:lnRef idx="1">
+            <a:schemeClr val="accent1"/>
+          </a:lnRef>
+          <a:fillRef idx="0">
+            <a:schemeClr val="accent1"/>
+          </a:fillRef>
+          <a:effectRef idx="0">
+            <a:schemeClr val="accent1"/>
+          </a:effectRef>
+          <a:fontRef idx="minor">
+            <a:schemeClr val="tx1"/>
+          </a:fontRef>
+        </p:style>
+      </p:cxnSp>
+      <p:sp>
+        <p:nvSpPr>
+          <p:cNvPr id="14" name="文本框 13">
+            <a:extLst>
+              <a:ext uri="{FF2B5EF4-FFF2-40B4-BE49-F238E27FC236}">
+                <a16:creationId xmlns:a16="http://schemas.microsoft.com/office/drawing/2014/main" id="{6B58059A-EBD4-4BD3-AC88-F76EE2B3D084}"/>
+              </a:ext>
+            </a:extLst>
+          </p:cNvPr>
+          <p:cNvSpPr txBox="1"/>
+          <p:nvPr/>
+        </p:nvSpPr>
+        <p:spPr>
+          <a:xfrm>
+            <a:off x="1873771" y="4029427"/>
+            <a:ext cx="877163" cy="369332"/>
+          </a:xfrm>
+          <a:prstGeom prst="rect">
+            <a:avLst/>
+          </a:prstGeom>
+          <a:noFill/>
+        </p:spPr>
+        <p:txBody>
+          <a:bodyPr wrap="none" rtlCol="0">
+            <a:spAutoFit/>
+          </a:bodyPr>
+          <a:lstStyle/>
+          <a:p>
+            <a:r>
+              <a:rPr lang="zh-CN" altLang="en-US" dirty="0"/>
+              <a:t>管理员</a:t>
+            </a:r>
+          </a:p>
+        </p:txBody>
+      </p:sp>
+      <p:sp>
+        <p:nvSpPr>
+          <p:cNvPr id="19" name="矩形 18">
+            <a:extLst>
+              <a:ext uri="{FF2B5EF4-FFF2-40B4-BE49-F238E27FC236}">
+                <a16:creationId xmlns:a16="http://schemas.microsoft.com/office/drawing/2014/main" id="{2761F4B5-6302-4DA3-9646-26A01AD39EF7}"/>
+              </a:ext>
+            </a:extLst>
+          </p:cNvPr>
+          <p:cNvSpPr/>
+          <p:nvPr/>
+        </p:nvSpPr>
+        <p:spPr>
+          <a:xfrm>
+            <a:off x="5306517" y="3211299"/>
+            <a:ext cx="1693889" cy="579339"/>
+          </a:xfrm>
+          <a:prstGeom prst="rect">
+            <a:avLst/>
+          </a:prstGeom>
+        </p:spPr>
+        <p:style>
+          <a:lnRef idx="2">
+            <a:schemeClr val="accent1"/>
+          </a:lnRef>
+          <a:fillRef idx="1">
+            <a:schemeClr val="lt1"/>
+          </a:fillRef>
+          <a:effectRef idx="0">
+            <a:schemeClr val="accent1"/>
+          </a:effectRef>
+          <a:fontRef idx="minor">
+            <a:schemeClr val="dk1"/>
+          </a:fontRef>
+        </p:style>
+        <p:txBody>
+          <a:bodyPr rtlCol="0" anchor="ctr"/>
+          <a:lstStyle/>
+          <a:p>
+            <a:pPr algn="ctr"/>
+            <a:r>
+              <a:rPr lang="zh-CN" altLang="en-US" dirty="0"/>
+              <a:t>查询日期</a:t>
+            </a:r>
+          </a:p>
+        </p:txBody>
+      </p:sp>
+      <p:sp>
+        <p:nvSpPr>
+          <p:cNvPr id="20" name="矩形 19">
+            <a:extLst>
+              <a:ext uri="{FF2B5EF4-FFF2-40B4-BE49-F238E27FC236}">
+                <a16:creationId xmlns:a16="http://schemas.microsoft.com/office/drawing/2014/main" id="{B6404BA6-B301-49A1-B9A4-B6E2692FFE75}"/>
+              </a:ext>
+            </a:extLst>
+          </p:cNvPr>
+          <p:cNvSpPr/>
+          <p:nvPr/>
+        </p:nvSpPr>
+        <p:spPr>
+          <a:xfrm>
+            <a:off x="5306516" y="4109089"/>
+            <a:ext cx="1693889" cy="579339"/>
+          </a:xfrm>
+          <a:prstGeom prst="rect">
+            <a:avLst/>
+          </a:prstGeom>
+        </p:spPr>
+        <p:style>
+          <a:lnRef idx="2">
+            <a:schemeClr val="accent1"/>
+          </a:lnRef>
+          <a:fillRef idx="1">
+            <a:schemeClr val="lt1"/>
+          </a:fillRef>
+          <a:effectRef idx="0">
+            <a:schemeClr val="accent1"/>
+          </a:effectRef>
+          <a:fontRef idx="minor">
+            <a:schemeClr val="dk1"/>
+          </a:fontRef>
+        </p:style>
+        <p:txBody>
+          <a:bodyPr rtlCol="0" anchor="ctr"/>
+          <a:lstStyle/>
+          <a:p>
+            <a:pPr algn="ctr"/>
+            <a:r>
+              <a:rPr lang="zh-CN" altLang="en-US" dirty="0"/>
+              <a:t>返回</a:t>
+            </a:r>
+          </a:p>
+        </p:txBody>
+      </p:sp>
+      <p:cxnSp>
+        <p:nvCxnSpPr>
+          <p:cNvPr id="22" name="直接连接符 21">
+            <a:extLst>
+              <a:ext uri="{FF2B5EF4-FFF2-40B4-BE49-F238E27FC236}">
+                <a16:creationId xmlns:a16="http://schemas.microsoft.com/office/drawing/2014/main" id="{D9474874-8DD9-4254-9E35-FBEEAE05D87C}"/>
+              </a:ext>
+            </a:extLst>
+          </p:cNvPr>
+          <p:cNvCxnSpPr>
+            <a:endCxn id="19" idx="1"/>
+          </p:cNvCxnSpPr>
+          <p:nvPr/>
+        </p:nvCxnSpPr>
+        <p:spPr>
+          <a:xfrm>
+            <a:off x="3312826" y="2903397"/>
+            <a:ext cx="1993691" cy="597572"/>
+          </a:xfrm>
+          <a:prstGeom prst="line">
+            <a:avLst/>
+          </a:prstGeom>
+        </p:spPr>
+        <p:style>
+          <a:lnRef idx="1">
+            <a:schemeClr val="accent1"/>
+          </a:lnRef>
+          <a:fillRef idx="0">
+            <a:schemeClr val="accent1"/>
+          </a:fillRef>
+          <a:effectRef idx="0">
+            <a:schemeClr val="accent1"/>
+          </a:effectRef>
+          <a:fontRef idx="minor">
+            <a:schemeClr val="tx1"/>
+          </a:fontRef>
+        </p:style>
+      </p:cxnSp>
+      <p:cxnSp>
+        <p:nvCxnSpPr>
+          <p:cNvPr id="24" name="直接连接符 23">
+            <a:extLst>
+              <a:ext uri="{FF2B5EF4-FFF2-40B4-BE49-F238E27FC236}">
+                <a16:creationId xmlns:a16="http://schemas.microsoft.com/office/drawing/2014/main" id="{956905D6-C12B-4898-80BC-1291A5C8702C}"/>
+              </a:ext>
+            </a:extLst>
+          </p:cNvPr>
+          <p:cNvCxnSpPr/>
+          <p:nvPr/>
+        </p:nvCxnSpPr>
+        <p:spPr>
+          <a:xfrm>
+            <a:off x="3256613" y="3106623"/>
+            <a:ext cx="2049903" cy="1292135"/>
+          </a:xfrm>
+          <a:prstGeom prst="line">
+            <a:avLst/>
+          </a:prstGeom>
+        </p:spPr>
+        <p:style>
+          <a:lnRef idx="1">
+            <a:schemeClr val="accent1"/>
+          </a:lnRef>
+          <a:fillRef idx="0">
+            <a:schemeClr val="accent1"/>
+          </a:fillRef>
+          <a:effectRef idx="0">
+            <a:schemeClr val="accent1"/>
+          </a:effectRef>
+          <a:fontRef idx="minor">
+            <a:schemeClr val="tx1"/>
+          </a:fontRef>
+        </p:style>
+      </p:cxnSp>
+    </p:spTree>
+    <p:extLst>
+      <p:ext uri="{BB962C8B-B14F-4D97-AF65-F5344CB8AC3E}">
+        <p14:creationId xmlns:p14="http://schemas.microsoft.com/office/powerpoint/2010/main" val="3501208891"/>
+      </p:ext>
+    </p:extLst>
+  </p:cSld>
+  <p:clrMapOvr>
+    <a:masterClrMapping/>
+  </p:clrMapOvr>
+</p:sld>
+</file>
+
+<file path=ppt/slides/slide13.xml><?xml version="1.0" encoding="utf-8"?>
+<p:sld xmlns:a="http://schemas.openxmlformats.org/drawingml/2006/main" xmlns:r="http://schemas.openxmlformats.org/officeDocument/2006/relationships" xmlns:p="http://schemas.openxmlformats.org/presentationml/2006/main">
+  <p:cSld>
+    <p:spTree>
+      <p:nvGrpSpPr>
+        <p:cNvPr id="1" name=""/>
+        <p:cNvGrpSpPr/>
+        <p:nvPr/>
+      </p:nvGrpSpPr>
+      <p:grpSpPr>
+        <a:xfrm>
+          <a:off x="0" y="0"/>
+          <a:ext cx="0" cy="0"/>
+          <a:chOff x="0" y="0"/>
+          <a:chExt cx="0" cy="0"/>
+        </a:xfrm>
+      </p:grpSpPr>
+      <p:grpSp>
+        <p:nvGrpSpPr>
+          <p:cNvPr id="4" name="组合 3">
+            <a:extLst>
+              <a:ext uri="{FF2B5EF4-FFF2-40B4-BE49-F238E27FC236}">
+                <a16:creationId xmlns:a16="http://schemas.microsoft.com/office/drawing/2014/main" id="{242D1506-A1BB-4071-A4A9-19F20E360F96}"/>
+              </a:ext>
+            </a:extLst>
+          </p:cNvPr>
+          <p:cNvGrpSpPr/>
+          <p:nvPr/>
+        </p:nvGrpSpPr>
+        <p:grpSpPr>
+          <a:xfrm>
+            <a:off x="1873771" y="1785704"/>
+            <a:ext cx="1034321" cy="2004934"/>
+            <a:chOff x="1319135" y="1424066"/>
+            <a:chExt cx="1349114" cy="2608288"/>
+          </a:xfrm>
+        </p:grpSpPr>
+        <p:sp>
+          <p:nvSpPr>
+            <p:cNvPr id="5" name="椭圆 4">
+              <a:extLst>
+                <a:ext uri="{FF2B5EF4-FFF2-40B4-BE49-F238E27FC236}">
+                  <a16:creationId xmlns:a16="http://schemas.microsoft.com/office/drawing/2014/main" id="{3F0FCB71-14AC-468E-B7EB-AEF70F6E316E}"/>
+                </a:ext>
+              </a:extLst>
+            </p:cNvPr>
+            <p:cNvSpPr/>
+            <p:nvPr/>
+          </p:nvSpPr>
+          <p:spPr>
+            <a:xfrm>
+              <a:off x="1514007" y="1424066"/>
+              <a:ext cx="959370" cy="884419"/>
+            </a:xfrm>
+            <a:prstGeom prst="ellipse">
+              <a:avLst/>
+            </a:prstGeom>
+          </p:spPr>
+          <p:style>
+            <a:lnRef idx="2">
+              <a:schemeClr val="accent1"/>
+            </a:lnRef>
+            <a:fillRef idx="1">
+              <a:schemeClr val="lt1"/>
+            </a:fillRef>
+            <a:effectRef idx="0">
+              <a:schemeClr val="accent1"/>
+            </a:effectRef>
+            <a:fontRef idx="minor">
+              <a:schemeClr val="dk1"/>
+            </a:fontRef>
+          </p:style>
+          <p:txBody>
+            <a:bodyPr rtlCol="0" anchor="ctr"/>
+            <a:lstStyle/>
+            <a:p>
+              <a:pPr algn="ctr"/>
+              <a:endParaRPr lang="zh-CN" altLang="en-US"/>
+            </a:p>
+          </p:txBody>
+        </p:sp>
+        <p:cxnSp>
+          <p:nvCxnSpPr>
+            <p:cNvPr id="6" name="直接连接符 5">
+              <a:extLst>
+                <a:ext uri="{FF2B5EF4-FFF2-40B4-BE49-F238E27FC236}">
+                  <a16:creationId xmlns:a16="http://schemas.microsoft.com/office/drawing/2014/main" id="{92D823C0-B38D-4E99-9BF2-E600F484F43D}"/>
+                </a:ext>
+              </a:extLst>
+            </p:cNvPr>
+            <p:cNvCxnSpPr/>
+            <p:nvPr/>
+          </p:nvCxnSpPr>
+          <p:spPr>
+            <a:xfrm>
+              <a:off x="1319135" y="2878111"/>
+              <a:ext cx="1349114" cy="0"/>
+            </a:xfrm>
+            <a:prstGeom prst="line">
+              <a:avLst/>
+            </a:prstGeom>
+          </p:spPr>
+          <p:style>
+            <a:lnRef idx="1">
+              <a:schemeClr val="accent1"/>
+            </a:lnRef>
+            <a:fillRef idx="0">
+              <a:schemeClr val="accent1"/>
+            </a:fillRef>
+            <a:effectRef idx="0">
+              <a:schemeClr val="accent1"/>
+            </a:effectRef>
+            <a:fontRef idx="minor">
+              <a:schemeClr val="tx1"/>
+            </a:fontRef>
+          </p:style>
+        </p:cxnSp>
+        <p:cxnSp>
+          <p:nvCxnSpPr>
+            <p:cNvPr id="7" name="直接连接符 6">
+              <a:extLst>
+                <a:ext uri="{FF2B5EF4-FFF2-40B4-BE49-F238E27FC236}">
+                  <a16:creationId xmlns:a16="http://schemas.microsoft.com/office/drawing/2014/main" id="{C55D5184-C324-495C-A096-55C957C84065}"/>
+                </a:ext>
+              </a:extLst>
+            </p:cNvPr>
+            <p:cNvCxnSpPr>
+              <a:cxnSpLocks/>
+              <a:stCxn id="5" idx="4"/>
+            </p:cNvCxnSpPr>
+            <p:nvPr/>
+          </p:nvCxnSpPr>
+          <p:spPr>
+            <a:xfrm>
+              <a:off x="1993692" y="2308485"/>
+              <a:ext cx="0" cy="1120515"/>
+            </a:xfrm>
+            <a:prstGeom prst="line">
+              <a:avLst/>
+            </a:prstGeom>
+          </p:spPr>
+          <p:style>
+            <a:lnRef idx="1">
+              <a:schemeClr val="accent1"/>
+            </a:lnRef>
+            <a:fillRef idx="0">
+              <a:schemeClr val="accent1"/>
+            </a:fillRef>
+            <a:effectRef idx="0">
+              <a:schemeClr val="accent1"/>
+            </a:effectRef>
+            <a:fontRef idx="minor">
+              <a:schemeClr val="tx1"/>
+            </a:fontRef>
+          </p:style>
+        </p:cxnSp>
+        <p:cxnSp>
+          <p:nvCxnSpPr>
+            <p:cNvPr id="8" name="直接连接符 7">
+              <a:extLst>
+                <a:ext uri="{FF2B5EF4-FFF2-40B4-BE49-F238E27FC236}">
+                  <a16:creationId xmlns:a16="http://schemas.microsoft.com/office/drawing/2014/main" id="{3C487D5C-A0ED-4A17-9631-495B6DACA121}"/>
+                </a:ext>
+              </a:extLst>
+            </p:cNvPr>
+            <p:cNvCxnSpPr/>
+            <p:nvPr/>
+          </p:nvCxnSpPr>
+          <p:spPr>
+            <a:xfrm flipH="1">
+              <a:off x="1514007" y="3429000"/>
+              <a:ext cx="464695" cy="603354"/>
+            </a:xfrm>
+            <a:prstGeom prst="line">
+              <a:avLst/>
+            </a:prstGeom>
+          </p:spPr>
+          <p:style>
+            <a:lnRef idx="1">
+              <a:schemeClr val="accent1"/>
+            </a:lnRef>
+            <a:fillRef idx="0">
+              <a:schemeClr val="accent1"/>
+            </a:fillRef>
+            <a:effectRef idx="0">
+              <a:schemeClr val="accent1"/>
+            </a:effectRef>
+            <a:fontRef idx="minor">
+              <a:schemeClr val="tx1"/>
+            </a:fontRef>
+          </p:style>
+        </p:cxnSp>
+        <p:cxnSp>
+          <p:nvCxnSpPr>
+            <p:cNvPr id="9" name="直接连接符 8">
+              <a:extLst>
+                <a:ext uri="{FF2B5EF4-FFF2-40B4-BE49-F238E27FC236}">
+                  <a16:creationId xmlns:a16="http://schemas.microsoft.com/office/drawing/2014/main" id="{0B91F02C-12C9-4CEC-BAEA-D819B506DAA4}"/>
+                </a:ext>
+              </a:extLst>
+            </p:cNvPr>
+            <p:cNvCxnSpPr>
+              <a:cxnSpLocks/>
+            </p:cNvCxnSpPr>
+            <p:nvPr/>
+          </p:nvCxnSpPr>
+          <p:spPr>
+            <a:xfrm>
+              <a:off x="1993692" y="3429000"/>
+              <a:ext cx="479685" cy="603354"/>
+            </a:xfrm>
+            <a:prstGeom prst="line">
+              <a:avLst/>
+            </a:prstGeom>
+          </p:spPr>
+          <p:style>
+            <a:lnRef idx="1">
+              <a:schemeClr val="accent1"/>
+            </a:lnRef>
+            <a:fillRef idx="0">
+              <a:schemeClr val="accent1"/>
+            </a:fillRef>
+            <a:effectRef idx="0">
+              <a:schemeClr val="accent1"/>
+            </a:effectRef>
+            <a:fontRef idx="minor">
+              <a:schemeClr val="tx1"/>
+            </a:fontRef>
+          </p:style>
+        </p:cxnSp>
+      </p:grpSp>
+      <p:sp>
+        <p:nvSpPr>
+          <p:cNvPr id="10" name="矩形 9">
+            <a:extLst>
+              <a:ext uri="{FF2B5EF4-FFF2-40B4-BE49-F238E27FC236}">
+                <a16:creationId xmlns:a16="http://schemas.microsoft.com/office/drawing/2014/main" id="{CE473344-3481-4966-A05F-8645AD79BD20}"/>
+              </a:ext>
+            </a:extLst>
+          </p:cNvPr>
+          <p:cNvSpPr/>
+          <p:nvPr/>
+        </p:nvSpPr>
+        <p:spPr>
+          <a:xfrm>
+            <a:off x="5081666" y="1034331"/>
+            <a:ext cx="2323475" cy="5381453"/>
+          </a:xfrm>
+          <a:prstGeom prst="rect">
+            <a:avLst/>
+          </a:prstGeom>
+        </p:spPr>
+        <p:style>
+          <a:lnRef idx="2">
+            <a:schemeClr val="accent1"/>
+          </a:lnRef>
+          <a:fillRef idx="1">
+            <a:schemeClr val="lt1"/>
+          </a:fillRef>
+          <a:effectRef idx="0">
+            <a:schemeClr val="accent1"/>
+          </a:effectRef>
+          <a:fontRef idx="minor">
+            <a:schemeClr val="dk1"/>
+          </a:fontRef>
+        </p:style>
+        <p:txBody>
+          <a:bodyPr rtlCol="0" anchor="t"/>
+          <a:lstStyle/>
+          <a:p>
+            <a:r>
+              <a:rPr lang="zh-CN" altLang="en-US" dirty="0"/>
+              <a:t>电梯系统</a:t>
+            </a:r>
+          </a:p>
+        </p:txBody>
+      </p:sp>
+      <p:sp>
+        <p:nvSpPr>
+          <p:cNvPr id="11" name="矩形 10">
+            <a:extLst>
+              <a:ext uri="{FF2B5EF4-FFF2-40B4-BE49-F238E27FC236}">
+                <a16:creationId xmlns:a16="http://schemas.microsoft.com/office/drawing/2014/main" id="{AB65FC9C-BE2A-4493-9B31-BD7D0CF45DFC}"/>
+              </a:ext>
+            </a:extLst>
+          </p:cNvPr>
+          <p:cNvSpPr/>
+          <p:nvPr/>
+        </p:nvSpPr>
+        <p:spPr>
+          <a:xfrm>
+            <a:off x="5306518" y="2478654"/>
+            <a:ext cx="1693889" cy="579339"/>
+          </a:xfrm>
+          <a:prstGeom prst="rect">
+            <a:avLst/>
+          </a:prstGeom>
+        </p:spPr>
+        <p:style>
+          <a:lnRef idx="2">
+            <a:schemeClr val="accent1"/>
+          </a:lnRef>
+          <a:fillRef idx="1">
+            <a:schemeClr val="lt1"/>
+          </a:fillRef>
+          <a:effectRef idx="0">
+            <a:schemeClr val="accent1"/>
+          </a:effectRef>
+          <a:fontRef idx="minor">
+            <a:schemeClr val="dk1"/>
+          </a:fontRef>
+        </p:style>
+        <p:txBody>
+          <a:bodyPr rtlCol="0" anchor="ctr"/>
+          <a:lstStyle/>
+          <a:p>
+            <a:pPr algn="ctr"/>
+            <a:r>
+              <a:rPr lang="zh-CN" altLang="en-US" dirty="0"/>
+              <a:t>停止运行</a:t>
+            </a:r>
+          </a:p>
+        </p:txBody>
+      </p:sp>
+      <p:cxnSp>
+        <p:nvCxnSpPr>
+          <p:cNvPr id="12" name="直接箭头连接符 11">
+            <a:extLst>
+              <a:ext uri="{FF2B5EF4-FFF2-40B4-BE49-F238E27FC236}">
+                <a16:creationId xmlns:a16="http://schemas.microsoft.com/office/drawing/2014/main" id="{A9AFDC3F-B740-4A9C-8A48-AFF6B18E94EB}"/>
+              </a:ext>
+            </a:extLst>
+          </p:cNvPr>
+          <p:cNvCxnSpPr>
+            <a:cxnSpLocks/>
+          </p:cNvCxnSpPr>
+          <p:nvPr/>
+        </p:nvCxnSpPr>
+        <p:spPr>
+          <a:xfrm>
+            <a:off x="3312826" y="2788171"/>
+            <a:ext cx="1993692" cy="0"/>
+          </a:xfrm>
+          <a:prstGeom prst="straightConnector1">
+            <a:avLst/>
+          </a:prstGeom>
+          <a:ln>
+            <a:headEnd type="none" w="med" len="med"/>
+            <a:tailEnd type="none" w="med" len="med"/>
+          </a:ln>
+        </p:spPr>
+        <p:style>
+          <a:lnRef idx="1">
+            <a:schemeClr val="accent1"/>
+          </a:lnRef>
+          <a:fillRef idx="0">
+            <a:schemeClr val="accent1"/>
+          </a:fillRef>
+          <a:effectRef idx="0">
+            <a:schemeClr val="accent1"/>
+          </a:effectRef>
+          <a:fontRef idx="minor">
+            <a:schemeClr val="tx1"/>
+          </a:fontRef>
+        </p:style>
+      </p:cxnSp>
+      <p:sp>
+        <p:nvSpPr>
+          <p:cNvPr id="13" name="文本框 12">
+            <a:extLst>
+              <a:ext uri="{FF2B5EF4-FFF2-40B4-BE49-F238E27FC236}">
+                <a16:creationId xmlns:a16="http://schemas.microsoft.com/office/drawing/2014/main" id="{93382575-9B32-4D70-A906-E6D3B967AB72}"/>
+              </a:ext>
+            </a:extLst>
+          </p:cNvPr>
+          <p:cNvSpPr txBox="1"/>
+          <p:nvPr/>
+        </p:nvSpPr>
+        <p:spPr>
+          <a:xfrm>
+            <a:off x="1873771" y="4029427"/>
+            <a:ext cx="877163" cy="369332"/>
+          </a:xfrm>
+          <a:prstGeom prst="rect">
+            <a:avLst/>
+          </a:prstGeom>
+          <a:noFill/>
+        </p:spPr>
+        <p:txBody>
+          <a:bodyPr wrap="none" rtlCol="0">
+            <a:spAutoFit/>
+          </a:bodyPr>
+          <a:lstStyle/>
+          <a:p>
+            <a:r>
+              <a:rPr lang="zh-CN" altLang="en-US" dirty="0"/>
+              <a:t>管理员</a:t>
+            </a:r>
+          </a:p>
+        </p:txBody>
+      </p:sp>
+      <p:sp>
+        <p:nvSpPr>
+          <p:cNvPr id="14" name="矩形 13">
+            <a:extLst>
+              <a:ext uri="{FF2B5EF4-FFF2-40B4-BE49-F238E27FC236}">
+                <a16:creationId xmlns:a16="http://schemas.microsoft.com/office/drawing/2014/main" id="{9AA17FFB-87EF-491F-BBF7-0D53A6C4D429}"/>
+              </a:ext>
+            </a:extLst>
+          </p:cNvPr>
+          <p:cNvSpPr/>
+          <p:nvPr/>
+        </p:nvSpPr>
+        <p:spPr>
+          <a:xfrm>
+            <a:off x="5306517" y="3211299"/>
+            <a:ext cx="1693889" cy="579339"/>
+          </a:xfrm>
+          <a:prstGeom prst="rect">
+            <a:avLst/>
+          </a:prstGeom>
+        </p:spPr>
+        <p:style>
+          <a:lnRef idx="2">
+            <a:schemeClr val="accent1"/>
+          </a:lnRef>
+          <a:fillRef idx="1">
+            <a:schemeClr val="lt1"/>
+          </a:fillRef>
+          <a:effectRef idx="0">
+            <a:schemeClr val="accent1"/>
+          </a:effectRef>
+          <a:fontRef idx="minor">
+            <a:schemeClr val="dk1"/>
+          </a:fontRef>
+        </p:style>
+        <p:txBody>
+          <a:bodyPr rtlCol="0" anchor="ctr"/>
+          <a:lstStyle/>
+          <a:p>
+            <a:pPr algn="ctr"/>
+            <a:r>
+              <a:rPr lang="zh-CN" altLang="en-US" dirty="0"/>
+              <a:t>启动电梯</a:t>
+            </a:r>
+          </a:p>
+        </p:txBody>
+      </p:sp>
+      <p:sp>
+        <p:nvSpPr>
+          <p:cNvPr id="15" name="矩形 14">
+            <a:extLst>
+              <a:ext uri="{FF2B5EF4-FFF2-40B4-BE49-F238E27FC236}">
+                <a16:creationId xmlns:a16="http://schemas.microsoft.com/office/drawing/2014/main" id="{75E87C66-F744-4401-9876-63B8B0D7AD6F}"/>
+              </a:ext>
+            </a:extLst>
+          </p:cNvPr>
+          <p:cNvSpPr/>
+          <p:nvPr/>
+        </p:nvSpPr>
+        <p:spPr>
+          <a:xfrm>
+            <a:off x="5325251" y="4029427"/>
+            <a:ext cx="1693889" cy="579339"/>
+          </a:xfrm>
+          <a:prstGeom prst="rect">
+            <a:avLst/>
+          </a:prstGeom>
+        </p:spPr>
+        <p:style>
+          <a:lnRef idx="2">
+            <a:schemeClr val="accent1"/>
+          </a:lnRef>
+          <a:fillRef idx="1">
+            <a:schemeClr val="lt1"/>
+          </a:fillRef>
+          <a:effectRef idx="0">
+            <a:schemeClr val="accent1"/>
+          </a:effectRef>
+          <a:fontRef idx="minor">
+            <a:schemeClr val="dk1"/>
+          </a:fontRef>
+        </p:style>
+        <p:txBody>
+          <a:bodyPr rtlCol="0" anchor="ctr"/>
+          <a:lstStyle/>
+          <a:p>
+            <a:pPr algn="ctr"/>
+            <a:r>
+              <a:rPr lang="zh-CN" altLang="en-US" dirty="0"/>
+              <a:t>前往楼层</a:t>
+            </a:r>
+          </a:p>
+        </p:txBody>
+      </p:sp>
+      <p:cxnSp>
+        <p:nvCxnSpPr>
+          <p:cNvPr id="16" name="直接连接符 15">
+            <a:extLst>
+              <a:ext uri="{FF2B5EF4-FFF2-40B4-BE49-F238E27FC236}">
+                <a16:creationId xmlns:a16="http://schemas.microsoft.com/office/drawing/2014/main" id="{1882BA0D-BF9A-4C6C-A0E7-FE841C37E601}"/>
+              </a:ext>
+            </a:extLst>
+          </p:cNvPr>
+          <p:cNvCxnSpPr>
+            <a:endCxn id="14" idx="1"/>
+          </p:cNvCxnSpPr>
+          <p:nvPr/>
+        </p:nvCxnSpPr>
+        <p:spPr>
+          <a:xfrm>
+            <a:off x="3312826" y="2903397"/>
+            <a:ext cx="1993691" cy="597572"/>
+          </a:xfrm>
+          <a:prstGeom prst="line">
+            <a:avLst/>
+          </a:prstGeom>
+        </p:spPr>
+        <p:style>
+          <a:lnRef idx="1">
+            <a:schemeClr val="accent1"/>
+          </a:lnRef>
+          <a:fillRef idx="0">
+            <a:schemeClr val="accent1"/>
+          </a:fillRef>
+          <a:effectRef idx="0">
+            <a:schemeClr val="accent1"/>
+          </a:effectRef>
+          <a:fontRef idx="minor">
+            <a:schemeClr val="tx1"/>
+          </a:fontRef>
+        </p:style>
+      </p:cxnSp>
+      <p:cxnSp>
+        <p:nvCxnSpPr>
+          <p:cNvPr id="17" name="直接连接符 16">
+            <a:extLst>
+              <a:ext uri="{FF2B5EF4-FFF2-40B4-BE49-F238E27FC236}">
+                <a16:creationId xmlns:a16="http://schemas.microsoft.com/office/drawing/2014/main" id="{6B7007A3-CC8B-4C7A-92B1-3D9833BBF521}"/>
+              </a:ext>
+            </a:extLst>
+          </p:cNvPr>
+          <p:cNvCxnSpPr/>
+          <p:nvPr/>
+        </p:nvCxnSpPr>
+        <p:spPr>
+          <a:xfrm>
+            <a:off x="3256613" y="3106623"/>
+            <a:ext cx="2049903" cy="1292135"/>
+          </a:xfrm>
+          <a:prstGeom prst="line">
+            <a:avLst/>
+          </a:prstGeom>
+        </p:spPr>
+        <p:style>
+          <a:lnRef idx="1">
+            <a:schemeClr val="accent1"/>
+          </a:lnRef>
+          <a:fillRef idx="0">
+            <a:schemeClr val="accent1"/>
+          </a:fillRef>
+          <a:effectRef idx="0">
+            <a:schemeClr val="accent1"/>
+          </a:effectRef>
+          <a:fontRef idx="minor">
+            <a:schemeClr val="tx1"/>
+          </a:fontRef>
+        </p:style>
+      </p:cxnSp>
+      <p:sp>
+        <p:nvSpPr>
+          <p:cNvPr id="19" name="矩形 18">
+            <a:extLst>
+              <a:ext uri="{FF2B5EF4-FFF2-40B4-BE49-F238E27FC236}">
+                <a16:creationId xmlns:a16="http://schemas.microsoft.com/office/drawing/2014/main" id="{3CD7D08A-716F-46A5-8BA7-3FA43CA2549B}"/>
+              </a:ext>
+            </a:extLst>
+          </p:cNvPr>
+          <p:cNvSpPr/>
+          <p:nvPr/>
+        </p:nvSpPr>
+        <p:spPr>
+          <a:xfrm>
+            <a:off x="5306515" y="1629494"/>
+            <a:ext cx="1693889" cy="579339"/>
+          </a:xfrm>
+          <a:prstGeom prst="rect">
+            <a:avLst/>
+          </a:prstGeom>
+        </p:spPr>
+        <p:style>
+          <a:lnRef idx="2">
+            <a:schemeClr val="accent1"/>
+          </a:lnRef>
+          <a:fillRef idx="1">
+            <a:schemeClr val="lt1"/>
+          </a:fillRef>
+          <a:effectRef idx="0">
+            <a:schemeClr val="accent1"/>
+          </a:effectRef>
+          <a:fontRef idx="minor">
+            <a:schemeClr val="dk1"/>
+          </a:fontRef>
+        </p:style>
+        <p:txBody>
+          <a:bodyPr rtlCol="0" anchor="ctr"/>
+          <a:lstStyle/>
+          <a:p>
+            <a:pPr algn="ctr"/>
+            <a:r>
+              <a:rPr lang="zh-CN" altLang="en-US" dirty="0"/>
+              <a:t>电梯行为控制</a:t>
+            </a:r>
+          </a:p>
+        </p:txBody>
+      </p:sp>
+      <p:sp>
+        <p:nvSpPr>
+          <p:cNvPr id="20" name="矩形 19">
+            <a:extLst>
+              <a:ext uri="{FF2B5EF4-FFF2-40B4-BE49-F238E27FC236}">
+                <a16:creationId xmlns:a16="http://schemas.microsoft.com/office/drawing/2014/main" id="{2E36B950-FA2D-48AD-BB84-D0C01294B723}"/>
+              </a:ext>
+            </a:extLst>
+          </p:cNvPr>
+          <p:cNvSpPr/>
+          <p:nvPr/>
+        </p:nvSpPr>
+        <p:spPr>
+          <a:xfrm>
+            <a:off x="5325251" y="4792242"/>
+            <a:ext cx="1693889" cy="579339"/>
+          </a:xfrm>
+          <a:prstGeom prst="rect">
+            <a:avLst/>
+          </a:prstGeom>
+        </p:spPr>
+        <p:style>
+          <a:lnRef idx="2">
+            <a:schemeClr val="accent1"/>
+          </a:lnRef>
+          <a:fillRef idx="1">
+            <a:schemeClr val="lt1"/>
+          </a:fillRef>
+          <a:effectRef idx="0">
+            <a:schemeClr val="accent1"/>
+          </a:effectRef>
+          <a:fontRef idx="minor">
+            <a:schemeClr val="dk1"/>
+          </a:fontRef>
+        </p:style>
+        <p:txBody>
+          <a:bodyPr rtlCol="0" anchor="ctr"/>
+          <a:lstStyle/>
+          <a:p>
+            <a:pPr algn="ctr"/>
+            <a:r>
+              <a:rPr lang="zh-CN" altLang="en-US" dirty="0"/>
+              <a:t>取消命令</a:t>
+            </a:r>
+          </a:p>
+        </p:txBody>
+      </p:sp>
+      <p:sp>
+        <p:nvSpPr>
+          <p:cNvPr id="21" name="矩形 20">
+            <a:extLst>
+              <a:ext uri="{FF2B5EF4-FFF2-40B4-BE49-F238E27FC236}">
+                <a16:creationId xmlns:a16="http://schemas.microsoft.com/office/drawing/2014/main" id="{2DD2E65E-5087-4824-B925-78F3AC63D1B5}"/>
+              </a:ext>
+            </a:extLst>
+          </p:cNvPr>
+          <p:cNvSpPr/>
+          <p:nvPr/>
+        </p:nvSpPr>
+        <p:spPr>
+          <a:xfrm>
+            <a:off x="5325251" y="5534802"/>
+            <a:ext cx="1693889" cy="579339"/>
+          </a:xfrm>
+          <a:prstGeom prst="rect">
+            <a:avLst/>
+          </a:prstGeom>
+        </p:spPr>
+        <p:style>
+          <a:lnRef idx="2">
+            <a:schemeClr val="accent1"/>
+          </a:lnRef>
+          <a:fillRef idx="1">
+            <a:schemeClr val="lt1"/>
+          </a:fillRef>
+          <a:effectRef idx="0">
+            <a:schemeClr val="accent1"/>
+          </a:effectRef>
+          <a:fontRef idx="minor">
+            <a:schemeClr val="dk1"/>
+          </a:fontRef>
+        </p:style>
+        <p:txBody>
+          <a:bodyPr rtlCol="0" anchor="ctr"/>
+          <a:lstStyle/>
+          <a:p>
+            <a:pPr algn="ctr"/>
+            <a:r>
+              <a:rPr lang="zh-CN" altLang="en-US" dirty="0"/>
+              <a:t>返回</a:t>
+            </a:r>
+          </a:p>
+        </p:txBody>
+      </p:sp>
+      <p:cxnSp>
+        <p:nvCxnSpPr>
+          <p:cNvPr id="23" name="直接连接符 22">
+            <a:extLst>
+              <a:ext uri="{FF2B5EF4-FFF2-40B4-BE49-F238E27FC236}">
+                <a16:creationId xmlns:a16="http://schemas.microsoft.com/office/drawing/2014/main" id="{2AAED26D-257C-4D66-A3F4-E576AA5DA271}"/>
+              </a:ext>
+            </a:extLst>
+          </p:cNvPr>
+          <p:cNvCxnSpPr/>
+          <p:nvPr/>
+        </p:nvCxnSpPr>
+        <p:spPr>
+          <a:xfrm flipV="1">
+            <a:off x="3312826" y="1919163"/>
+            <a:ext cx="1993689" cy="689126"/>
+          </a:xfrm>
+          <a:prstGeom prst="line">
+            <a:avLst/>
+          </a:prstGeom>
+        </p:spPr>
+        <p:style>
+          <a:lnRef idx="1">
+            <a:schemeClr val="accent1"/>
+          </a:lnRef>
+          <a:fillRef idx="0">
+            <a:schemeClr val="accent1"/>
+          </a:fillRef>
+          <a:effectRef idx="0">
+            <a:schemeClr val="accent1"/>
+          </a:effectRef>
+          <a:fontRef idx="minor">
+            <a:schemeClr val="tx1"/>
+          </a:fontRef>
+        </p:style>
+      </p:cxnSp>
+      <p:cxnSp>
+        <p:nvCxnSpPr>
+          <p:cNvPr id="25" name="直接连接符 24">
+            <a:extLst>
+              <a:ext uri="{FF2B5EF4-FFF2-40B4-BE49-F238E27FC236}">
+                <a16:creationId xmlns:a16="http://schemas.microsoft.com/office/drawing/2014/main" id="{938F9CB6-5B5C-40B4-9EE7-FE41CD28E460}"/>
+              </a:ext>
+            </a:extLst>
+          </p:cNvPr>
+          <p:cNvCxnSpPr/>
+          <p:nvPr/>
+        </p:nvCxnSpPr>
+        <p:spPr>
+          <a:xfrm>
+            <a:off x="3200402" y="3301241"/>
+            <a:ext cx="2106113" cy="1780670"/>
+          </a:xfrm>
+          <a:prstGeom prst="line">
+            <a:avLst/>
+          </a:prstGeom>
+        </p:spPr>
+        <p:style>
+          <a:lnRef idx="1">
+            <a:schemeClr val="accent1"/>
+          </a:lnRef>
+          <a:fillRef idx="0">
+            <a:schemeClr val="accent1"/>
+          </a:fillRef>
+          <a:effectRef idx="0">
+            <a:schemeClr val="accent1"/>
+          </a:effectRef>
+          <a:fontRef idx="minor">
+            <a:schemeClr val="tx1"/>
+          </a:fontRef>
+        </p:style>
+      </p:cxnSp>
+      <p:cxnSp>
+        <p:nvCxnSpPr>
+          <p:cNvPr id="27" name="直接连接符 26">
+            <a:extLst>
+              <a:ext uri="{FF2B5EF4-FFF2-40B4-BE49-F238E27FC236}">
+                <a16:creationId xmlns:a16="http://schemas.microsoft.com/office/drawing/2014/main" id="{814030EE-9B72-4A39-9F53-7E53AB4D12D3}"/>
+              </a:ext>
+            </a:extLst>
+          </p:cNvPr>
+          <p:cNvCxnSpPr/>
+          <p:nvPr/>
+        </p:nvCxnSpPr>
+        <p:spPr>
+          <a:xfrm>
+            <a:off x="3106829" y="3531760"/>
+            <a:ext cx="2195943" cy="2283358"/>
+          </a:xfrm>
+          <a:prstGeom prst="line">
+            <a:avLst/>
+          </a:prstGeom>
+        </p:spPr>
+        <p:style>
+          <a:lnRef idx="1">
+            <a:schemeClr val="accent1"/>
+          </a:lnRef>
+          <a:fillRef idx="0">
+            <a:schemeClr val="accent1"/>
+          </a:fillRef>
+          <a:effectRef idx="0">
+            <a:schemeClr val="accent1"/>
+          </a:effectRef>
+          <a:fontRef idx="minor">
+            <a:schemeClr val="tx1"/>
+          </a:fontRef>
+        </p:style>
+      </p:cxnSp>
+    </p:spTree>
+    <p:extLst>
+      <p:ext uri="{BB962C8B-B14F-4D97-AF65-F5344CB8AC3E}">
+        <p14:creationId xmlns:p14="http://schemas.microsoft.com/office/powerpoint/2010/main" val="1081975916"/>
+      </p:ext>
+    </p:extLst>
+  </p:cSld>
+  <p:clrMapOvr>
+    <a:masterClrMapping/>
+  </p:clrMapOvr>
+</p:sld>
+</file>
+
 <file path=ppt/slides/slide2.xml><?xml version="1.0" encoding="utf-8"?>
 <p:sld xmlns:a="http://schemas.openxmlformats.org/drawingml/2006/main" xmlns:r="http://schemas.openxmlformats.org/officeDocument/2006/relationships" xmlns:p="http://schemas.openxmlformats.org/presentationml/2006/main">
   <p:cSld>
@@ -14204,6 +16410,419 @@
     <p:extLst>
       <p:ext uri="{BB962C8B-B14F-4D97-AF65-F5344CB8AC3E}">
         <p14:creationId xmlns:p14="http://schemas.microsoft.com/office/powerpoint/2010/main" val="1906004891"/>
+      </p:ext>
+    </p:extLst>
+  </p:cSld>
+  <p:clrMapOvr>
+    <a:masterClrMapping/>
+  </p:clrMapOvr>
+</p:sld>
+</file>
+
+<file path=ppt/slides/slide9.xml><?xml version="1.0" encoding="utf-8"?>
+<p:sld xmlns:a="http://schemas.openxmlformats.org/drawingml/2006/main" xmlns:r="http://schemas.openxmlformats.org/officeDocument/2006/relationships" xmlns:p="http://schemas.openxmlformats.org/presentationml/2006/main">
+  <p:cSld>
+    <p:spTree>
+      <p:nvGrpSpPr>
+        <p:cNvPr id="1" name=""/>
+        <p:cNvGrpSpPr/>
+        <p:nvPr/>
+      </p:nvGrpSpPr>
+      <p:grpSpPr>
+        <a:xfrm>
+          <a:off x="0" y="0"/>
+          <a:ext cx="0" cy="0"/>
+          <a:chOff x="0" y="0"/>
+          <a:chExt cx="0" cy="0"/>
+        </a:xfrm>
+      </p:grpSpPr>
+      <p:grpSp>
+        <p:nvGrpSpPr>
+          <p:cNvPr id="15" name="组合 14">
+            <a:extLst>
+              <a:ext uri="{FF2B5EF4-FFF2-40B4-BE49-F238E27FC236}">
+                <a16:creationId xmlns:a16="http://schemas.microsoft.com/office/drawing/2014/main" id="{3A9F1455-D69D-41E3-B7C7-3B3DAB5B690B}"/>
+              </a:ext>
+            </a:extLst>
+          </p:cNvPr>
+          <p:cNvGrpSpPr/>
+          <p:nvPr/>
+        </p:nvGrpSpPr>
+        <p:grpSpPr>
+          <a:xfrm>
+            <a:off x="1873771" y="1785704"/>
+            <a:ext cx="1034321" cy="2004934"/>
+            <a:chOff x="1319135" y="1424066"/>
+            <a:chExt cx="1349114" cy="2608288"/>
+          </a:xfrm>
+        </p:grpSpPr>
+        <p:sp>
+          <p:nvSpPr>
+            <p:cNvPr id="4" name="椭圆 3">
+              <a:extLst>
+                <a:ext uri="{FF2B5EF4-FFF2-40B4-BE49-F238E27FC236}">
+                  <a16:creationId xmlns:a16="http://schemas.microsoft.com/office/drawing/2014/main" id="{944922A4-91F7-467B-9471-BCF7D93673CC}"/>
+                </a:ext>
+              </a:extLst>
+            </p:cNvPr>
+            <p:cNvSpPr/>
+            <p:nvPr/>
+          </p:nvSpPr>
+          <p:spPr>
+            <a:xfrm>
+              <a:off x="1514007" y="1424066"/>
+              <a:ext cx="959370" cy="884419"/>
+            </a:xfrm>
+            <a:prstGeom prst="ellipse">
+              <a:avLst/>
+            </a:prstGeom>
+          </p:spPr>
+          <p:style>
+            <a:lnRef idx="2">
+              <a:schemeClr val="accent1"/>
+            </a:lnRef>
+            <a:fillRef idx="1">
+              <a:schemeClr val="lt1"/>
+            </a:fillRef>
+            <a:effectRef idx="0">
+              <a:schemeClr val="accent1"/>
+            </a:effectRef>
+            <a:fontRef idx="minor">
+              <a:schemeClr val="dk1"/>
+            </a:fontRef>
+          </p:style>
+          <p:txBody>
+            <a:bodyPr rtlCol="0" anchor="ctr"/>
+            <a:lstStyle/>
+            <a:p>
+              <a:pPr algn="ctr"/>
+              <a:endParaRPr lang="zh-CN" altLang="en-US"/>
+            </a:p>
+          </p:txBody>
+        </p:sp>
+        <p:cxnSp>
+          <p:nvCxnSpPr>
+            <p:cNvPr id="6" name="直接连接符 5">
+              <a:extLst>
+                <a:ext uri="{FF2B5EF4-FFF2-40B4-BE49-F238E27FC236}">
+                  <a16:creationId xmlns:a16="http://schemas.microsoft.com/office/drawing/2014/main" id="{DA778F4C-69C1-4B8E-B5A9-35D4B264BFF6}"/>
+                </a:ext>
+              </a:extLst>
+            </p:cNvPr>
+            <p:cNvCxnSpPr/>
+            <p:nvPr/>
+          </p:nvCxnSpPr>
+          <p:spPr>
+            <a:xfrm>
+              <a:off x="1319135" y="2878111"/>
+              <a:ext cx="1349114" cy="0"/>
+            </a:xfrm>
+            <a:prstGeom prst="line">
+              <a:avLst/>
+            </a:prstGeom>
+          </p:spPr>
+          <p:style>
+            <a:lnRef idx="1">
+              <a:schemeClr val="accent1"/>
+            </a:lnRef>
+            <a:fillRef idx="0">
+              <a:schemeClr val="accent1"/>
+            </a:fillRef>
+            <a:effectRef idx="0">
+              <a:schemeClr val="accent1"/>
+            </a:effectRef>
+            <a:fontRef idx="minor">
+              <a:schemeClr val="tx1"/>
+            </a:fontRef>
+          </p:style>
+        </p:cxnSp>
+        <p:cxnSp>
+          <p:nvCxnSpPr>
+            <p:cNvPr id="8" name="直接连接符 7">
+              <a:extLst>
+                <a:ext uri="{FF2B5EF4-FFF2-40B4-BE49-F238E27FC236}">
+                  <a16:creationId xmlns:a16="http://schemas.microsoft.com/office/drawing/2014/main" id="{BE4C3C61-9B22-40D6-8894-B31571126B0C}"/>
+                </a:ext>
+              </a:extLst>
+            </p:cNvPr>
+            <p:cNvCxnSpPr>
+              <a:cxnSpLocks/>
+              <a:stCxn id="4" idx="4"/>
+            </p:cNvCxnSpPr>
+            <p:nvPr/>
+          </p:nvCxnSpPr>
+          <p:spPr>
+            <a:xfrm>
+              <a:off x="1993692" y="2308485"/>
+              <a:ext cx="0" cy="1120515"/>
+            </a:xfrm>
+            <a:prstGeom prst="line">
+              <a:avLst/>
+            </a:prstGeom>
+          </p:spPr>
+          <p:style>
+            <a:lnRef idx="1">
+              <a:schemeClr val="accent1"/>
+            </a:lnRef>
+            <a:fillRef idx="0">
+              <a:schemeClr val="accent1"/>
+            </a:fillRef>
+            <a:effectRef idx="0">
+              <a:schemeClr val="accent1"/>
+            </a:effectRef>
+            <a:fontRef idx="minor">
+              <a:schemeClr val="tx1"/>
+            </a:fontRef>
+          </p:style>
+        </p:cxnSp>
+        <p:cxnSp>
+          <p:nvCxnSpPr>
+            <p:cNvPr id="11" name="直接连接符 10">
+              <a:extLst>
+                <a:ext uri="{FF2B5EF4-FFF2-40B4-BE49-F238E27FC236}">
+                  <a16:creationId xmlns:a16="http://schemas.microsoft.com/office/drawing/2014/main" id="{EB5A167D-919E-4803-9B7C-881910DDAA1E}"/>
+                </a:ext>
+              </a:extLst>
+            </p:cNvPr>
+            <p:cNvCxnSpPr/>
+            <p:nvPr/>
+          </p:nvCxnSpPr>
+          <p:spPr>
+            <a:xfrm flipH="1">
+              <a:off x="1514007" y="3429000"/>
+              <a:ext cx="464695" cy="603354"/>
+            </a:xfrm>
+            <a:prstGeom prst="line">
+              <a:avLst/>
+            </a:prstGeom>
+          </p:spPr>
+          <p:style>
+            <a:lnRef idx="1">
+              <a:schemeClr val="accent1"/>
+            </a:lnRef>
+            <a:fillRef idx="0">
+              <a:schemeClr val="accent1"/>
+            </a:fillRef>
+            <a:effectRef idx="0">
+              <a:schemeClr val="accent1"/>
+            </a:effectRef>
+            <a:fontRef idx="minor">
+              <a:schemeClr val="tx1"/>
+            </a:fontRef>
+          </p:style>
+        </p:cxnSp>
+        <p:cxnSp>
+          <p:nvCxnSpPr>
+            <p:cNvPr id="13" name="直接连接符 12">
+              <a:extLst>
+                <a:ext uri="{FF2B5EF4-FFF2-40B4-BE49-F238E27FC236}">
+                  <a16:creationId xmlns:a16="http://schemas.microsoft.com/office/drawing/2014/main" id="{FA760643-43DC-47C0-93E4-A982F92DD828}"/>
+                </a:ext>
+              </a:extLst>
+            </p:cNvPr>
+            <p:cNvCxnSpPr>
+              <a:cxnSpLocks/>
+            </p:cNvCxnSpPr>
+            <p:nvPr/>
+          </p:nvCxnSpPr>
+          <p:spPr>
+            <a:xfrm>
+              <a:off x="1993692" y="3429000"/>
+              <a:ext cx="479685" cy="603354"/>
+            </a:xfrm>
+            <a:prstGeom prst="line">
+              <a:avLst/>
+            </a:prstGeom>
+          </p:spPr>
+          <p:style>
+            <a:lnRef idx="1">
+              <a:schemeClr val="accent1"/>
+            </a:lnRef>
+            <a:fillRef idx="0">
+              <a:schemeClr val="accent1"/>
+            </a:fillRef>
+            <a:effectRef idx="0">
+              <a:schemeClr val="accent1"/>
+            </a:effectRef>
+            <a:fontRef idx="minor">
+              <a:schemeClr val="tx1"/>
+            </a:fontRef>
+          </p:style>
+        </p:cxnSp>
+      </p:grpSp>
+      <p:sp>
+        <p:nvSpPr>
+          <p:cNvPr id="16" name="矩形 15">
+            <a:extLst>
+              <a:ext uri="{FF2B5EF4-FFF2-40B4-BE49-F238E27FC236}">
+                <a16:creationId xmlns:a16="http://schemas.microsoft.com/office/drawing/2014/main" id="{AD3575D6-CE26-438A-B26B-D9C177782800}"/>
+              </a:ext>
+            </a:extLst>
+          </p:cNvPr>
+          <p:cNvSpPr/>
+          <p:nvPr/>
+        </p:nvSpPr>
+        <p:spPr>
+          <a:xfrm>
+            <a:off x="5081666" y="1736013"/>
+            <a:ext cx="2323475" cy="1811048"/>
+          </a:xfrm>
+          <a:prstGeom prst="rect">
+            <a:avLst/>
+          </a:prstGeom>
+        </p:spPr>
+        <p:style>
+          <a:lnRef idx="2">
+            <a:schemeClr val="accent1"/>
+          </a:lnRef>
+          <a:fillRef idx="1">
+            <a:schemeClr val="lt1"/>
+          </a:fillRef>
+          <a:effectRef idx="0">
+            <a:schemeClr val="accent1"/>
+          </a:effectRef>
+          <a:fontRef idx="minor">
+            <a:schemeClr val="dk1"/>
+          </a:fontRef>
+        </p:style>
+        <p:txBody>
+          <a:bodyPr rtlCol="0" anchor="t"/>
+          <a:lstStyle/>
+          <a:p>
+            <a:r>
+              <a:rPr lang="zh-CN" altLang="en-US" dirty="0"/>
+              <a:t>电梯系统</a:t>
+            </a:r>
+          </a:p>
+        </p:txBody>
+      </p:sp>
+      <p:sp>
+        <p:nvSpPr>
+          <p:cNvPr id="17" name="矩形 16">
+            <a:extLst>
+              <a:ext uri="{FF2B5EF4-FFF2-40B4-BE49-F238E27FC236}">
+                <a16:creationId xmlns:a16="http://schemas.microsoft.com/office/drawing/2014/main" id="{E5D7F98C-D388-41F6-B35D-459BC1FE29A4}"/>
+              </a:ext>
+            </a:extLst>
+          </p:cNvPr>
+          <p:cNvSpPr/>
+          <p:nvPr/>
+        </p:nvSpPr>
+        <p:spPr>
+          <a:xfrm>
+            <a:off x="5306518" y="2478654"/>
+            <a:ext cx="1693889" cy="579339"/>
+          </a:xfrm>
+          <a:prstGeom prst="rect">
+            <a:avLst/>
+          </a:prstGeom>
+        </p:spPr>
+        <p:style>
+          <a:lnRef idx="2">
+            <a:schemeClr val="accent1"/>
+          </a:lnRef>
+          <a:fillRef idx="1">
+            <a:schemeClr val="lt1"/>
+          </a:fillRef>
+          <a:effectRef idx="0">
+            <a:schemeClr val="accent1"/>
+          </a:effectRef>
+          <a:fontRef idx="minor">
+            <a:schemeClr val="dk1"/>
+          </a:fontRef>
+        </p:style>
+        <p:txBody>
+          <a:bodyPr rtlCol="0" anchor="ctr"/>
+          <a:lstStyle/>
+          <a:p>
+            <a:pPr algn="ctr"/>
+            <a:r>
+              <a:rPr lang="zh-CN" altLang="en-US" dirty="0"/>
+              <a:t>按下电梯按钮</a:t>
+            </a:r>
+          </a:p>
+        </p:txBody>
+      </p:sp>
+      <p:cxnSp>
+        <p:nvCxnSpPr>
+          <p:cNvPr id="20" name="直接箭头连接符 19">
+            <a:extLst>
+              <a:ext uri="{FF2B5EF4-FFF2-40B4-BE49-F238E27FC236}">
+                <a16:creationId xmlns:a16="http://schemas.microsoft.com/office/drawing/2014/main" id="{8592A8FD-0A64-4DC9-BB98-68275DB12F97}"/>
+              </a:ext>
+            </a:extLst>
+          </p:cNvPr>
+          <p:cNvCxnSpPr>
+            <a:cxnSpLocks/>
+          </p:cNvCxnSpPr>
+          <p:nvPr/>
+        </p:nvCxnSpPr>
+        <p:spPr>
+          <a:xfrm>
+            <a:off x="3312826" y="2788171"/>
+            <a:ext cx="1993692" cy="0"/>
+          </a:xfrm>
+          <a:prstGeom prst="straightConnector1">
+            <a:avLst/>
+          </a:prstGeom>
+          <a:ln>
+            <a:tailEnd type="triangle"/>
+          </a:ln>
+        </p:spPr>
+        <p:style>
+          <a:lnRef idx="1">
+            <a:schemeClr val="accent1"/>
+          </a:lnRef>
+          <a:fillRef idx="0">
+            <a:schemeClr val="accent1"/>
+          </a:fillRef>
+          <a:effectRef idx="0">
+            <a:schemeClr val="accent1"/>
+          </a:effectRef>
+          <a:fontRef idx="minor">
+            <a:schemeClr val="tx1"/>
+          </a:fontRef>
+        </p:style>
+      </p:cxnSp>
+      <p:sp>
+        <p:nvSpPr>
+          <p:cNvPr id="22" name="文本框 21">
+            <a:extLst>
+              <a:ext uri="{FF2B5EF4-FFF2-40B4-BE49-F238E27FC236}">
+                <a16:creationId xmlns:a16="http://schemas.microsoft.com/office/drawing/2014/main" id="{269C95FC-3685-41BE-8DFE-652B5A80C167}"/>
+              </a:ext>
+            </a:extLst>
+          </p:cNvPr>
+          <p:cNvSpPr txBox="1"/>
+          <p:nvPr/>
+        </p:nvSpPr>
+        <p:spPr>
+          <a:xfrm>
+            <a:off x="1873771" y="4029427"/>
+            <a:ext cx="1107996" cy="369332"/>
+          </a:xfrm>
+          <a:prstGeom prst="rect">
+            <a:avLst/>
+          </a:prstGeom>
+          <a:noFill/>
+        </p:spPr>
+        <p:txBody>
+          <a:bodyPr wrap="none" rtlCol="0">
+            <a:spAutoFit/>
+          </a:bodyPr>
+          <a:lstStyle/>
+          <a:p>
+            <a:r>
+              <a:rPr lang="zh-CN" altLang="en-US" dirty="0"/>
+              <a:t>普通用户</a:t>
+            </a:r>
+          </a:p>
+        </p:txBody>
+      </p:sp>
+    </p:spTree>
+    <p:extLst>
+      <p:ext uri="{BB962C8B-B14F-4D97-AF65-F5344CB8AC3E}">
+        <p14:creationId xmlns:p14="http://schemas.microsoft.com/office/powerpoint/2010/main" val="3168750837"/>
       </p:ext>
     </p:extLst>
   </p:cSld>

--- a/需求文档图.pptx
+++ b/需求文档图.pptx
@@ -287,7 +287,7 @@
           <a:p>
             <a:fld id="{794A54E8-C2C9-4FD9-B8B6-B2C64FB16E40}" type="datetimeFigureOut">
               <a:rPr lang="zh-CN" altLang="en-US" smtClean="0"/>
-              <a:t>2017-12-23</a:t>
+              <a:t>2017-12-29</a:t>
             </a:fld>
             <a:endParaRPr lang="zh-CN" altLang="en-US"/>
           </a:p>
@@ -485,7 +485,7 @@
           <a:p>
             <a:fld id="{794A54E8-C2C9-4FD9-B8B6-B2C64FB16E40}" type="datetimeFigureOut">
               <a:rPr lang="zh-CN" altLang="en-US" smtClean="0"/>
-              <a:t>2017-12-23</a:t>
+              <a:t>2017-12-29</a:t>
             </a:fld>
             <a:endParaRPr lang="zh-CN" altLang="en-US"/>
           </a:p>
@@ -693,7 +693,7 @@
           <a:p>
             <a:fld id="{794A54E8-C2C9-4FD9-B8B6-B2C64FB16E40}" type="datetimeFigureOut">
               <a:rPr lang="zh-CN" altLang="en-US" smtClean="0"/>
-              <a:t>2017-12-23</a:t>
+              <a:t>2017-12-29</a:t>
             </a:fld>
             <a:endParaRPr lang="zh-CN" altLang="en-US"/>
           </a:p>
@@ -891,7 +891,7 @@
           <a:p>
             <a:fld id="{794A54E8-C2C9-4FD9-B8B6-B2C64FB16E40}" type="datetimeFigureOut">
               <a:rPr lang="zh-CN" altLang="en-US" smtClean="0"/>
-              <a:t>2017-12-23</a:t>
+              <a:t>2017-12-29</a:t>
             </a:fld>
             <a:endParaRPr lang="zh-CN" altLang="en-US"/>
           </a:p>
@@ -1166,7 +1166,7 @@
           <a:p>
             <a:fld id="{794A54E8-C2C9-4FD9-B8B6-B2C64FB16E40}" type="datetimeFigureOut">
               <a:rPr lang="zh-CN" altLang="en-US" smtClean="0"/>
-              <a:t>2017-12-23</a:t>
+              <a:t>2017-12-29</a:t>
             </a:fld>
             <a:endParaRPr lang="zh-CN" altLang="en-US"/>
           </a:p>
@@ -1431,7 +1431,7 @@
           <a:p>
             <a:fld id="{794A54E8-C2C9-4FD9-B8B6-B2C64FB16E40}" type="datetimeFigureOut">
               <a:rPr lang="zh-CN" altLang="en-US" smtClean="0"/>
-              <a:t>2017-12-23</a:t>
+              <a:t>2017-12-29</a:t>
             </a:fld>
             <a:endParaRPr lang="zh-CN" altLang="en-US"/>
           </a:p>
@@ -1843,7 +1843,7 @@
           <a:p>
             <a:fld id="{794A54E8-C2C9-4FD9-B8B6-B2C64FB16E40}" type="datetimeFigureOut">
               <a:rPr lang="zh-CN" altLang="en-US" smtClean="0"/>
-              <a:t>2017-12-23</a:t>
+              <a:t>2017-12-29</a:t>
             </a:fld>
             <a:endParaRPr lang="zh-CN" altLang="en-US"/>
           </a:p>
@@ -1984,7 +1984,7 @@
           <a:p>
             <a:fld id="{794A54E8-C2C9-4FD9-B8B6-B2C64FB16E40}" type="datetimeFigureOut">
               <a:rPr lang="zh-CN" altLang="en-US" smtClean="0"/>
-              <a:t>2017-12-23</a:t>
+              <a:t>2017-12-29</a:t>
             </a:fld>
             <a:endParaRPr lang="zh-CN" altLang="en-US"/>
           </a:p>
@@ -2097,7 +2097,7 @@
           <a:p>
             <a:fld id="{794A54E8-C2C9-4FD9-B8B6-B2C64FB16E40}" type="datetimeFigureOut">
               <a:rPr lang="zh-CN" altLang="en-US" smtClean="0"/>
-              <a:t>2017-12-23</a:t>
+              <a:t>2017-12-29</a:t>
             </a:fld>
             <a:endParaRPr lang="zh-CN" altLang="en-US"/>
           </a:p>
@@ -2408,7 +2408,7 @@
           <a:p>
             <a:fld id="{794A54E8-C2C9-4FD9-B8B6-B2C64FB16E40}" type="datetimeFigureOut">
               <a:rPr lang="zh-CN" altLang="en-US" smtClean="0"/>
-              <a:t>2017-12-23</a:t>
+              <a:t>2017-12-29</a:t>
             </a:fld>
             <a:endParaRPr lang="zh-CN" altLang="en-US"/>
           </a:p>
@@ -2696,7 +2696,7 @@
           <a:p>
             <a:fld id="{794A54E8-C2C9-4FD9-B8B6-B2C64FB16E40}" type="datetimeFigureOut">
               <a:rPr lang="zh-CN" altLang="en-US" smtClean="0"/>
-              <a:t>2017-12-23</a:t>
+              <a:t>2017-12-29</a:t>
             </a:fld>
             <a:endParaRPr lang="zh-CN" altLang="en-US"/>
           </a:p>
@@ -2937,7 +2937,7 @@
           <a:p>
             <a:fld id="{794A54E8-C2C9-4FD9-B8B6-B2C64FB16E40}" type="datetimeFigureOut">
               <a:rPr lang="zh-CN" altLang="en-US" smtClean="0"/>
-              <a:t>2017-12-23</a:t>
+              <a:t>2017-12-29</a:t>
             </a:fld>
             <a:endParaRPr lang="zh-CN" altLang="en-US"/>
           </a:p>
@@ -4153,7 +4153,7 @@
         <p:spPr>
           <a:xfrm>
             <a:off x="4309533" y="1383212"/>
-            <a:ext cx="306494" cy="369332"/>
+            <a:ext cx="311304" cy="369332"/>
           </a:xfrm>
           <a:prstGeom prst="rect">
             <a:avLst/>
@@ -4168,7 +4168,7 @@
           <a:p>
             <a:r>
               <a:rPr lang="en-US" altLang="zh-CN" dirty="0"/>
-              <a:t>1</a:t>
+              <a:t>n</a:t>
             </a:r>
             <a:endParaRPr lang="zh-CN" altLang="en-US" dirty="0"/>
           </a:p>
@@ -4189,7 +4189,7 @@
         <p:spPr>
           <a:xfrm>
             <a:off x="6691638" y="1356740"/>
-            <a:ext cx="306494" cy="369332"/>
+            <a:ext cx="311304" cy="369332"/>
           </a:xfrm>
           <a:prstGeom prst="rect">
             <a:avLst/>
@@ -4204,7 +4204,7 @@
           <a:p>
             <a:r>
               <a:rPr lang="en-US" altLang="zh-CN" dirty="0"/>
-              <a:t>1</a:t>
+              <a:t>n</a:t>
             </a:r>
             <a:endParaRPr lang="zh-CN" altLang="en-US" dirty="0"/>
           </a:p>
@@ -4261,7 +4261,7 @@
         <p:spPr>
           <a:xfrm>
             <a:off x="5808525" y="2237304"/>
-            <a:ext cx="306494" cy="369332"/>
+            <a:ext cx="311304" cy="369332"/>
           </a:xfrm>
           <a:prstGeom prst="rect">
             <a:avLst/>
@@ -4276,7 +4276,7 @@
           <a:p>
             <a:r>
               <a:rPr lang="en-US" altLang="zh-CN" dirty="0"/>
-              <a:t>1</a:t>
+              <a:t>n</a:t>
             </a:r>
             <a:endParaRPr lang="zh-CN" altLang="en-US" dirty="0"/>
           </a:p>
@@ -4761,6 +4761,38 @@
           </a:fontRef>
         </p:style>
       </p:cxnSp>
+      <p:sp>
+        <p:nvSpPr>
+          <p:cNvPr id="2" name="文本框 1">
+            <a:extLst>
+              <a:ext uri="{FF2B5EF4-FFF2-40B4-BE49-F238E27FC236}">
+                <a16:creationId xmlns:a16="http://schemas.microsoft.com/office/drawing/2014/main" id="{69ECF8E8-F495-4CD9-8F31-1FC9E654542F}"/>
+              </a:ext>
+            </a:extLst>
+          </p:cNvPr>
+          <p:cNvSpPr txBox="1"/>
+          <p:nvPr/>
+        </p:nvSpPr>
+        <p:spPr>
+          <a:xfrm>
+            <a:off x="11603115" y="763480"/>
+            <a:ext cx="184731" cy="369332"/>
+          </a:xfrm>
+          <a:prstGeom prst="rect">
+            <a:avLst/>
+          </a:prstGeom>
+          <a:noFill/>
+        </p:spPr>
+        <p:txBody>
+          <a:bodyPr wrap="none" rtlCol="0">
+            <a:spAutoFit/>
+          </a:bodyPr>
+          <a:lstStyle/>
+          <a:p>
+            <a:endParaRPr lang="zh-CN" altLang="en-US" dirty="0"/>
+          </a:p>
+        </p:txBody>
+      </p:sp>
     </p:spTree>
     <p:extLst>
       <p:ext uri="{BB962C8B-B14F-4D97-AF65-F5344CB8AC3E}">
@@ -5019,8 +5051,8 @@
         </p:nvSpPr>
         <p:spPr>
           <a:xfrm>
-            <a:off x="5081666" y="1736013"/>
-            <a:ext cx="3672588" cy="1811048"/>
+            <a:off x="4193898" y="1795874"/>
+            <a:ext cx="4284267" cy="1811048"/>
           </a:xfrm>
           <a:prstGeom prst="rect">
             <a:avLst/>
@@ -5053,7 +5085,7 @@
       </p:sp>
       <p:sp>
         <p:nvSpPr>
-          <p:cNvPr id="11" name="矩形 10">
+          <p:cNvPr id="11" name="椭圆 10">
             <a:extLst>
               <a:ext uri="{FF2B5EF4-FFF2-40B4-BE49-F238E27FC236}">
                 <a16:creationId xmlns:a16="http://schemas.microsoft.com/office/drawing/2014/main" id="{9EC99F50-AA97-460F-985D-53B82446C9EF}"/>
@@ -5065,10 +5097,10 @@
         </p:nvSpPr>
         <p:spPr>
           <a:xfrm>
-            <a:off x="5306518" y="2478654"/>
-            <a:ext cx="3013023" cy="579339"/>
-          </a:xfrm>
-          <a:prstGeom prst="rect">
+            <a:off x="4418751" y="2538515"/>
+            <a:ext cx="3766461" cy="579339"/>
+          </a:xfrm>
+          <a:prstGeom prst="ellipse">
             <a:avLst/>
           </a:prstGeom>
         </p:spPr>
@@ -5117,19 +5149,21 @@
           </p:cNvPr>
           <p:cNvCxnSpPr>
             <a:cxnSpLocks/>
+            <a:endCxn id="11" idx="2"/>
           </p:cNvCxnSpPr>
           <p:nvPr/>
         </p:nvCxnSpPr>
         <p:spPr>
           <a:xfrm>
             <a:off x="3312826" y="2788171"/>
-            <a:ext cx="1993692" cy="0"/>
+            <a:ext cx="1105925" cy="40014"/>
           </a:xfrm>
           <a:prstGeom prst="straightConnector1">
             <a:avLst/>
           </a:prstGeom>
           <a:ln>
-            <a:tailEnd type="triangle"/>
+            <a:headEnd type="none" w="med" len="med"/>
+            <a:tailEnd type="none" w="med" len="med"/>
           </a:ln>
         </p:spPr>
         <p:style>
@@ -5496,7 +5530,8 @@
             <a:avLst/>
           </a:prstGeom>
           <a:ln>
-            <a:tailEnd type="triangle"/>
+            <a:headEnd type="none" w="med" len="med"/>
+            <a:tailEnd type="none" w="med" len="med"/>
           </a:ln>
         </p:spPr>
         <p:style>
@@ -5808,7 +5843,7 @@
         <p:spPr>
           <a:xfrm>
             <a:off x="5081666" y="1736012"/>
-            <a:ext cx="2323475" cy="3750379"/>
+            <a:ext cx="2757313" cy="3750379"/>
           </a:xfrm>
           <a:prstGeom prst="rect">
             <a:avLst/>
@@ -5841,7 +5876,7 @@
       </p:sp>
       <p:sp>
         <p:nvSpPr>
-          <p:cNvPr id="12" name="矩形 11">
+          <p:cNvPr id="12" name="椭圆 11">
             <a:extLst>
               <a:ext uri="{FF2B5EF4-FFF2-40B4-BE49-F238E27FC236}">
                 <a16:creationId xmlns:a16="http://schemas.microsoft.com/office/drawing/2014/main" id="{6DF5576A-2C99-448F-83E2-5460B3C43CCD}"/>
@@ -5854,9 +5889,9 @@
         <p:spPr>
           <a:xfrm>
             <a:off x="5306518" y="2478654"/>
-            <a:ext cx="1693889" cy="579339"/>
-          </a:xfrm>
-          <a:prstGeom prst="rect">
+            <a:ext cx="2330731" cy="579339"/>
+          </a:xfrm>
+          <a:prstGeom prst="ellipse">
             <a:avLst/>
           </a:prstGeom>
         </p:spPr>
@@ -5965,7 +6000,7 @@
       </p:sp>
       <p:sp>
         <p:nvSpPr>
-          <p:cNvPr id="19" name="矩形 18">
+          <p:cNvPr id="19" name="椭圆 18">
             <a:extLst>
               <a:ext uri="{FF2B5EF4-FFF2-40B4-BE49-F238E27FC236}">
                 <a16:creationId xmlns:a16="http://schemas.microsoft.com/office/drawing/2014/main" id="{2761F4B5-6302-4DA3-9646-26A01AD39EF7}"/>
@@ -5978,9 +6013,9 @@
         <p:spPr>
           <a:xfrm>
             <a:off x="5306517" y="3211299"/>
-            <a:ext cx="1693889" cy="579339"/>
-          </a:xfrm>
-          <a:prstGeom prst="rect">
+            <a:ext cx="2330731" cy="579339"/>
+          </a:xfrm>
+          <a:prstGeom prst="ellipse">
             <a:avLst/>
           </a:prstGeom>
         </p:spPr>
@@ -6012,7 +6047,7 @@
       </p:sp>
       <p:sp>
         <p:nvSpPr>
-          <p:cNvPr id="20" name="矩形 19">
+          <p:cNvPr id="20" name="椭圆 19">
             <a:extLst>
               <a:ext uri="{FF2B5EF4-FFF2-40B4-BE49-F238E27FC236}">
                 <a16:creationId xmlns:a16="http://schemas.microsoft.com/office/drawing/2014/main" id="{B6404BA6-B301-49A1-B9A4-B6E2692FFE75}"/>
@@ -6025,9 +6060,9 @@
         <p:spPr>
           <a:xfrm>
             <a:off x="5306516" y="4109089"/>
-            <a:ext cx="1693889" cy="579339"/>
-          </a:xfrm>
-          <a:prstGeom prst="rect">
+            <a:ext cx="2330731" cy="579339"/>
+          </a:xfrm>
+          <a:prstGeom prst="ellipse">
             <a:avLst/>
           </a:prstGeom>
         </p:spPr>
@@ -6066,9 +6101,7 @@
               </a:ext>
             </a:extLst>
           </p:cNvPr>
-          <p:cNvCxnSpPr>
-            <a:endCxn id="19" idx="1"/>
-          </p:cNvCxnSpPr>
+          <p:cNvCxnSpPr/>
           <p:nvPr/>
         </p:nvCxnSpPr>
         <p:spPr>
@@ -6423,7 +6456,7 @@
       </p:sp>
       <p:sp>
         <p:nvSpPr>
-          <p:cNvPr id="11" name="矩形 10">
+          <p:cNvPr id="11" name="椭圆 10">
             <a:extLst>
               <a:ext uri="{FF2B5EF4-FFF2-40B4-BE49-F238E27FC236}">
                 <a16:creationId xmlns:a16="http://schemas.microsoft.com/office/drawing/2014/main" id="{AB65FC9C-BE2A-4493-9B31-BD7D0CF45DFC}"/>
@@ -6438,7 +6471,7 @@
             <a:off x="5306518" y="2478654"/>
             <a:ext cx="1693889" cy="579339"/>
           </a:xfrm>
-          <a:prstGeom prst="rect">
+          <a:prstGeom prst="ellipse">
             <a:avLst/>
           </a:prstGeom>
         </p:spPr>
@@ -6547,7 +6580,7 @@
       </p:sp>
       <p:sp>
         <p:nvSpPr>
-          <p:cNvPr id="14" name="矩形 13">
+          <p:cNvPr id="14" name="椭圆 13">
             <a:extLst>
               <a:ext uri="{FF2B5EF4-FFF2-40B4-BE49-F238E27FC236}">
                 <a16:creationId xmlns:a16="http://schemas.microsoft.com/office/drawing/2014/main" id="{9AA17FFB-87EF-491F-BBF7-0D53A6C4D429}"/>
@@ -6562,7 +6595,7 @@
             <a:off x="5306517" y="3211299"/>
             <a:ext cx="1693889" cy="579339"/>
           </a:xfrm>
-          <a:prstGeom prst="rect">
+          <a:prstGeom prst="ellipse">
             <a:avLst/>
           </a:prstGeom>
         </p:spPr>
@@ -6594,7 +6627,7 @@
       </p:sp>
       <p:sp>
         <p:nvSpPr>
-          <p:cNvPr id="15" name="矩形 14">
+          <p:cNvPr id="15" name="椭圆 14">
             <a:extLst>
               <a:ext uri="{FF2B5EF4-FFF2-40B4-BE49-F238E27FC236}">
                 <a16:creationId xmlns:a16="http://schemas.microsoft.com/office/drawing/2014/main" id="{75E87C66-F744-4401-9876-63B8B0D7AD6F}"/>
@@ -6609,7 +6642,7 @@
             <a:off x="5325251" y="4029427"/>
             <a:ext cx="1693889" cy="579339"/>
           </a:xfrm>
-          <a:prstGeom prst="rect">
+          <a:prstGeom prst="ellipse">
             <a:avLst/>
           </a:prstGeom>
         </p:spPr>
@@ -6648,9 +6681,7 @@
               </a:ext>
             </a:extLst>
           </p:cNvPr>
-          <p:cNvCxnSpPr>
-            <a:endCxn id="14" idx="1"/>
-          </p:cNvCxnSpPr>
+          <p:cNvCxnSpPr/>
           <p:nvPr/>
         </p:nvCxnSpPr>
         <p:spPr>
@@ -6715,7 +6746,7 @@
       </p:cxnSp>
       <p:sp>
         <p:nvSpPr>
-          <p:cNvPr id="19" name="矩形 18">
+          <p:cNvPr id="19" name="椭圆 18">
             <a:extLst>
               <a:ext uri="{FF2B5EF4-FFF2-40B4-BE49-F238E27FC236}">
                 <a16:creationId xmlns:a16="http://schemas.microsoft.com/office/drawing/2014/main" id="{3CD7D08A-716F-46A5-8BA7-3FA43CA2549B}"/>
@@ -6730,7 +6761,7 @@
             <a:off x="5306515" y="1629494"/>
             <a:ext cx="1693889" cy="579339"/>
           </a:xfrm>
-          <a:prstGeom prst="rect">
+          <a:prstGeom prst="ellipse">
             <a:avLst/>
           </a:prstGeom>
         </p:spPr>
@@ -6762,7 +6793,7 @@
       </p:sp>
       <p:sp>
         <p:nvSpPr>
-          <p:cNvPr id="20" name="矩形 19">
+          <p:cNvPr id="20" name="椭圆 19">
             <a:extLst>
               <a:ext uri="{FF2B5EF4-FFF2-40B4-BE49-F238E27FC236}">
                 <a16:creationId xmlns:a16="http://schemas.microsoft.com/office/drawing/2014/main" id="{2E36B950-FA2D-48AD-BB84-D0C01294B723}"/>
@@ -6777,7 +6808,7 @@
             <a:off x="5325251" y="4792242"/>
             <a:ext cx="1693889" cy="579339"/>
           </a:xfrm>
-          <a:prstGeom prst="rect">
+          <a:prstGeom prst="ellipse">
             <a:avLst/>
           </a:prstGeom>
         </p:spPr>
@@ -6809,7 +6840,7 @@
       </p:sp>
       <p:sp>
         <p:nvSpPr>
-          <p:cNvPr id="21" name="矩形 20">
+          <p:cNvPr id="21" name="椭圆 20">
             <a:extLst>
               <a:ext uri="{FF2B5EF4-FFF2-40B4-BE49-F238E27FC236}">
                 <a16:creationId xmlns:a16="http://schemas.microsoft.com/office/drawing/2014/main" id="{2DD2E65E-5087-4824-B925-78F3AC63D1B5}"/>
@@ -6824,7 +6855,7 @@
             <a:off x="5325251" y="5534802"/>
             <a:ext cx="1693889" cy="579339"/>
           </a:xfrm>
-          <a:prstGeom prst="rect">
+          <a:prstGeom prst="ellipse">
             <a:avLst/>
           </a:prstGeom>
         </p:spPr>
@@ -15022,7 +15053,7 @@
         </p:nvSpPr>
         <p:spPr>
           <a:xfrm>
-            <a:off x="770022" y="1596190"/>
+            <a:off x="95319" y="1613945"/>
             <a:ext cx="1487404" cy="604086"/>
           </a:xfrm>
           <a:prstGeom prst="rect">
@@ -15069,7 +15100,7 @@
         </p:nvSpPr>
         <p:spPr>
           <a:xfrm>
-            <a:off x="3665622" y="1596190"/>
+            <a:off x="2631846" y="1631962"/>
             <a:ext cx="1487404" cy="604086"/>
           </a:xfrm>
           <a:prstGeom prst="rect">
@@ -15116,7 +15147,7 @@
         </p:nvSpPr>
         <p:spPr>
           <a:xfrm>
-            <a:off x="6561222" y="1596190"/>
+            <a:off x="5033346" y="1623362"/>
             <a:ext cx="1487404" cy="604086"/>
           </a:xfrm>
           <a:prstGeom prst="rect">
@@ -15163,7 +15194,7 @@
         </p:nvSpPr>
         <p:spPr>
           <a:xfrm>
-            <a:off x="9456822" y="1596190"/>
+            <a:off x="7826893" y="1623362"/>
             <a:ext cx="1487404" cy="604086"/>
           </a:xfrm>
           <a:prstGeom prst="rect">
@@ -15191,7 +15222,7 @@
             <a:pPr algn="ctr"/>
             <a:r>
               <a:rPr lang="zh-CN" altLang="en-US" dirty="0"/>
-              <a:t>上下运动</a:t>
+              <a:t>电梯运行</a:t>
             </a:r>
           </a:p>
         </p:txBody>
@@ -15210,7 +15241,7 @@
         </p:nvSpPr>
         <p:spPr>
           <a:xfrm>
-            <a:off x="3665622" y="3282114"/>
+            <a:off x="2631846" y="3317886"/>
             <a:ext cx="1487404" cy="604086"/>
           </a:xfrm>
           <a:prstGeom prst="rect">
@@ -15257,7 +15288,7 @@
         </p:nvSpPr>
         <p:spPr>
           <a:xfrm>
-            <a:off x="6537232" y="4381090"/>
+            <a:off x="5211158" y="4408262"/>
             <a:ext cx="1487404" cy="604086"/>
           </a:xfrm>
           <a:prstGeom prst="rect">
@@ -15304,7 +15335,7 @@
         </p:nvSpPr>
         <p:spPr>
           <a:xfrm>
-            <a:off x="9432832" y="4381090"/>
+            <a:off x="7802903" y="4408262"/>
             <a:ext cx="1487404" cy="604086"/>
           </a:xfrm>
           <a:prstGeom prst="rect">
@@ -15351,7 +15382,7 @@
         </p:nvSpPr>
         <p:spPr>
           <a:xfrm>
-            <a:off x="3665622" y="4868027"/>
+            <a:off x="2631846" y="4903799"/>
             <a:ext cx="1487404" cy="604086"/>
           </a:xfrm>
           <a:prstGeom prst="rect">
@@ -15398,7 +15429,7 @@
         </p:nvSpPr>
         <p:spPr>
           <a:xfrm>
-            <a:off x="3665622" y="157163"/>
+            <a:off x="2631846" y="192935"/>
             <a:ext cx="1487404" cy="604086"/>
           </a:xfrm>
           <a:prstGeom prst="rect">
@@ -15448,8 +15479,8 @@
         </p:nvCxnSpPr>
         <p:spPr>
           <a:xfrm>
-            <a:off x="2257426" y="1898233"/>
-            <a:ext cx="1408196" cy="0"/>
+            <a:off x="1582723" y="1915988"/>
+            <a:ext cx="1049123" cy="18017"/>
           </a:xfrm>
           <a:prstGeom prst="straightConnector1">
             <a:avLst/>
@@ -15489,9 +15520,9 @@
           <p:nvPr/>
         </p:nvCxnSpPr>
         <p:spPr>
-          <a:xfrm>
-            <a:off x="5153026" y="1898233"/>
-            <a:ext cx="1408196" cy="0"/>
+          <a:xfrm flipV="1">
+            <a:off x="4119250" y="1925405"/>
+            <a:ext cx="914096" cy="8600"/>
           </a:xfrm>
           <a:prstGeom prst="straightConnector1">
             <a:avLst/>
@@ -15532,8 +15563,8 @@
         </p:nvCxnSpPr>
         <p:spPr>
           <a:xfrm>
-            <a:off x="8048626" y="1898233"/>
-            <a:ext cx="1408196" cy="0"/>
+            <a:off x="6520750" y="1925405"/>
+            <a:ext cx="1306143" cy="0"/>
           </a:xfrm>
           <a:prstGeom prst="straightConnector1">
             <a:avLst/>
@@ -15574,7 +15605,7 @@
         </p:nvCxnSpPr>
         <p:spPr>
           <a:xfrm flipV="1">
-            <a:off x="4409324" y="2200276"/>
+            <a:off x="3375548" y="2236048"/>
             <a:ext cx="0" cy="1081838"/>
           </a:xfrm>
           <a:prstGeom prst="straightConnector1">
@@ -15616,7 +15647,7 @@
         </p:nvCxnSpPr>
         <p:spPr>
           <a:xfrm flipV="1">
-            <a:off x="4409324" y="761249"/>
+            <a:off x="3375548" y="797021"/>
             <a:ext cx="0" cy="834941"/>
           </a:xfrm>
           <a:prstGeom prst="straightConnector1">
@@ -15658,8 +15689,8 @@
         </p:nvCxnSpPr>
         <p:spPr>
           <a:xfrm flipH="1" flipV="1">
-            <a:off x="1513724" y="2200276"/>
-            <a:ext cx="2151898" cy="2969794"/>
+            <a:off x="839021" y="2218031"/>
+            <a:ext cx="1792825" cy="2987811"/>
           </a:xfrm>
           <a:prstGeom prst="straightConnector1">
             <a:avLst/>
@@ -15700,7 +15731,7 @@
         </p:nvCxnSpPr>
         <p:spPr>
           <a:xfrm>
-            <a:off x="4409324" y="3886200"/>
+            <a:off x="3375548" y="3921972"/>
             <a:ext cx="0" cy="981827"/>
           </a:xfrm>
           <a:prstGeom prst="straightConnector1">
@@ -15743,8 +15774,8 @@
         </p:nvCxnSpPr>
         <p:spPr>
           <a:xfrm flipH="1" flipV="1">
-            <a:off x="5153026" y="3584157"/>
-            <a:ext cx="1384206" cy="1098976"/>
+            <a:off x="4119250" y="3619929"/>
+            <a:ext cx="1091908" cy="1090376"/>
           </a:xfrm>
           <a:prstGeom prst="straightConnector1">
             <a:avLst/>
@@ -15785,8 +15816,8 @@
         </p:nvCxnSpPr>
         <p:spPr>
           <a:xfrm flipH="1">
-            <a:off x="8024636" y="4683133"/>
-            <a:ext cx="1408196" cy="0"/>
+            <a:off x="6698562" y="4710305"/>
+            <a:ext cx="1104341" cy="0"/>
           </a:xfrm>
           <a:prstGeom prst="straightConnector1">
             <a:avLst/>
@@ -15821,15 +15852,15 @@
           </p:cNvPr>
           <p:cNvCxnSpPr>
             <a:cxnSpLocks/>
-            <a:stCxn id="7" idx="2"/>
-            <a:endCxn id="31" idx="0"/>
+            <a:stCxn id="7" idx="3"/>
+            <a:endCxn id="31" idx="1"/>
           </p:cNvCxnSpPr>
           <p:nvPr/>
         </p:nvCxnSpPr>
         <p:spPr>
-          <a:xfrm flipH="1">
-            <a:off x="10176534" y="2200276"/>
-            <a:ext cx="23990" cy="701956"/>
+          <a:xfrm>
+            <a:off x="9314297" y="1925405"/>
+            <a:ext cx="743702" cy="0"/>
           </a:xfrm>
           <a:prstGeom prst="straightConnector1">
             <a:avLst/>
@@ -15867,7 +15898,7 @@
         </p:nvSpPr>
         <p:spPr>
           <a:xfrm>
-            <a:off x="2403738" y="1605607"/>
+            <a:off x="1729035" y="1623362"/>
             <a:ext cx="902811" cy="307777"/>
           </a:xfrm>
           <a:prstGeom prst="rect">
@@ -15902,7 +15933,7 @@
         </p:nvSpPr>
         <p:spPr>
           <a:xfrm>
-            <a:off x="5226182" y="1587590"/>
+            <a:off x="4192406" y="1623362"/>
             <a:ext cx="902811" cy="307777"/>
           </a:xfrm>
           <a:prstGeom prst="rect">
@@ -15937,7 +15968,7 @@
         </p:nvSpPr>
         <p:spPr>
           <a:xfrm>
-            <a:off x="3778382" y="1075857"/>
+            <a:off x="2744606" y="1111629"/>
             <a:ext cx="902811" cy="307777"/>
           </a:xfrm>
           <a:prstGeom prst="rect">
@@ -15972,7 +16003,7 @@
         </p:nvSpPr>
         <p:spPr>
           <a:xfrm>
-            <a:off x="3957917" y="2637312"/>
+            <a:off x="2924141" y="2673084"/>
             <a:ext cx="902811" cy="307777"/>
           </a:xfrm>
           <a:prstGeom prst="rect">
@@ -16007,7 +16038,7 @@
         </p:nvSpPr>
         <p:spPr>
           <a:xfrm>
-            <a:off x="3891142" y="4220357"/>
+            <a:off x="2857366" y="4256129"/>
             <a:ext cx="902811" cy="307777"/>
           </a:xfrm>
           <a:prstGeom prst="rect">
@@ -16042,7 +16073,7 @@
         </p:nvSpPr>
         <p:spPr>
           <a:xfrm>
-            <a:off x="5355592" y="3864425"/>
+            <a:off x="4321816" y="3900197"/>
             <a:ext cx="1082348" cy="307777"/>
           </a:xfrm>
           <a:prstGeom prst="rect">
@@ -16077,7 +16108,7 @@
         </p:nvSpPr>
         <p:spPr>
           <a:xfrm>
-            <a:off x="8137396" y="4391023"/>
+            <a:off x="6811322" y="4418195"/>
             <a:ext cx="902811" cy="307777"/>
           </a:xfrm>
           <a:prstGeom prst="rect">
@@ -16112,7 +16143,7 @@
         </p:nvSpPr>
         <p:spPr>
           <a:xfrm>
-            <a:off x="5454884" y="2974337"/>
+            <a:off x="4421108" y="3010109"/>
             <a:ext cx="1082348" cy="307777"/>
           </a:xfrm>
           <a:prstGeom prst="rect">
@@ -16135,10 +16166,10 @@
       </p:sp>
       <p:sp>
         <p:nvSpPr>
-          <p:cNvPr id="41" name="文本框 40">
-            <a:extLst>
-              <a:ext uri="{FF2B5EF4-FFF2-40B4-BE49-F238E27FC236}">
-                <a16:creationId xmlns:a16="http://schemas.microsoft.com/office/drawing/2014/main" id="{860385D4-582A-4ED0-B1D6-066FF853C8E7}"/>
+          <p:cNvPr id="42" name="文本框 41">
+            <a:extLst>
+              <a:ext uri="{FF2B5EF4-FFF2-40B4-BE49-F238E27FC236}">
+                <a16:creationId xmlns:a16="http://schemas.microsoft.com/office/drawing/2014/main" id="{D1A510D1-7FF0-41FB-AF79-D2684EAFD1E7}"/>
               </a:ext>
             </a:extLst>
           </p:cNvPr>
@@ -16147,8 +16178,8 @@
         </p:nvSpPr>
         <p:spPr>
           <a:xfrm>
-            <a:off x="8082178" y="1598980"/>
-            <a:ext cx="1441420" cy="307777"/>
+            <a:off x="1114869" y="3241262"/>
+            <a:ext cx="902811" cy="307777"/>
           </a:xfrm>
           <a:prstGeom prst="rect">
             <a:avLst/>
@@ -16163,17 +16194,64 @@
           <a:p>
             <a:r>
               <a:rPr lang="zh-CN" altLang="en-US" sz="1400" dirty="0"/>
-              <a:t>上下行功能启动</a:t>
-            </a:r>
-          </a:p>
-        </p:txBody>
-      </p:sp>
-      <p:sp>
-        <p:nvSpPr>
-          <p:cNvPr id="42" name="文本框 41">
-            <a:extLst>
-              <a:ext uri="{FF2B5EF4-FFF2-40B4-BE49-F238E27FC236}">
-                <a16:creationId xmlns:a16="http://schemas.microsoft.com/office/drawing/2014/main" id="{D1A510D1-7FF0-41FB-AF79-D2684EAFD1E7}"/>
+              <a:t>启用信号</a:t>
+            </a:r>
+          </a:p>
+        </p:txBody>
+      </p:sp>
+      <p:sp>
+        <p:nvSpPr>
+          <p:cNvPr id="31" name="矩形 30">
+            <a:extLst>
+              <a:ext uri="{FF2B5EF4-FFF2-40B4-BE49-F238E27FC236}">
+                <a16:creationId xmlns:a16="http://schemas.microsoft.com/office/drawing/2014/main" id="{812B0491-9558-454C-BC28-DE7BF0495190}"/>
+              </a:ext>
+            </a:extLst>
+          </p:cNvPr>
+          <p:cNvSpPr/>
+          <p:nvPr/>
+        </p:nvSpPr>
+        <p:spPr>
+          <a:xfrm>
+            <a:off x="10057999" y="1623362"/>
+            <a:ext cx="1487404" cy="604086"/>
+          </a:xfrm>
+          <a:prstGeom prst="rect">
+            <a:avLst/>
+          </a:prstGeom>
+        </p:spPr>
+        <p:style>
+          <a:lnRef idx="2">
+            <a:schemeClr val="accent2"/>
+          </a:lnRef>
+          <a:fillRef idx="1">
+            <a:schemeClr val="lt1"/>
+          </a:fillRef>
+          <a:effectRef idx="0">
+            <a:schemeClr val="accent2"/>
+          </a:effectRef>
+          <a:fontRef idx="minor">
+            <a:schemeClr val="dk1"/>
+          </a:fontRef>
+        </p:style>
+        <p:txBody>
+          <a:bodyPr rtlCol="0" anchor="ctr"/>
+          <a:lstStyle/>
+          <a:p>
+            <a:pPr algn="ctr"/>
+            <a:r>
+              <a:rPr lang="zh-CN" altLang="en-US" dirty="0"/>
+              <a:t>命令读入</a:t>
+            </a:r>
+          </a:p>
+        </p:txBody>
+      </p:sp>
+      <p:sp>
+        <p:nvSpPr>
+          <p:cNvPr id="43" name="文本框 42">
+            <a:extLst>
+              <a:ext uri="{FF2B5EF4-FFF2-40B4-BE49-F238E27FC236}">
+                <a16:creationId xmlns:a16="http://schemas.microsoft.com/office/drawing/2014/main" id="{5729A980-6142-43DD-96CA-8FDA5BB7EA1A}"/>
               </a:ext>
             </a:extLst>
           </p:cNvPr>
@@ -16182,7 +16260,7 @@
         </p:nvSpPr>
         <p:spPr>
           <a:xfrm>
-            <a:off x="1789572" y="3223507"/>
+            <a:off x="9213031" y="1617628"/>
             <a:ext cx="902811" cy="307777"/>
           </a:xfrm>
           <a:prstGeom prst="rect">
@@ -16198,64 +16276,60 @@
           <a:p>
             <a:r>
               <a:rPr lang="zh-CN" altLang="en-US" sz="1400" dirty="0"/>
-              <a:t>启用信号</a:t>
-            </a:r>
-          </a:p>
-        </p:txBody>
-      </p:sp>
-      <p:sp>
-        <p:nvSpPr>
-          <p:cNvPr id="31" name="矩形 30">
-            <a:extLst>
-              <a:ext uri="{FF2B5EF4-FFF2-40B4-BE49-F238E27FC236}">
-                <a16:creationId xmlns:a16="http://schemas.microsoft.com/office/drawing/2014/main" id="{812B0491-9558-454C-BC28-DE7BF0495190}"/>
-              </a:ext>
-            </a:extLst>
-          </p:cNvPr>
-          <p:cNvSpPr/>
-          <p:nvPr/>
-        </p:nvSpPr>
-        <p:spPr>
-          <a:xfrm>
-            <a:off x="9432832" y="2902232"/>
-            <a:ext cx="1487404" cy="604086"/>
-          </a:xfrm>
-          <a:prstGeom prst="rect">
-            <a:avLst/>
-          </a:prstGeom>
-        </p:spPr>
-        <p:style>
-          <a:lnRef idx="2">
-            <a:schemeClr val="accent2"/>
-          </a:lnRef>
-          <a:fillRef idx="1">
-            <a:schemeClr val="lt1"/>
-          </a:fillRef>
-          <a:effectRef idx="0">
-            <a:schemeClr val="accent2"/>
-          </a:effectRef>
-          <a:fontRef idx="minor">
-            <a:schemeClr val="dk1"/>
-          </a:fontRef>
-        </p:style>
-        <p:txBody>
-          <a:bodyPr rtlCol="0" anchor="ctr"/>
-          <a:lstStyle/>
-          <a:p>
-            <a:pPr algn="ctr"/>
-            <a:r>
-              <a:rPr lang="zh-CN" altLang="en-US" dirty="0"/>
-              <a:t>命令读入</a:t>
-            </a:r>
-          </a:p>
-        </p:txBody>
-      </p:sp>
-      <p:sp>
-        <p:nvSpPr>
-          <p:cNvPr id="43" name="文本框 42">
-            <a:extLst>
-              <a:ext uri="{FF2B5EF4-FFF2-40B4-BE49-F238E27FC236}">
-                <a16:creationId xmlns:a16="http://schemas.microsoft.com/office/drawing/2014/main" id="{5729A980-6142-43DD-96CA-8FDA5BB7EA1A}"/>
+              <a:t>按钮信号</a:t>
+            </a:r>
+          </a:p>
+        </p:txBody>
+      </p:sp>
+      <p:cxnSp>
+        <p:nvCxnSpPr>
+          <p:cNvPr id="44" name="直接箭头连接符 43">
+            <a:extLst>
+              <a:ext uri="{FF2B5EF4-FFF2-40B4-BE49-F238E27FC236}">
+                <a16:creationId xmlns:a16="http://schemas.microsoft.com/office/drawing/2014/main" id="{778388DD-BD77-4ECA-8662-4A74BAF14B1C}"/>
+              </a:ext>
+            </a:extLst>
+          </p:cNvPr>
+          <p:cNvCxnSpPr>
+            <a:cxnSpLocks/>
+            <a:stCxn id="31" idx="2"/>
+            <a:endCxn id="61" idx="0"/>
+          </p:cNvCxnSpPr>
+          <p:nvPr/>
+        </p:nvCxnSpPr>
+        <p:spPr>
+          <a:xfrm>
+            <a:off x="10801701" y="2227448"/>
+            <a:ext cx="4235" cy="332466"/>
+          </a:xfrm>
+          <a:prstGeom prst="straightConnector1">
+            <a:avLst/>
+          </a:prstGeom>
+          <a:ln>
+            <a:tailEnd type="triangle"/>
+          </a:ln>
+        </p:spPr>
+        <p:style>
+          <a:lnRef idx="1">
+            <a:schemeClr val="accent1"/>
+          </a:lnRef>
+          <a:fillRef idx="0">
+            <a:schemeClr val="accent1"/>
+          </a:fillRef>
+          <a:effectRef idx="0">
+            <a:schemeClr val="accent1"/>
+          </a:effectRef>
+          <a:fontRef idx="minor">
+            <a:schemeClr val="tx1"/>
+          </a:fontRef>
+        </p:style>
+      </p:cxnSp>
+      <p:sp>
+        <p:nvSpPr>
+          <p:cNvPr id="45" name="文本框 44">
+            <a:extLst>
+              <a:ext uri="{FF2B5EF4-FFF2-40B4-BE49-F238E27FC236}">
+                <a16:creationId xmlns:a16="http://schemas.microsoft.com/office/drawing/2014/main" id="{AD33ED65-A34E-4D35-8968-67F8233B682D}"/>
               </a:ext>
             </a:extLst>
           </p:cNvPr>
@@ -16264,8 +16338,8 @@
         </p:nvSpPr>
         <p:spPr>
           <a:xfrm>
-            <a:off x="10164793" y="2407697"/>
-            <a:ext cx="902811" cy="307777"/>
+            <a:off x="9332940" y="2554178"/>
+            <a:ext cx="364202" cy="307777"/>
           </a:xfrm>
           <a:prstGeom prst="rect">
             <a:avLst/>
@@ -16280,85 +16354,7 @@
           <a:p>
             <a:r>
               <a:rPr lang="zh-CN" altLang="en-US" sz="1400" dirty="0"/>
-              <a:t>按钮信号</a:t>
-            </a:r>
-          </a:p>
-        </p:txBody>
-      </p:sp>
-      <p:cxnSp>
-        <p:nvCxnSpPr>
-          <p:cNvPr id="44" name="直接箭头连接符 43">
-            <a:extLst>
-              <a:ext uri="{FF2B5EF4-FFF2-40B4-BE49-F238E27FC236}">
-                <a16:creationId xmlns:a16="http://schemas.microsoft.com/office/drawing/2014/main" id="{778388DD-BD77-4ECA-8662-4A74BAF14B1C}"/>
-              </a:ext>
-            </a:extLst>
-          </p:cNvPr>
-          <p:cNvCxnSpPr>
-            <a:cxnSpLocks/>
-            <a:stCxn id="31" idx="2"/>
-            <a:endCxn id="10" idx="0"/>
-          </p:cNvCxnSpPr>
-          <p:nvPr/>
-        </p:nvCxnSpPr>
-        <p:spPr>
-          <a:xfrm>
-            <a:off x="10176534" y="3506318"/>
-            <a:ext cx="0" cy="874772"/>
-          </a:xfrm>
-          <a:prstGeom prst="straightConnector1">
-            <a:avLst/>
-          </a:prstGeom>
-          <a:ln>
-            <a:tailEnd type="triangle"/>
-          </a:ln>
-        </p:spPr>
-        <p:style>
-          <a:lnRef idx="1">
-            <a:schemeClr val="accent1"/>
-          </a:lnRef>
-          <a:fillRef idx="0">
-            <a:schemeClr val="accent1"/>
-          </a:fillRef>
-          <a:effectRef idx="0">
-            <a:schemeClr val="accent1"/>
-          </a:effectRef>
-          <a:fontRef idx="minor">
-            <a:schemeClr val="tx1"/>
-          </a:fontRef>
-        </p:style>
-      </p:cxnSp>
-      <p:sp>
-        <p:nvSpPr>
-          <p:cNvPr id="45" name="文本框 44">
-            <a:extLst>
-              <a:ext uri="{FF2B5EF4-FFF2-40B4-BE49-F238E27FC236}">
-                <a16:creationId xmlns:a16="http://schemas.microsoft.com/office/drawing/2014/main" id="{AD33ED65-A34E-4D35-8968-67F8233B682D}"/>
-              </a:ext>
-            </a:extLst>
-          </p:cNvPr>
-          <p:cNvSpPr txBox="1"/>
-          <p:nvPr/>
-        </p:nvSpPr>
-        <p:spPr>
-          <a:xfrm>
-            <a:off x="10053252" y="3802627"/>
-            <a:ext cx="902811" cy="307777"/>
-          </a:xfrm>
-          <a:prstGeom prst="rect">
-            <a:avLst/>
-          </a:prstGeom>
-          <a:noFill/>
-        </p:spPr>
-        <p:txBody>
-          <a:bodyPr wrap="none" rtlCol="0">
-            <a:spAutoFit/>
-          </a:bodyPr>
-          <a:lstStyle/>
-          <a:p>
-            <a:r>
-              <a:rPr lang="zh-CN" altLang="en-US" sz="1400" dirty="0"/>
-              <a:t>捎带信号</a:t>
+              <a:t>否</a:t>
             </a:r>
           </a:p>
         </p:txBody>
@@ -16381,8 +16377,8 @@
         </p:nvCxnSpPr>
         <p:spPr>
           <a:xfrm flipH="1" flipV="1">
-            <a:off x="4409324" y="2200276"/>
-            <a:ext cx="2871610" cy="2180814"/>
+            <a:off x="3375548" y="2236048"/>
+            <a:ext cx="2579312" cy="2172214"/>
           </a:xfrm>
           <a:prstGeom prst="straightConnector1">
             <a:avLst/>
@@ -16406,6 +16402,318 @@
           </a:fontRef>
         </p:style>
       </p:cxnSp>
+      <p:cxnSp>
+        <p:nvCxnSpPr>
+          <p:cNvPr id="15" name="直接箭头连接符 14">
+            <a:extLst>
+              <a:ext uri="{FF2B5EF4-FFF2-40B4-BE49-F238E27FC236}">
+                <a16:creationId xmlns:a16="http://schemas.microsoft.com/office/drawing/2014/main" id="{6CA131E6-3381-4522-84C8-6C8BC80B40B5}"/>
+              </a:ext>
+            </a:extLst>
+          </p:cNvPr>
+          <p:cNvCxnSpPr>
+            <a:stCxn id="7" idx="2"/>
+            <a:endCxn id="10" idx="0"/>
+          </p:cNvCxnSpPr>
+          <p:nvPr/>
+        </p:nvCxnSpPr>
+        <p:spPr>
+          <a:xfrm flipH="1">
+            <a:off x="8546605" y="2227448"/>
+            <a:ext cx="23990" cy="2180814"/>
+          </a:xfrm>
+          <a:prstGeom prst="straightConnector1">
+            <a:avLst/>
+          </a:prstGeom>
+          <a:ln>
+            <a:tailEnd type="triangle"/>
+          </a:ln>
+        </p:spPr>
+        <p:style>
+          <a:lnRef idx="1">
+            <a:schemeClr val="accent1"/>
+          </a:lnRef>
+          <a:fillRef idx="0">
+            <a:schemeClr val="accent1"/>
+          </a:fillRef>
+          <a:effectRef idx="0">
+            <a:schemeClr val="accent1"/>
+          </a:effectRef>
+          <a:fontRef idx="minor">
+            <a:schemeClr val="tx1"/>
+          </a:fontRef>
+        </p:style>
+      </p:cxnSp>
+      <p:sp>
+        <p:nvSpPr>
+          <p:cNvPr id="47" name="文本框 46">
+            <a:extLst>
+              <a:ext uri="{FF2B5EF4-FFF2-40B4-BE49-F238E27FC236}">
+                <a16:creationId xmlns:a16="http://schemas.microsoft.com/office/drawing/2014/main" id="{4002B6E7-320F-4E7A-A444-DFC633E2061E}"/>
+              </a:ext>
+            </a:extLst>
+          </p:cNvPr>
+          <p:cNvSpPr txBox="1"/>
+          <p:nvPr/>
+        </p:nvSpPr>
+        <p:spPr>
+          <a:xfrm>
+            <a:off x="7667784" y="2768367"/>
+            <a:ext cx="902811" cy="307777"/>
+          </a:xfrm>
+          <a:prstGeom prst="rect">
+            <a:avLst/>
+          </a:prstGeom>
+          <a:noFill/>
+        </p:spPr>
+        <p:txBody>
+          <a:bodyPr wrap="none" rtlCol="0">
+            <a:spAutoFit/>
+          </a:bodyPr>
+          <a:lstStyle/>
+          <a:p>
+            <a:r>
+              <a:rPr lang="zh-CN" altLang="en-US" sz="1400" dirty="0"/>
+              <a:t>到达信号</a:t>
+            </a:r>
+          </a:p>
+        </p:txBody>
+      </p:sp>
+      <p:sp>
+        <p:nvSpPr>
+          <p:cNvPr id="61" name="菱形 60">
+            <a:extLst>
+              <a:ext uri="{FF2B5EF4-FFF2-40B4-BE49-F238E27FC236}">
+                <a16:creationId xmlns:a16="http://schemas.microsoft.com/office/drawing/2014/main" id="{A08ADF98-9644-4454-A550-136113885D5F}"/>
+              </a:ext>
+            </a:extLst>
+          </p:cNvPr>
+          <p:cNvSpPr/>
+          <p:nvPr/>
+        </p:nvSpPr>
+        <p:spPr>
+          <a:xfrm>
+            <a:off x="9686148" y="2559914"/>
+            <a:ext cx="2239575" cy="604083"/>
+          </a:xfrm>
+          <a:prstGeom prst="diamond">
+            <a:avLst/>
+          </a:prstGeom>
+        </p:spPr>
+        <p:style>
+          <a:lnRef idx="2">
+            <a:schemeClr val="accent2"/>
+          </a:lnRef>
+          <a:fillRef idx="1">
+            <a:schemeClr val="lt1"/>
+          </a:fillRef>
+          <a:effectRef idx="0">
+            <a:schemeClr val="accent2"/>
+          </a:effectRef>
+          <a:fontRef idx="minor">
+            <a:schemeClr val="dk1"/>
+          </a:fontRef>
+        </p:style>
+        <p:txBody>
+          <a:bodyPr rtlCol="0" anchor="ctr"/>
+          <a:lstStyle/>
+          <a:p>
+            <a:pPr algn="ctr"/>
+            <a:r>
+              <a:rPr lang="zh-CN" altLang="en-US" dirty="0"/>
+              <a:t>是否捎带</a:t>
+            </a:r>
+          </a:p>
+        </p:txBody>
+      </p:sp>
+      <p:cxnSp>
+        <p:nvCxnSpPr>
+          <p:cNvPr id="67" name="连接符: 肘形 66">
+            <a:extLst>
+              <a:ext uri="{FF2B5EF4-FFF2-40B4-BE49-F238E27FC236}">
+                <a16:creationId xmlns:a16="http://schemas.microsoft.com/office/drawing/2014/main" id="{B1234C6D-A239-47F8-B6B8-44D90C340239}"/>
+              </a:ext>
+            </a:extLst>
+          </p:cNvPr>
+          <p:cNvCxnSpPr>
+            <a:cxnSpLocks/>
+            <a:stCxn id="61" idx="1"/>
+          </p:cNvCxnSpPr>
+          <p:nvPr/>
+        </p:nvCxnSpPr>
+        <p:spPr>
+          <a:xfrm rot="10800000">
+            <a:off x="8932252" y="2218032"/>
+            <a:ext cx="753896" cy="643925"/>
+          </a:xfrm>
+          <a:prstGeom prst="bentConnector3">
+            <a:avLst>
+              <a:gd name="adj1" fmla="val 99458"/>
+            </a:avLst>
+          </a:prstGeom>
+          <a:ln>
+            <a:tailEnd type="triangle"/>
+          </a:ln>
+        </p:spPr>
+        <p:style>
+          <a:lnRef idx="1">
+            <a:schemeClr val="accent1"/>
+          </a:lnRef>
+          <a:fillRef idx="0">
+            <a:schemeClr val="accent1"/>
+          </a:fillRef>
+          <a:effectRef idx="0">
+            <a:schemeClr val="accent1"/>
+          </a:effectRef>
+          <a:fontRef idx="minor">
+            <a:schemeClr val="tx1"/>
+          </a:fontRef>
+        </p:style>
+      </p:cxnSp>
+      <p:cxnSp>
+        <p:nvCxnSpPr>
+          <p:cNvPr id="73" name="连接符: 肘形 72">
+            <a:extLst>
+              <a:ext uri="{FF2B5EF4-FFF2-40B4-BE49-F238E27FC236}">
+                <a16:creationId xmlns:a16="http://schemas.microsoft.com/office/drawing/2014/main" id="{C40FED73-686C-4C1D-A79F-EA2AA8AF00CC}"/>
+              </a:ext>
+            </a:extLst>
+          </p:cNvPr>
+          <p:cNvCxnSpPr>
+            <a:stCxn id="61" idx="2"/>
+            <a:endCxn id="10" idx="3"/>
+          </p:cNvCxnSpPr>
+          <p:nvPr/>
+        </p:nvCxnSpPr>
+        <p:spPr>
+          <a:xfrm rot="5400000">
+            <a:off x="9274968" y="3179337"/>
+            <a:ext cx="1546308" cy="1515629"/>
+          </a:xfrm>
+          <a:prstGeom prst="bentConnector2">
+            <a:avLst/>
+          </a:prstGeom>
+          <a:ln>
+            <a:tailEnd type="triangle"/>
+          </a:ln>
+        </p:spPr>
+        <p:style>
+          <a:lnRef idx="1">
+            <a:schemeClr val="accent1"/>
+          </a:lnRef>
+          <a:fillRef idx="0">
+            <a:schemeClr val="accent1"/>
+          </a:fillRef>
+          <a:effectRef idx="0">
+            <a:schemeClr val="accent1"/>
+          </a:effectRef>
+          <a:fontRef idx="minor">
+            <a:schemeClr val="tx1"/>
+          </a:fontRef>
+        </p:style>
+      </p:cxnSp>
+      <p:sp>
+        <p:nvSpPr>
+          <p:cNvPr id="74" name="文本框 73">
+            <a:extLst>
+              <a:ext uri="{FF2B5EF4-FFF2-40B4-BE49-F238E27FC236}">
+                <a16:creationId xmlns:a16="http://schemas.microsoft.com/office/drawing/2014/main" id="{4E43BDE6-6463-4CFB-B93D-CA6C427851E3}"/>
+              </a:ext>
+            </a:extLst>
+          </p:cNvPr>
+          <p:cNvSpPr txBox="1"/>
+          <p:nvPr/>
+        </p:nvSpPr>
+        <p:spPr>
+          <a:xfrm>
+            <a:off x="10801701" y="3275111"/>
+            <a:ext cx="364202" cy="307777"/>
+          </a:xfrm>
+          <a:prstGeom prst="rect">
+            <a:avLst/>
+          </a:prstGeom>
+          <a:noFill/>
+        </p:spPr>
+        <p:txBody>
+          <a:bodyPr wrap="none" rtlCol="0">
+            <a:spAutoFit/>
+          </a:bodyPr>
+          <a:lstStyle/>
+          <a:p>
+            <a:r>
+              <a:rPr lang="zh-CN" altLang="en-US" sz="1400" dirty="0"/>
+              <a:t>是</a:t>
+            </a:r>
+          </a:p>
+        </p:txBody>
+      </p:sp>
+      <p:sp>
+        <p:nvSpPr>
+          <p:cNvPr id="75" name="文本框 74">
+            <a:extLst>
+              <a:ext uri="{FF2B5EF4-FFF2-40B4-BE49-F238E27FC236}">
+                <a16:creationId xmlns:a16="http://schemas.microsoft.com/office/drawing/2014/main" id="{44E5C502-3656-4C13-873E-F57E792311C2}"/>
+              </a:ext>
+            </a:extLst>
+          </p:cNvPr>
+          <p:cNvSpPr txBox="1"/>
+          <p:nvPr/>
+        </p:nvSpPr>
+        <p:spPr>
+          <a:xfrm>
+            <a:off x="6541417" y="1601962"/>
+            <a:ext cx="1388226" cy="307777"/>
+          </a:xfrm>
+          <a:prstGeom prst="rect">
+            <a:avLst/>
+          </a:prstGeom>
+          <a:noFill/>
+        </p:spPr>
+        <p:txBody>
+          <a:bodyPr wrap="square" rtlCol="0">
+            <a:spAutoFit/>
+          </a:bodyPr>
+          <a:lstStyle/>
+          <a:p>
+            <a:r>
+              <a:rPr lang="zh-CN" altLang="en-US" sz="1400" dirty="0"/>
+              <a:t>目的楼层信号</a:t>
+            </a:r>
+          </a:p>
+        </p:txBody>
+      </p:sp>
+      <p:sp>
+        <p:nvSpPr>
+          <p:cNvPr id="79" name="文本框 78">
+            <a:extLst>
+              <a:ext uri="{FF2B5EF4-FFF2-40B4-BE49-F238E27FC236}">
+                <a16:creationId xmlns:a16="http://schemas.microsoft.com/office/drawing/2014/main" id="{4E1230BF-0FF7-4AAB-8605-BD91A3F9F8C2}"/>
+              </a:ext>
+            </a:extLst>
+          </p:cNvPr>
+          <p:cNvSpPr txBox="1"/>
+          <p:nvPr/>
+        </p:nvSpPr>
+        <p:spPr>
+          <a:xfrm>
+            <a:off x="11452194" y="6427433"/>
+            <a:ext cx="184731" cy="369332"/>
+          </a:xfrm>
+          <a:prstGeom prst="rect">
+            <a:avLst/>
+          </a:prstGeom>
+          <a:noFill/>
+        </p:spPr>
+        <p:txBody>
+          <a:bodyPr wrap="none" rtlCol="0">
+            <a:spAutoFit/>
+          </a:bodyPr>
+          <a:lstStyle/>
+          <a:p>
+            <a:endParaRPr lang="zh-CN" altLang="en-US"/>
+          </a:p>
+        </p:txBody>
+      </p:sp>
     </p:spTree>
     <p:extLst>
       <p:ext uri="{BB962C8B-B14F-4D97-AF65-F5344CB8AC3E}">
@@ -16664,8 +16972,8 @@
         </p:nvSpPr>
         <p:spPr>
           <a:xfrm>
-            <a:off x="5081666" y="1736013"/>
-            <a:ext cx="2323475" cy="1811048"/>
+            <a:off x="4513986" y="1749758"/>
+            <a:ext cx="2606393" cy="1811048"/>
           </a:xfrm>
           <a:prstGeom prst="rect">
             <a:avLst/>
@@ -16698,7 +17006,7 @@
       </p:sp>
       <p:sp>
         <p:nvSpPr>
-          <p:cNvPr id="17" name="矩形 16">
+          <p:cNvPr id="17" name="椭圆 16">
             <a:extLst>
               <a:ext uri="{FF2B5EF4-FFF2-40B4-BE49-F238E27FC236}">
                 <a16:creationId xmlns:a16="http://schemas.microsoft.com/office/drawing/2014/main" id="{E5D7F98C-D388-41F6-B35D-459BC1FE29A4}"/>
@@ -16710,10 +17018,10 @@
         </p:nvSpPr>
         <p:spPr>
           <a:xfrm>
-            <a:off x="5306518" y="2478654"/>
-            <a:ext cx="1693889" cy="579339"/>
-          </a:xfrm>
-          <a:prstGeom prst="rect">
+            <a:off x="4738838" y="2492399"/>
+            <a:ext cx="2322975" cy="579339"/>
+          </a:xfrm>
+          <a:prstGeom prst="ellipse">
             <a:avLst/>
           </a:prstGeom>
         </p:spPr>
@@ -16760,13 +17068,14 @@
         <p:spPr>
           <a:xfrm>
             <a:off x="3312826" y="2788171"/>
-            <a:ext cx="1993692" cy="0"/>
+            <a:ext cx="1426012" cy="0"/>
           </a:xfrm>
           <a:prstGeom prst="straightConnector1">
             <a:avLst/>
           </a:prstGeom>
           <a:ln>
-            <a:tailEnd type="triangle"/>
+            <a:headEnd type="none" w="med" len="med"/>
+            <a:tailEnd type="none" w="med" len="med"/>
           </a:ln>
         </p:spPr>
         <p:style>
